--- a/Sistem Analizi ve Tasarımı 1. Sunum.pptx
+++ b/Sistem Analizi ve Tasarımı 1. Sunum.pptx
@@ -124,7 +124,7 @@
   </p:defaultTextStyle>
   <p:extLst>
     <p:ext uri="{EFAFB233-063F-42B5-8137-9DF3F51BA10A}">
-      <p15:sldGuideLst xmlns:p15="http://schemas.microsoft.com/office/powerpoint/2012/main" xmlns=""/>
+      <p15:sldGuideLst xmlns="" xmlns:p15="http://schemas.microsoft.com/office/powerpoint/2012/main"/>
     </p:ext>
   </p:extLst>
 </p:presentation>
@@ -7001,63 +7001,63 @@
                 <a:gridCol w="2873860">
                   <a:extLst>
                     <a:ext uri="{9D8B030D-6E8A-4147-A177-3AD203B41FA5}">
-                      <a16:colId xmlns:a16="http://schemas.microsoft.com/office/drawing/2014/main" xmlns="" val="20000"/>
+                      <a16:colId xmlns="" xmlns:a16="http://schemas.microsoft.com/office/drawing/2014/main" val="20000"/>
                     </a:ext>
                   </a:extLst>
                 </a:gridCol>
                 <a:gridCol w="772009">
                   <a:extLst>
                     <a:ext uri="{9D8B030D-6E8A-4147-A177-3AD203B41FA5}">
-                      <a16:colId xmlns:a16="http://schemas.microsoft.com/office/drawing/2014/main" xmlns="" val="20001"/>
+                      <a16:colId xmlns="" xmlns:a16="http://schemas.microsoft.com/office/drawing/2014/main" val="20001"/>
                     </a:ext>
                   </a:extLst>
                 </a:gridCol>
                 <a:gridCol w="772716">
                   <a:extLst>
                     <a:ext uri="{9D8B030D-6E8A-4147-A177-3AD203B41FA5}">
-                      <a16:colId xmlns:a16="http://schemas.microsoft.com/office/drawing/2014/main" xmlns="" val="20002"/>
+                      <a16:colId xmlns="" xmlns:a16="http://schemas.microsoft.com/office/drawing/2014/main" val="20002"/>
                     </a:ext>
                   </a:extLst>
                 </a:gridCol>
                 <a:gridCol w="717523">
                   <a:extLst>
                     <a:ext uri="{9D8B030D-6E8A-4147-A177-3AD203B41FA5}">
-                      <a16:colId xmlns:a16="http://schemas.microsoft.com/office/drawing/2014/main" xmlns="" val="20003"/>
+                      <a16:colId xmlns="" xmlns:a16="http://schemas.microsoft.com/office/drawing/2014/main" val="20003"/>
                     </a:ext>
                   </a:extLst>
                 </a:gridCol>
                 <a:gridCol w="800312">
                   <a:extLst>
                     <a:ext uri="{9D8B030D-6E8A-4147-A177-3AD203B41FA5}">
-                      <a16:colId xmlns:a16="http://schemas.microsoft.com/office/drawing/2014/main" xmlns="" val="20004"/>
+                      <a16:colId xmlns="" xmlns:a16="http://schemas.microsoft.com/office/drawing/2014/main" val="20004"/>
                     </a:ext>
                   </a:extLst>
                 </a:gridCol>
                 <a:gridCol w="682639">
                   <a:extLst>
                     <a:ext uri="{9D8B030D-6E8A-4147-A177-3AD203B41FA5}">
-                      <a16:colId xmlns:a16="http://schemas.microsoft.com/office/drawing/2014/main" xmlns="" val="20005"/>
+                      <a16:colId xmlns="" xmlns:a16="http://schemas.microsoft.com/office/drawing/2014/main" val="20005"/>
                     </a:ext>
                   </a:extLst>
                 </a:gridCol>
                 <a:gridCol w="1002749">
                   <a:extLst>
                     <a:ext uri="{9D8B030D-6E8A-4147-A177-3AD203B41FA5}">
-                      <a16:colId xmlns:a16="http://schemas.microsoft.com/office/drawing/2014/main" xmlns="" val="20006"/>
+                      <a16:colId xmlns="" xmlns:a16="http://schemas.microsoft.com/office/drawing/2014/main" val="20006"/>
                     </a:ext>
                   </a:extLst>
                 </a:gridCol>
                 <a:gridCol w="1020104">
                   <a:extLst>
                     <a:ext uri="{9D8B030D-6E8A-4147-A177-3AD203B41FA5}">
-                      <a16:colId xmlns:a16="http://schemas.microsoft.com/office/drawing/2014/main" xmlns="" val="20007"/>
+                      <a16:colId xmlns="" xmlns:a16="http://schemas.microsoft.com/office/drawing/2014/main" val="20007"/>
                     </a:ext>
                   </a:extLst>
                 </a:gridCol>
                 <a:gridCol w="1020104">
                   <a:extLst>
                     <a:ext uri="{9D8B030D-6E8A-4147-A177-3AD203B41FA5}">
-                      <a16:colId xmlns:a16="http://schemas.microsoft.com/office/drawing/2014/main" xmlns="" val="20008"/>
+                      <a16:colId xmlns="" xmlns:a16="http://schemas.microsoft.com/office/drawing/2014/main" val="20008"/>
                     </a:ext>
                   </a:extLst>
                 </a:gridCol>
@@ -7167,7 +7167,7 @@
                 </a:tc>
                 <a:extLst>
                   <a:ext uri="{0D108BD9-81ED-4DB2-BD59-A6C34878D82A}">
-                    <a16:rowId xmlns:a16="http://schemas.microsoft.com/office/drawing/2014/main" xmlns="" val="10000"/>
+                    <a16:rowId xmlns="" xmlns:a16="http://schemas.microsoft.com/office/drawing/2014/main" val="10000"/>
                   </a:ext>
                 </a:extLst>
               </a:tr>
@@ -7271,7 +7271,7 @@
                 </a:tc>
                 <a:extLst>
                   <a:ext uri="{0D108BD9-81ED-4DB2-BD59-A6C34878D82A}">
-                    <a16:rowId xmlns:a16="http://schemas.microsoft.com/office/drawing/2014/main" xmlns="" val="10001"/>
+                    <a16:rowId xmlns="" xmlns:a16="http://schemas.microsoft.com/office/drawing/2014/main" val="10001"/>
                   </a:ext>
                 </a:extLst>
               </a:tr>
@@ -7471,7 +7471,7 @@
                 </a:tc>
                 <a:extLst>
                   <a:ext uri="{0D108BD9-81ED-4DB2-BD59-A6C34878D82A}">
-                    <a16:rowId xmlns:a16="http://schemas.microsoft.com/office/drawing/2014/main" xmlns="" val="10002"/>
+                    <a16:rowId xmlns="" xmlns:a16="http://schemas.microsoft.com/office/drawing/2014/main" val="10002"/>
                   </a:ext>
                 </a:extLst>
               </a:tr>
@@ -7568,7 +7568,7 @@
                 </a:tc>
                 <a:extLst>
                   <a:ext uri="{0D108BD9-81ED-4DB2-BD59-A6C34878D82A}">
-                    <a16:rowId xmlns:a16="http://schemas.microsoft.com/office/drawing/2014/main" xmlns="" val="10003"/>
+                    <a16:rowId xmlns="" xmlns:a16="http://schemas.microsoft.com/office/drawing/2014/main" val="10003"/>
                   </a:ext>
                 </a:extLst>
               </a:tr>
@@ -7665,7 +7665,7 @@
                 </a:tc>
                 <a:extLst>
                   <a:ext uri="{0D108BD9-81ED-4DB2-BD59-A6C34878D82A}">
-                    <a16:rowId xmlns:a16="http://schemas.microsoft.com/office/drawing/2014/main" xmlns="" val="10004"/>
+                    <a16:rowId xmlns="" xmlns:a16="http://schemas.microsoft.com/office/drawing/2014/main" val="10004"/>
                   </a:ext>
                 </a:extLst>
               </a:tr>
@@ -7762,7 +7762,7 @@
                 </a:tc>
                 <a:extLst>
                   <a:ext uri="{0D108BD9-81ED-4DB2-BD59-A6C34878D82A}">
-                    <a16:rowId xmlns:a16="http://schemas.microsoft.com/office/drawing/2014/main" xmlns="" val="10005"/>
+                    <a16:rowId xmlns="" xmlns:a16="http://schemas.microsoft.com/office/drawing/2014/main" val="10005"/>
                   </a:ext>
                 </a:extLst>
               </a:tr>
@@ -7859,7 +7859,7 @@
                 </a:tc>
                 <a:extLst>
                   <a:ext uri="{0D108BD9-81ED-4DB2-BD59-A6C34878D82A}">
-                    <a16:rowId xmlns:a16="http://schemas.microsoft.com/office/drawing/2014/main" xmlns="" val="10006"/>
+                    <a16:rowId xmlns="" xmlns:a16="http://schemas.microsoft.com/office/drawing/2014/main" val="10006"/>
                   </a:ext>
                 </a:extLst>
               </a:tr>
@@ -7956,7 +7956,7 @@
                 </a:tc>
                 <a:extLst>
                   <a:ext uri="{0D108BD9-81ED-4DB2-BD59-A6C34878D82A}">
-                    <a16:rowId xmlns:a16="http://schemas.microsoft.com/office/drawing/2014/main" xmlns="" val="10007"/>
+                    <a16:rowId xmlns="" xmlns:a16="http://schemas.microsoft.com/office/drawing/2014/main" val="10007"/>
                   </a:ext>
                 </a:extLst>
               </a:tr>
@@ -8874,35 +8874,35 @@
                 <a:gridCol w="1604285">
                   <a:extLst>
                     <a:ext uri="{9D8B030D-6E8A-4147-A177-3AD203B41FA5}">
-                      <a16:colId xmlns:a16="http://schemas.microsoft.com/office/drawing/2014/main" xmlns="" val="20000"/>
+                      <a16:colId xmlns="" xmlns:a16="http://schemas.microsoft.com/office/drawing/2014/main" val="20000"/>
                     </a:ext>
                   </a:extLst>
                 </a:gridCol>
                 <a:gridCol w="961211">
                   <a:extLst>
                     <a:ext uri="{9D8B030D-6E8A-4147-A177-3AD203B41FA5}">
-                      <a16:colId xmlns:a16="http://schemas.microsoft.com/office/drawing/2014/main" xmlns="" val="20001"/>
+                      <a16:colId xmlns="" xmlns:a16="http://schemas.microsoft.com/office/drawing/2014/main" val="20001"/>
                     </a:ext>
                   </a:extLst>
                 </a:gridCol>
                 <a:gridCol w="1753861">
                   <a:extLst>
                     <a:ext uri="{9D8B030D-6E8A-4147-A177-3AD203B41FA5}">
-                      <a16:colId xmlns:a16="http://schemas.microsoft.com/office/drawing/2014/main" xmlns="" val="20002"/>
+                      <a16:colId xmlns="" xmlns:a16="http://schemas.microsoft.com/office/drawing/2014/main" val="20002"/>
                     </a:ext>
                   </a:extLst>
                 </a:gridCol>
                 <a:gridCol w="1694984">
                   <a:extLst>
                     <a:ext uri="{9D8B030D-6E8A-4147-A177-3AD203B41FA5}">
-                      <a16:colId xmlns:a16="http://schemas.microsoft.com/office/drawing/2014/main" xmlns="" val="20003"/>
+                      <a16:colId xmlns="" xmlns:a16="http://schemas.microsoft.com/office/drawing/2014/main" val="20003"/>
                     </a:ext>
                   </a:extLst>
                 </a:gridCol>
                 <a:gridCol w="2022030">
                   <a:extLst>
                     <a:ext uri="{9D8B030D-6E8A-4147-A177-3AD203B41FA5}">
-                      <a16:colId xmlns:a16="http://schemas.microsoft.com/office/drawing/2014/main" xmlns="" val="20004"/>
+                      <a16:colId xmlns="" xmlns:a16="http://schemas.microsoft.com/office/drawing/2014/main" val="20004"/>
                     </a:ext>
                   </a:extLst>
                 </a:gridCol>
@@ -9076,7 +9076,7 @@
                 </a:tc>
                 <a:extLst>
                   <a:ext uri="{0D108BD9-81ED-4DB2-BD59-A6C34878D82A}">
-                    <a16:rowId xmlns:a16="http://schemas.microsoft.com/office/drawing/2014/main" xmlns="" val="10000"/>
+                    <a16:rowId xmlns="" xmlns:a16="http://schemas.microsoft.com/office/drawing/2014/main" val="10000"/>
                   </a:ext>
                 </a:extLst>
               </a:tr>
@@ -9616,7 +9616,7 @@
                 </a:tc>
                 <a:extLst>
                   <a:ext uri="{0D108BD9-81ED-4DB2-BD59-A6C34878D82A}">
-                    <a16:rowId xmlns:a16="http://schemas.microsoft.com/office/drawing/2014/main" xmlns="" val="10001"/>
+                    <a16:rowId xmlns="" xmlns:a16="http://schemas.microsoft.com/office/drawing/2014/main" val="10001"/>
                   </a:ext>
                 </a:extLst>
               </a:tr>
@@ -9708,15 +9708,7 @@
                           <a:latin typeface="Times New Roman" panose="02020603050405020304" pitchFamily="18" charset="0"/>
                           <a:ea typeface="Arial Unicode MS" panose="020B0604020202020204" pitchFamily="34" charset="-128"/>
                         </a:rPr>
-                        <a:t>Yaklaşık </a:t>
-                      </a:r>
-                      <a:r>
-                        <a:rPr lang="tr-TR" sz="1200" u="none" kern="50" dirty="0" smtClean="0">
-                          <a:effectLst/>
-                          <a:latin typeface="Times New Roman" panose="02020603050405020304" pitchFamily="18" charset="0"/>
-                          <a:ea typeface="Arial Unicode MS" panose="020B0604020202020204" pitchFamily="34" charset="-128"/>
-                        </a:rPr>
-                        <a:t>19.000</a:t>
+                        <a:t>Yaklaşık 19.000</a:t>
                       </a:r>
                       <a:r>
                         <a:rPr lang="tr-TR" sz="1200" u="none" kern="50" baseline="0" dirty="0" smtClean="0">
@@ -9905,15 +9897,7 @@
                           <a:latin typeface="Times New Roman" panose="02020603050405020304" pitchFamily="18" charset="0"/>
                           <a:ea typeface="Arial Unicode MS" panose="020B0604020202020204" pitchFamily="34" charset="-128"/>
                         </a:rPr>
-                        <a:t>Yaklaşık </a:t>
-                      </a:r>
-                      <a:r>
-                        <a:rPr lang="tr-TR" sz="1200" u="none" kern="50" dirty="0" smtClean="0">
-                          <a:effectLst/>
-                          <a:latin typeface="Times New Roman" panose="02020603050405020304" pitchFamily="18" charset="0"/>
-                          <a:ea typeface="Arial Unicode MS" panose="020B0604020202020204" pitchFamily="34" charset="-128"/>
-                        </a:rPr>
-                        <a:t>18,570</a:t>
+                        <a:t>Yaklaşık 18,570</a:t>
                       </a:r>
                       <a:r>
                         <a:rPr lang="tr-TR" sz="1200" u="none" kern="50" baseline="0" dirty="0" smtClean="0">
@@ -9929,15 +9913,7 @@
                           <a:latin typeface="Times New Roman" panose="02020603050405020304" pitchFamily="18" charset="0"/>
                           <a:ea typeface="Arial Unicode MS" panose="020B0604020202020204" pitchFamily="34" charset="-128"/>
                         </a:rPr>
-                        <a:t>TL’ye </a:t>
-                      </a:r>
-                      <a:r>
-                        <a:rPr lang="tr-TR" sz="1200" u="none" kern="50" dirty="0" smtClean="0">
-                          <a:effectLst/>
-                          <a:latin typeface="Times New Roman" panose="02020603050405020304" pitchFamily="18" charset="0"/>
-                          <a:ea typeface="Arial Unicode MS" panose="020B0604020202020204" pitchFamily="34" charset="-128"/>
-                        </a:rPr>
-                        <a:t>mal olan ve geri dönüşümü 4,5 ay</a:t>
+                        <a:t>TL’ye mal olan ve geri dönüşümü 4,5 ay</a:t>
                       </a:r>
                       <a:r>
                         <a:rPr lang="tr-TR" sz="1200" u="none" kern="50" baseline="0" dirty="0" smtClean="0">
@@ -9994,7 +9970,7 @@
                 </a:tc>
                 <a:extLst>
                   <a:ext uri="{0D108BD9-81ED-4DB2-BD59-A6C34878D82A}">
-                    <a16:rowId xmlns:a16="http://schemas.microsoft.com/office/drawing/2014/main" xmlns="" val="10002"/>
+                    <a16:rowId xmlns="" xmlns:a16="http://schemas.microsoft.com/office/drawing/2014/main" val="10002"/>
                   </a:ext>
                 </a:extLst>
               </a:tr>
@@ -10133,15 +10109,7 @@
                           <a:latin typeface="Times New Roman" panose="02020603050405020304" pitchFamily="18" charset="0"/>
                           <a:ea typeface="Arial Unicode MS" panose="020B0604020202020204" pitchFamily="34" charset="-128"/>
                         </a:rPr>
-                        <a:t>3,5 </a:t>
-                      </a:r>
-                      <a:r>
-                        <a:rPr lang="tr-TR" sz="1200" kern="50" dirty="0" smtClean="0">
-                          <a:effectLst/>
-                          <a:latin typeface="Times New Roman" panose="02020603050405020304" pitchFamily="18" charset="0"/>
-                          <a:ea typeface="Arial Unicode MS" panose="020B0604020202020204" pitchFamily="34" charset="-128"/>
-                        </a:rPr>
-                        <a:t>ay</a:t>
+                        <a:t>3,5 ay</a:t>
                       </a:r>
                     </a:p>
                     <a:p>
@@ -10258,18 +10226,13 @@
                         </a:rPr>
                         <a:t>Puan:85</a:t>
                       </a:r>
-                      <a:endParaRPr lang="tr-TR" sz="1200" kern="50" dirty="0" smtClean="0">
-                        <a:effectLst/>
-                        <a:latin typeface="Times New Roman" panose="02020603050405020304" pitchFamily="18" charset="0"/>
-                        <a:ea typeface="Arial Unicode MS" panose="020B0604020202020204" pitchFamily="34" charset="-128"/>
-                      </a:endParaRPr>
                     </a:p>
                   </a:txBody>
                   <a:tcPr marL="68580" marR="68580" marT="0" marB="0"/>
                 </a:tc>
                 <a:extLst>
                   <a:ext uri="{0D108BD9-81ED-4DB2-BD59-A6C34878D82A}">
-                    <a16:rowId xmlns:a16="http://schemas.microsoft.com/office/drawing/2014/main" xmlns="" val="10003"/>
+                    <a16:rowId xmlns="" xmlns:a16="http://schemas.microsoft.com/office/drawing/2014/main" val="10003"/>
                   </a:ext>
                 </a:extLst>
               </a:tr>
@@ -10903,11 +10866,6 @@
                         </a:rPr>
                         <a:t>Puan:65</a:t>
                       </a:r>
-                      <a:endParaRPr lang="tr-TR" sz="1200" kern="50" baseline="0" dirty="0" smtClean="0">
-                        <a:effectLst/>
-                        <a:latin typeface="Times New Roman" panose="02020603050405020304" pitchFamily="18" charset="0"/>
-                        <a:ea typeface="Arial Unicode MS" panose="020B0604020202020204" pitchFamily="34" charset="-128"/>
-                      </a:endParaRPr>
                     </a:p>
                     <a:p>
                       <a:pPr marL="0" marR="0" algn="l">
@@ -10956,18 +10914,13 @@
                         </a:rPr>
                         <a:t>80,5</a:t>
                       </a:r>
-                      <a:endParaRPr lang="tr-TR" sz="1200" kern="50" dirty="0" smtClean="0">
-                        <a:effectLst/>
-                        <a:latin typeface="Times New Roman" panose="02020603050405020304" pitchFamily="18" charset="0"/>
-                        <a:ea typeface="Arial Unicode MS" panose="020B0604020202020204" pitchFamily="34" charset="-128"/>
-                      </a:endParaRPr>
                     </a:p>
                   </a:txBody>
                   <a:tcPr marL="68580" marR="68580" marT="0" marB="0"/>
                 </a:tc>
                 <a:extLst>
                   <a:ext uri="{0D108BD9-81ED-4DB2-BD59-A6C34878D82A}">
-                    <a16:rowId xmlns:a16="http://schemas.microsoft.com/office/drawing/2014/main" xmlns="" val="10004"/>
+                    <a16:rowId xmlns="" xmlns:a16="http://schemas.microsoft.com/office/drawing/2014/main" val="10004"/>
                   </a:ext>
                 </a:extLst>
               </a:tr>
@@ -11111,15 +11064,15 @@
         </p:nvSpPr>
         <p:spPr>
           <a:xfrm>
-            <a:off x="1038896" y="1068132"/>
-            <a:ext cx="6096000" cy="4632037"/>
+            <a:off x="1038895" y="1068132"/>
+            <a:ext cx="8176049" cy="2893100"/>
           </a:xfrm>
           <a:prstGeom prst="rect">
             <a:avLst/>
           </a:prstGeom>
         </p:spPr>
         <p:txBody>
-          <a:bodyPr>
+          <a:bodyPr wrap="square">
             <a:spAutoFit/>
           </a:bodyPr>
           <a:lstStyle/>
@@ -11182,7 +11135,63 @@
                 <a:latin typeface="Times New Roman" panose="02020603050405020304" pitchFamily="18" charset="0"/>
                 <a:ea typeface="Arial Unicode MS" panose="020B0604020202020204" pitchFamily="34" charset="-128"/>
               </a:rPr>
-              <a:t> Gelişmiş bilgi sistemleri ürünlerin daha verimli şekilde satılmasını ve depolanması, takibinin kolaylaşması, kullanıcı memnuniyetinin artması gibi temellere dayanarak genel anlamda firmanın kârını ve bilinilirliğini artırmak üzere geliştirilen sistemlerdir. Günümüzde hemen hemen tüm kurumsal firmalar gelişmiş bir bilgi sistemine sahiptir.</a:t>
+              <a:t> </a:t>
+            </a:r>
+            <a:r>
+              <a:rPr lang="tr-TR" kern="50" dirty="0" err="1">
+                <a:latin typeface="Times New Roman" panose="02020603050405020304" pitchFamily="18" charset="0"/>
+                <a:ea typeface="Arial Unicode MS" panose="020B0604020202020204" pitchFamily="34" charset="-128"/>
+              </a:rPr>
+              <a:t>Bloglar</a:t>
+            </a:r>
+            <a:r>
+              <a:rPr lang="tr-TR" kern="50" dirty="0">
+                <a:latin typeface="Times New Roman" panose="02020603050405020304" pitchFamily="18" charset="0"/>
+                <a:ea typeface="Arial Unicode MS" panose="020B0604020202020204" pitchFamily="34" charset="-128"/>
+              </a:rPr>
+              <a:t> birçok konudan bir sürü farklı içerik ve resmi içerisinde barındırabilir. Bu o </a:t>
+            </a:r>
+            <a:r>
+              <a:rPr lang="tr-TR" kern="50" dirty="0" err="1">
+                <a:latin typeface="Times New Roman" panose="02020603050405020304" pitchFamily="18" charset="0"/>
+                <a:ea typeface="Arial Unicode MS" panose="020B0604020202020204" pitchFamily="34" charset="-128"/>
+              </a:rPr>
+              <a:t>blog</a:t>
+            </a:r>
+            <a:r>
+              <a:rPr lang="tr-TR" kern="50" dirty="0">
+                <a:latin typeface="Times New Roman" panose="02020603050405020304" pitchFamily="18" charset="0"/>
+                <a:ea typeface="Arial Unicode MS" panose="020B0604020202020204" pitchFamily="34" charset="-128"/>
+              </a:rPr>
+              <a:t> sahibinin isteğine ve o </a:t>
+            </a:r>
+            <a:r>
+              <a:rPr lang="tr-TR" kern="50" dirty="0" err="1">
+                <a:latin typeface="Times New Roman" panose="02020603050405020304" pitchFamily="18" charset="0"/>
+                <a:ea typeface="Arial Unicode MS" panose="020B0604020202020204" pitchFamily="34" charset="-128"/>
+              </a:rPr>
+              <a:t>blog</a:t>
+            </a:r>
+            <a:r>
+              <a:rPr lang="tr-TR" kern="50" dirty="0">
+                <a:latin typeface="Times New Roman" panose="02020603050405020304" pitchFamily="18" charset="0"/>
+                <a:ea typeface="Arial Unicode MS" panose="020B0604020202020204" pitchFamily="34" charset="-128"/>
+              </a:rPr>
+              <a:t> yapınsın belirlediği standartlara göre değişiklik gösterir. Önemli olan </a:t>
+            </a:r>
+            <a:r>
+              <a:rPr lang="tr-TR" kern="50" dirty="0" err="1">
+                <a:latin typeface="Times New Roman" panose="02020603050405020304" pitchFamily="18" charset="0"/>
+                <a:ea typeface="Arial Unicode MS" panose="020B0604020202020204" pitchFamily="34" charset="-128"/>
+              </a:rPr>
+              <a:t>blog</a:t>
+            </a:r>
+            <a:r>
+              <a:rPr lang="tr-TR" kern="50" dirty="0">
+                <a:latin typeface="Times New Roman" panose="02020603050405020304" pitchFamily="18" charset="0"/>
+                <a:ea typeface="Arial Unicode MS" panose="020B0604020202020204" pitchFamily="34" charset="-128"/>
+              </a:rPr>
+              <a:t> içinde yazılan konuların bir bütünlük ve uyumluluk göstermesidir. Peki, hep aynı konudan mı yazılacak? Hayır !!! Farklı konulardan da yazsanız bu sefer de uyumsuzluğun getirdiği uyumluluğu yakalarsınız. </a:t>
             </a:r>
             <a:endParaRPr lang="en-US" kern="50" dirty="0" smtClean="0">
               <a:effectLst/>
@@ -11196,50 +11205,6 @@
                 <a:spcPts val="600"/>
               </a:spcAft>
             </a:pPr>
-            <a:r>
-              <a:rPr lang="tr-TR" kern="50" dirty="0" smtClean="0">
-                <a:effectLst/>
-                <a:latin typeface="Times New Roman" panose="02020603050405020304" pitchFamily="18" charset="0"/>
-                <a:ea typeface="Arial Unicode MS" panose="020B0604020202020204" pitchFamily="34" charset="-128"/>
-              </a:rPr>
-              <a:t> </a:t>
-            </a:r>
-            <a:endParaRPr lang="en-US" kern="50" dirty="0" smtClean="0">
-              <a:effectLst/>
-              <a:latin typeface="Times New Roman" panose="02020603050405020304" pitchFamily="18" charset="0"/>
-              <a:ea typeface="Arial Unicode MS" panose="020B0604020202020204" pitchFamily="34" charset="-128"/>
-            </a:endParaRPr>
-          </a:p>
-          <a:p>
-            <a:pPr indent="449580" algn="just">
-              <a:spcAft>
-                <a:spcPts val="600"/>
-              </a:spcAft>
-            </a:pPr>
-            <a:r>
-              <a:rPr lang="tr-TR" kern="50" dirty="0" smtClean="0">
-                <a:effectLst/>
-                <a:latin typeface="Times New Roman" panose="02020603050405020304" pitchFamily="18" charset="0"/>
-                <a:ea typeface="Arial Unicode MS" panose="020B0604020202020204" pitchFamily="34" charset="-128"/>
-              </a:rPr>
-              <a:t>Mevcut ürün satış sisteminde bilgilerin güncellenmesi, kullanıcı bilgileri, şubeler arası iletişim kopukluğu, depo bilgisi, istatistiksel veriler, </a:t>
-            </a:r>
-            <a:r>
-              <a:rPr lang="tr-TR" kern="50" dirty="0" err="1" smtClean="0">
-                <a:effectLst/>
-                <a:latin typeface="Times New Roman" panose="02020603050405020304" pitchFamily="18" charset="0"/>
-                <a:ea typeface="Arial Unicode MS" panose="020B0604020202020204" pitchFamily="34" charset="-128"/>
-              </a:rPr>
-              <a:t>feedback</a:t>
-            </a:r>
-            <a:r>
-              <a:rPr lang="tr-TR" kern="50" dirty="0" smtClean="0">
-                <a:effectLst/>
-                <a:latin typeface="Times New Roman" panose="02020603050405020304" pitchFamily="18" charset="0"/>
-                <a:ea typeface="Arial Unicode MS" panose="020B0604020202020204" pitchFamily="34" charset="-128"/>
-              </a:rPr>
-              <a:t> sistemi konularında çok ciddi eksiklikler vardı. Bu sorunlar üretimin yavaşlaması, maliyetin artması ve müşteri kaybı gibi çok ciddi sorunlara yol açıyordu.</a:t>
-            </a:r>
             <a:endParaRPr lang="en-US" kern="50" dirty="0" smtClean="0">
               <a:effectLst/>
               <a:latin typeface="Times New Roman" panose="02020603050405020304" pitchFamily="18" charset="0"/>
@@ -11314,14 +11279,14 @@
         <p:spPr>
           <a:xfrm>
             <a:off x="768439" y="877787"/>
-            <a:ext cx="6096000" cy="5463034"/>
+            <a:ext cx="9542209" cy="4001095"/>
           </a:xfrm>
           <a:prstGeom prst="rect">
             <a:avLst/>
           </a:prstGeom>
         </p:spPr>
         <p:txBody>
-          <a:bodyPr>
+          <a:bodyPr wrap="square">
             <a:spAutoFit/>
           </a:bodyPr>
           <a:lstStyle/>
@@ -11332,59 +11297,818 @@
               </a:spcAft>
             </a:pPr>
             <a:r>
-              <a:rPr lang="tr-TR" kern="50" smtClean="0">
-                <a:effectLst/>
-                <a:latin typeface="Times New Roman" panose="02020603050405020304" pitchFamily="18" charset="0"/>
-                <a:ea typeface="Arial Unicode MS" panose="020B0604020202020204" pitchFamily="34" charset="-128"/>
-              </a:rPr>
-              <a:t>Bu sorunları çözmek için güncel bir sisteme ihtiyaç vardı. </a:t>
-            </a:r>
-            <a:r>
-              <a:rPr lang="tr-TR" kern="50" dirty="0" smtClean="0">
-                <a:effectLst/>
-                <a:latin typeface="Times New Roman" panose="02020603050405020304" pitchFamily="18" charset="0"/>
-                <a:ea typeface="Arial Unicode MS" panose="020B0604020202020204" pitchFamily="34" charset="-128"/>
-              </a:rPr>
-              <a:t>Bahsedilen mevcut sorunları çözmenin </a:t>
-            </a:r>
-            <a:r>
-              <a:rPr lang="tr-TR" kern="50" dirty="0" err="1" smtClean="0">
-                <a:effectLst/>
-                <a:latin typeface="Times New Roman" panose="02020603050405020304" pitchFamily="18" charset="0"/>
-                <a:ea typeface="Arial Unicode MS" panose="020B0604020202020204" pitchFamily="34" charset="-128"/>
-              </a:rPr>
-              <a:t>yanısıra</a:t>
-            </a:r>
-            <a:r>
-              <a:rPr lang="tr-TR" kern="50" dirty="0" smtClean="0">
-                <a:effectLst/>
-                <a:latin typeface="Times New Roman" panose="02020603050405020304" pitchFamily="18" charset="0"/>
-                <a:ea typeface="Arial Unicode MS" panose="020B0604020202020204" pitchFamily="34" charset="-128"/>
-              </a:rPr>
-              <a:t> kolay alışveriş imkânı, stok takibi ve tutulan istatistik ve geri beslemelerle müşteriye alacağı ürün hakkında daha ayrıntılı bilgi vermek de yeni sistemin kapsaması gereken konular içindeydi.</a:t>
-            </a:r>
-            <a:endParaRPr lang="en-US" kern="50" smtClean="0">
-              <a:effectLst/>
-              <a:latin typeface="Times New Roman" panose="02020603050405020304" pitchFamily="18" charset="0"/>
-              <a:ea typeface="Arial Unicode MS" panose="020B0604020202020204" pitchFamily="34" charset="-128"/>
-            </a:endParaRPr>
-          </a:p>
-          <a:p>
-            <a:pPr algn="just">
-              <a:spcAft>
-                <a:spcPts val="600"/>
-              </a:spcAft>
-            </a:pPr>
-            <a:r>
-              <a:rPr lang="tr-TR" kern="50" smtClean="0">
-                <a:effectLst/>
-                <a:latin typeface="Times New Roman" panose="02020603050405020304" pitchFamily="18" charset="0"/>
-                <a:ea typeface="Arial Unicode MS" panose="020B0604020202020204" pitchFamily="34" charset="-128"/>
-              </a:rPr>
-              <a:t> </a:t>
-            </a:r>
-            <a:endParaRPr lang="en-US" kern="50" smtClean="0">
-              <a:effectLst/>
+              <a:rPr lang="en-US" kern="50" dirty="0" err="1">
+                <a:latin typeface="Times New Roman" panose="02020603050405020304" pitchFamily="18" charset="0"/>
+                <a:ea typeface="Arial Unicode MS" panose="020B0604020202020204" pitchFamily="34" charset="-128"/>
+              </a:rPr>
+              <a:t>Kişisel</a:t>
+            </a:r>
+            <a:r>
+              <a:rPr lang="en-US" kern="50" dirty="0">
+                <a:latin typeface="Times New Roman" panose="02020603050405020304" pitchFamily="18" charset="0"/>
+                <a:ea typeface="Arial Unicode MS" panose="020B0604020202020204" pitchFamily="34" charset="-128"/>
+              </a:rPr>
+              <a:t> </a:t>
+            </a:r>
+            <a:r>
+              <a:rPr lang="en-US" kern="50" dirty="0" err="1">
+                <a:latin typeface="Times New Roman" panose="02020603050405020304" pitchFamily="18" charset="0"/>
+                <a:ea typeface="Arial Unicode MS" panose="020B0604020202020204" pitchFamily="34" charset="-128"/>
+              </a:rPr>
+              <a:t>bilgi</a:t>
+            </a:r>
+            <a:r>
+              <a:rPr lang="en-US" kern="50" dirty="0">
+                <a:latin typeface="Times New Roman" panose="02020603050405020304" pitchFamily="18" charset="0"/>
+                <a:ea typeface="Arial Unicode MS" panose="020B0604020202020204" pitchFamily="34" charset="-128"/>
+              </a:rPr>
+              <a:t> </a:t>
+            </a:r>
+            <a:r>
+              <a:rPr lang="en-US" kern="50" dirty="0" err="1">
+                <a:latin typeface="Times New Roman" panose="02020603050405020304" pitchFamily="18" charset="0"/>
+                <a:ea typeface="Arial Unicode MS" panose="020B0604020202020204" pitchFamily="34" charset="-128"/>
+              </a:rPr>
+              <a:t>ve</a:t>
+            </a:r>
+            <a:r>
+              <a:rPr lang="en-US" kern="50" dirty="0">
+                <a:latin typeface="Times New Roman" panose="02020603050405020304" pitchFamily="18" charset="0"/>
+                <a:ea typeface="Arial Unicode MS" panose="020B0604020202020204" pitchFamily="34" charset="-128"/>
+              </a:rPr>
+              <a:t> </a:t>
+            </a:r>
+            <a:r>
+              <a:rPr lang="en-US" kern="50" dirty="0" err="1">
+                <a:latin typeface="Times New Roman" panose="02020603050405020304" pitchFamily="18" charset="0"/>
+                <a:ea typeface="Arial Unicode MS" panose="020B0604020202020204" pitchFamily="34" charset="-128"/>
+              </a:rPr>
+              <a:t>tecrübelerimizi</a:t>
+            </a:r>
+            <a:r>
+              <a:rPr lang="en-US" kern="50" dirty="0">
+                <a:latin typeface="Times New Roman" panose="02020603050405020304" pitchFamily="18" charset="0"/>
+                <a:ea typeface="Arial Unicode MS" panose="020B0604020202020204" pitchFamily="34" charset="-128"/>
+              </a:rPr>
+              <a:t> en </a:t>
+            </a:r>
+            <a:r>
+              <a:rPr lang="en-US" kern="50" dirty="0" err="1">
+                <a:latin typeface="Times New Roman" panose="02020603050405020304" pitchFamily="18" charset="0"/>
+                <a:ea typeface="Arial Unicode MS" panose="020B0604020202020204" pitchFamily="34" charset="-128"/>
+              </a:rPr>
+              <a:t>rahat</a:t>
+            </a:r>
+            <a:r>
+              <a:rPr lang="en-US" kern="50" dirty="0">
+                <a:latin typeface="Times New Roman" panose="02020603050405020304" pitchFamily="18" charset="0"/>
+                <a:ea typeface="Arial Unicode MS" panose="020B0604020202020204" pitchFamily="34" charset="-128"/>
+              </a:rPr>
+              <a:t> </a:t>
+            </a:r>
+            <a:r>
+              <a:rPr lang="en-US" kern="50" dirty="0" err="1">
+                <a:latin typeface="Times New Roman" panose="02020603050405020304" pitchFamily="18" charset="0"/>
+                <a:ea typeface="Arial Unicode MS" panose="020B0604020202020204" pitchFamily="34" charset="-128"/>
+              </a:rPr>
+              <a:t>şekilde</a:t>
+            </a:r>
+            <a:r>
+              <a:rPr lang="en-US" kern="50" dirty="0">
+                <a:latin typeface="Times New Roman" panose="02020603050405020304" pitchFamily="18" charset="0"/>
+                <a:ea typeface="Arial Unicode MS" panose="020B0604020202020204" pitchFamily="34" charset="-128"/>
+              </a:rPr>
+              <a:t> </a:t>
+            </a:r>
+            <a:r>
+              <a:rPr lang="en-US" kern="50" dirty="0" err="1">
+                <a:latin typeface="Times New Roman" panose="02020603050405020304" pitchFamily="18" charset="0"/>
+                <a:ea typeface="Arial Unicode MS" panose="020B0604020202020204" pitchFamily="34" charset="-128"/>
+              </a:rPr>
+              <a:t>ifade</a:t>
+            </a:r>
+            <a:r>
+              <a:rPr lang="en-US" kern="50" dirty="0">
+                <a:latin typeface="Times New Roman" panose="02020603050405020304" pitchFamily="18" charset="0"/>
+                <a:ea typeface="Arial Unicode MS" panose="020B0604020202020204" pitchFamily="34" charset="-128"/>
+              </a:rPr>
+              <a:t> </a:t>
+            </a:r>
+            <a:r>
+              <a:rPr lang="en-US" kern="50" dirty="0" err="1">
+                <a:latin typeface="Times New Roman" panose="02020603050405020304" pitchFamily="18" charset="0"/>
+                <a:ea typeface="Arial Unicode MS" panose="020B0604020202020204" pitchFamily="34" charset="-128"/>
+              </a:rPr>
+              <a:t>edebileceğiniz</a:t>
+            </a:r>
+            <a:r>
+              <a:rPr lang="en-US" kern="50" dirty="0">
+                <a:latin typeface="Times New Roman" panose="02020603050405020304" pitchFamily="18" charset="0"/>
+                <a:ea typeface="Arial Unicode MS" panose="020B0604020202020204" pitchFamily="34" charset="-128"/>
+              </a:rPr>
+              <a:t> </a:t>
+            </a:r>
+            <a:r>
+              <a:rPr lang="en-US" kern="50" dirty="0" err="1">
+                <a:latin typeface="Times New Roman" panose="02020603050405020304" pitchFamily="18" charset="0"/>
+                <a:ea typeface="Arial Unicode MS" panose="020B0604020202020204" pitchFamily="34" charset="-128"/>
+              </a:rPr>
+              <a:t>platformun</a:t>
+            </a:r>
+            <a:r>
+              <a:rPr lang="en-US" kern="50" dirty="0">
+                <a:latin typeface="Times New Roman" panose="02020603050405020304" pitchFamily="18" charset="0"/>
+                <a:ea typeface="Arial Unicode MS" panose="020B0604020202020204" pitchFamily="34" charset="-128"/>
+              </a:rPr>
+              <a:t> </a:t>
+            </a:r>
+            <a:r>
+              <a:rPr lang="en-US" kern="50" dirty="0" err="1">
+                <a:latin typeface="Times New Roman" panose="02020603050405020304" pitchFamily="18" charset="0"/>
+                <a:ea typeface="Arial Unicode MS" panose="020B0604020202020204" pitchFamily="34" charset="-128"/>
+              </a:rPr>
+              <a:t>kişisel</a:t>
+            </a:r>
+            <a:r>
+              <a:rPr lang="en-US" kern="50" dirty="0">
+                <a:latin typeface="Times New Roman" panose="02020603050405020304" pitchFamily="18" charset="0"/>
+                <a:ea typeface="Arial Unicode MS" panose="020B0604020202020204" pitchFamily="34" charset="-128"/>
+              </a:rPr>
+              <a:t> blog </a:t>
+            </a:r>
+            <a:r>
+              <a:rPr lang="en-US" kern="50" dirty="0" err="1">
+                <a:latin typeface="Times New Roman" panose="02020603050405020304" pitchFamily="18" charset="0"/>
+                <a:ea typeface="Arial Unicode MS" panose="020B0604020202020204" pitchFamily="34" charset="-128"/>
+              </a:rPr>
+              <a:t>sayfanızın</a:t>
+            </a:r>
+            <a:r>
+              <a:rPr lang="en-US" kern="50" dirty="0">
+                <a:latin typeface="Times New Roman" panose="02020603050405020304" pitchFamily="18" charset="0"/>
+                <a:ea typeface="Arial Unicode MS" panose="020B0604020202020204" pitchFamily="34" charset="-128"/>
+              </a:rPr>
+              <a:t> </a:t>
+            </a:r>
+            <a:r>
+              <a:rPr lang="en-US" kern="50" dirty="0" err="1">
+                <a:latin typeface="Times New Roman" panose="02020603050405020304" pitchFamily="18" charset="0"/>
+                <a:ea typeface="Arial Unicode MS" panose="020B0604020202020204" pitchFamily="34" charset="-128"/>
+              </a:rPr>
+              <a:t>olabileceğini</a:t>
+            </a:r>
+            <a:r>
+              <a:rPr lang="en-US" kern="50" dirty="0">
+                <a:latin typeface="Times New Roman" panose="02020603050405020304" pitchFamily="18" charset="0"/>
+                <a:ea typeface="Arial Unicode MS" panose="020B0604020202020204" pitchFamily="34" charset="-128"/>
+              </a:rPr>
+              <a:t> </a:t>
+            </a:r>
+            <a:r>
+              <a:rPr lang="en-US" kern="50" dirty="0" err="1">
+                <a:latin typeface="Times New Roman" panose="02020603050405020304" pitchFamily="18" charset="0"/>
+                <a:ea typeface="Arial Unicode MS" panose="020B0604020202020204" pitchFamily="34" charset="-128"/>
+              </a:rPr>
+              <a:t>düşündünüz</a:t>
+            </a:r>
+            <a:r>
+              <a:rPr lang="en-US" kern="50" dirty="0">
+                <a:latin typeface="Times New Roman" panose="02020603050405020304" pitchFamily="18" charset="0"/>
+                <a:ea typeface="Arial Unicode MS" panose="020B0604020202020204" pitchFamily="34" charset="-128"/>
+              </a:rPr>
+              <a:t> </a:t>
+            </a:r>
+            <a:r>
+              <a:rPr lang="en-US" kern="50" dirty="0" err="1">
+                <a:latin typeface="Times New Roman" panose="02020603050405020304" pitchFamily="18" charset="0"/>
+                <a:ea typeface="Arial Unicode MS" panose="020B0604020202020204" pitchFamily="34" charset="-128"/>
+              </a:rPr>
+              <a:t>mü</a:t>
+            </a:r>
+            <a:r>
+              <a:rPr lang="en-US" kern="50" dirty="0">
+                <a:latin typeface="Times New Roman" panose="02020603050405020304" pitchFamily="18" charset="0"/>
+                <a:ea typeface="Arial Unicode MS" panose="020B0604020202020204" pitchFamily="34" charset="-128"/>
+              </a:rPr>
+              <a:t>? </a:t>
+            </a:r>
+            <a:r>
+              <a:rPr lang="en-US" kern="50" dirty="0" err="1">
+                <a:latin typeface="Times New Roman" panose="02020603050405020304" pitchFamily="18" charset="0"/>
+                <a:ea typeface="Arial Unicode MS" panose="020B0604020202020204" pitchFamily="34" charset="-128"/>
+              </a:rPr>
+              <a:t>Bir</a:t>
+            </a:r>
+            <a:r>
+              <a:rPr lang="en-US" kern="50" dirty="0">
+                <a:latin typeface="Times New Roman" panose="02020603050405020304" pitchFamily="18" charset="0"/>
+                <a:ea typeface="Arial Unicode MS" panose="020B0604020202020204" pitchFamily="34" charset="-128"/>
+              </a:rPr>
+              <a:t> </a:t>
+            </a:r>
+            <a:r>
+              <a:rPr lang="en-US" kern="50" dirty="0" err="1">
+                <a:latin typeface="Times New Roman" panose="02020603050405020304" pitchFamily="18" charset="0"/>
+                <a:ea typeface="Arial Unicode MS" panose="020B0604020202020204" pitchFamily="34" charset="-128"/>
+              </a:rPr>
+              <a:t>iş</a:t>
+            </a:r>
+            <a:r>
+              <a:rPr lang="en-US" kern="50" dirty="0">
+                <a:latin typeface="Times New Roman" panose="02020603050405020304" pitchFamily="18" charset="0"/>
+                <a:ea typeface="Arial Unicode MS" panose="020B0604020202020204" pitchFamily="34" charset="-128"/>
+              </a:rPr>
+              <a:t> </a:t>
+            </a:r>
+            <a:r>
+              <a:rPr lang="en-US" kern="50" dirty="0" err="1">
+                <a:latin typeface="Times New Roman" panose="02020603050405020304" pitchFamily="18" charset="0"/>
+                <a:ea typeface="Arial Unicode MS" panose="020B0604020202020204" pitchFamily="34" charset="-128"/>
+              </a:rPr>
+              <a:t>arayışı</a:t>
+            </a:r>
+            <a:r>
+              <a:rPr lang="en-US" kern="50" dirty="0">
+                <a:latin typeface="Times New Roman" panose="02020603050405020304" pitchFamily="18" charset="0"/>
+                <a:ea typeface="Arial Unicode MS" panose="020B0604020202020204" pitchFamily="34" charset="-128"/>
+              </a:rPr>
+              <a:t> </a:t>
+            </a:r>
+            <a:r>
+              <a:rPr lang="en-US" kern="50" dirty="0" err="1">
+                <a:latin typeface="Times New Roman" panose="02020603050405020304" pitchFamily="18" charset="0"/>
+                <a:ea typeface="Arial Unicode MS" panose="020B0604020202020204" pitchFamily="34" charset="-128"/>
+              </a:rPr>
+              <a:t>içerisinde</a:t>
+            </a:r>
+            <a:r>
+              <a:rPr lang="en-US" kern="50" dirty="0">
+                <a:latin typeface="Times New Roman" panose="02020603050405020304" pitchFamily="18" charset="0"/>
+                <a:ea typeface="Arial Unicode MS" panose="020B0604020202020204" pitchFamily="34" charset="-128"/>
+              </a:rPr>
+              <a:t> </a:t>
+            </a:r>
+            <a:r>
+              <a:rPr lang="en-US" kern="50" dirty="0" err="1">
+                <a:latin typeface="Times New Roman" panose="02020603050405020304" pitchFamily="18" charset="0"/>
+                <a:ea typeface="Arial Unicode MS" panose="020B0604020202020204" pitchFamily="34" charset="-128"/>
+              </a:rPr>
+              <a:t>olduğunuzu</a:t>
+            </a:r>
+            <a:r>
+              <a:rPr lang="en-US" kern="50" dirty="0">
+                <a:latin typeface="Times New Roman" panose="02020603050405020304" pitchFamily="18" charset="0"/>
+                <a:ea typeface="Arial Unicode MS" panose="020B0604020202020204" pitchFamily="34" charset="-128"/>
+              </a:rPr>
+              <a:t> </a:t>
+            </a:r>
+            <a:r>
+              <a:rPr lang="en-US" kern="50" dirty="0" err="1">
+                <a:latin typeface="Times New Roman" panose="02020603050405020304" pitchFamily="18" charset="0"/>
+                <a:ea typeface="Arial Unicode MS" panose="020B0604020202020204" pitchFamily="34" charset="-128"/>
+              </a:rPr>
+              <a:t>hayal</a:t>
+            </a:r>
+            <a:r>
+              <a:rPr lang="en-US" kern="50" dirty="0">
+                <a:latin typeface="Times New Roman" panose="02020603050405020304" pitchFamily="18" charset="0"/>
+                <a:ea typeface="Arial Unicode MS" panose="020B0604020202020204" pitchFamily="34" charset="-128"/>
+              </a:rPr>
+              <a:t> </a:t>
+            </a:r>
+            <a:r>
+              <a:rPr lang="en-US" kern="50" dirty="0" err="1">
+                <a:latin typeface="Times New Roman" panose="02020603050405020304" pitchFamily="18" charset="0"/>
+                <a:ea typeface="Arial Unicode MS" panose="020B0604020202020204" pitchFamily="34" charset="-128"/>
+              </a:rPr>
+              <a:t>edin</a:t>
+            </a:r>
+            <a:r>
+              <a:rPr lang="en-US" kern="50" dirty="0">
+                <a:latin typeface="Times New Roman" panose="02020603050405020304" pitchFamily="18" charset="0"/>
+                <a:ea typeface="Arial Unicode MS" panose="020B0604020202020204" pitchFamily="34" charset="-128"/>
+              </a:rPr>
+              <a:t> </a:t>
+            </a:r>
+            <a:r>
+              <a:rPr lang="en-US" kern="50" dirty="0" err="1">
+                <a:latin typeface="Times New Roman" panose="02020603050405020304" pitchFamily="18" charset="0"/>
+                <a:ea typeface="Arial Unicode MS" panose="020B0604020202020204" pitchFamily="34" charset="-128"/>
+              </a:rPr>
+              <a:t>CV’nize</a:t>
+            </a:r>
+            <a:r>
+              <a:rPr lang="en-US" kern="50" dirty="0">
+                <a:latin typeface="Times New Roman" panose="02020603050405020304" pitchFamily="18" charset="0"/>
+                <a:ea typeface="Arial Unicode MS" panose="020B0604020202020204" pitchFamily="34" charset="-128"/>
+              </a:rPr>
+              <a:t> blog </a:t>
+            </a:r>
+            <a:r>
+              <a:rPr lang="en-US" kern="50" dirty="0" err="1">
+                <a:latin typeface="Times New Roman" panose="02020603050405020304" pitchFamily="18" charset="0"/>
+                <a:ea typeface="Arial Unicode MS" panose="020B0604020202020204" pitchFamily="34" charset="-128"/>
+              </a:rPr>
+              <a:t>sayfanızın</a:t>
+            </a:r>
+            <a:r>
+              <a:rPr lang="en-US" kern="50" dirty="0">
+                <a:latin typeface="Times New Roman" panose="02020603050405020304" pitchFamily="18" charset="0"/>
+                <a:ea typeface="Arial Unicode MS" panose="020B0604020202020204" pitchFamily="34" charset="-128"/>
+              </a:rPr>
+              <a:t> </a:t>
+            </a:r>
+            <a:r>
+              <a:rPr lang="en-US" kern="50" dirty="0" err="1">
+                <a:latin typeface="Times New Roman" panose="02020603050405020304" pitchFamily="18" charset="0"/>
+                <a:ea typeface="Arial Unicode MS" panose="020B0604020202020204" pitchFamily="34" charset="-128"/>
+              </a:rPr>
+              <a:t>linkini</a:t>
+            </a:r>
+            <a:r>
+              <a:rPr lang="en-US" kern="50" dirty="0">
+                <a:latin typeface="Times New Roman" panose="02020603050405020304" pitchFamily="18" charset="0"/>
+                <a:ea typeface="Arial Unicode MS" panose="020B0604020202020204" pitchFamily="34" charset="-128"/>
+              </a:rPr>
+              <a:t> </a:t>
+            </a:r>
+            <a:r>
+              <a:rPr lang="en-US" kern="50" dirty="0" err="1">
+                <a:latin typeface="Times New Roman" panose="02020603050405020304" pitchFamily="18" charset="0"/>
+                <a:ea typeface="Arial Unicode MS" panose="020B0604020202020204" pitchFamily="34" charset="-128"/>
+              </a:rPr>
+              <a:t>eklediğinizi</a:t>
+            </a:r>
+            <a:r>
+              <a:rPr lang="en-US" kern="50" dirty="0">
+                <a:latin typeface="Times New Roman" panose="02020603050405020304" pitchFamily="18" charset="0"/>
+                <a:ea typeface="Arial Unicode MS" panose="020B0604020202020204" pitchFamily="34" charset="-128"/>
+              </a:rPr>
+              <a:t> </a:t>
+            </a:r>
+            <a:r>
+              <a:rPr lang="en-US" kern="50" dirty="0" err="1">
+                <a:latin typeface="Times New Roman" panose="02020603050405020304" pitchFamily="18" charset="0"/>
+                <a:ea typeface="Arial Unicode MS" panose="020B0604020202020204" pitchFamily="34" charset="-128"/>
+              </a:rPr>
+              <a:t>düşünelim</a:t>
+            </a:r>
+            <a:r>
+              <a:rPr lang="en-US" kern="50" dirty="0">
+                <a:latin typeface="Times New Roman" panose="02020603050405020304" pitchFamily="18" charset="0"/>
+                <a:ea typeface="Arial Unicode MS" panose="020B0604020202020204" pitchFamily="34" charset="-128"/>
+              </a:rPr>
+              <a:t>.. Bu </a:t>
+            </a:r>
+            <a:r>
+              <a:rPr lang="en-US" kern="50" dirty="0" err="1">
+                <a:latin typeface="Times New Roman" panose="02020603050405020304" pitchFamily="18" charset="0"/>
+                <a:ea typeface="Arial Unicode MS" panose="020B0604020202020204" pitchFamily="34" charset="-128"/>
+              </a:rPr>
+              <a:t>küçük</a:t>
+            </a:r>
+            <a:r>
+              <a:rPr lang="en-US" kern="50" dirty="0">
+                <a:latin typeface="Times New Roman" panose="02020603050405020304" pitchFamily="18" charset="0"/>
+                <a:ea typeface="Arial Unicode MS" panose="020B0604020202020204" pitchFamily="34" charset="-128"/>
+              </a:rPr>
+              <a:t> </a:t>
+            </a:r>
+            <a:r>
+              <a:rPr lang="en-US" kern="50" dirty="0" err="1">
+                <a:latin typeface="Times New Roman" panose="02020603050405020304" pitchFamily="18" charset="0"/>
+                <a:ea typeface="Arial Unicode MS" panose="020B0604020202020204" pitchFamily="34" charset="-128"/>
+              </a:rPr>
+              <a:t>anektod</a:t>
+            </a:r>
+            <a:r>
+              <a:rPr lang="en-US" kern="50" dirty="0">
+                <a:latin typeface="Times New Roman" panose="02020603050405020304" pitchFamily="18" charset="0"/>
+                <a:ea typeface="Arial Unicode MS" panose="020B0604020202020204" pitchFamily="34" charset="-128"/>
+              </a:rPr>
+              <a:t> </a:t>
+            </a:r>
+            <a:r>
+              <a:rPr lang="en-US" kern="50" dirty="0" err="1">
+                <a:latin typeface="Times New Roman" panose="02020603050405020304" pitchFamily="18" charset="0"/>
+                <a:ea typeface="Arial Unicode MS" panose="020B0604020202020204" pitchFamily="34" charset="-128"/>
+              </a:rPr>
+              <a:t>muhakkak</a:t>
+            </a:r>
+            <a:r>
+              <a:rPr lang="en-US" kern="50" dirty="0">
+                <a:latin typeface="Times New Roman" panose="02020603050405020304" pitchFamily="18" charset="0"/>
+                <a:ea typeface="Arial Unicode MS" panose="020B0604020202020204" pitchFamily="34" charset="-128"/>
+              </a:rPr>
+              <a:t> </a:t>
+            </a:r>
+            <a:r>
+              <a:rPr lang="en-US" kern="50" dirty="0" err="1">
+                <a:latin typeface="Times New Roman" panose="02020603050405020304" pitchFamily="18" charset="0"/>
+                <a:ea typeface="Arial Unicode MS" panose="020B0604020202020204" pitchFamily="34" charset="-128"/>
+              </a:rPr>
+              <a:t>ki</a:t>
+            </a:r>
+            <a:r>
+              <a:rPr lang="en-US" kern="50" dirty="0">
+                <a:latin typeface="Times New Roman" panose="02020603050405020304" pitchFamily="18" charset="0"/>
+                <a:ea typeface="Arial Unicode MS" panose="020B0604020202020204" pitchFamily="34" charset="-128"/>
+              </a:rPr>
+              <a:t> </a:t>
+            </a:r>
+            <a:r>
+              <a:rPr lang="en-US" kern="50" dirty="0" err="1">
+                <a:latin typeface="Times New Roman" panose="02020603050405020304" pitchFamily="18" charset="0"/>
+                <a:ea typeface="Arial Unicode MS" panose="020B0604020202020204" pitchFamily="34" charset="-128"/>
+              </a:rPr>
+              <a:t>cv’nizi</a:t>
+            </a:r>
+            <a:r>
+              <a:rPr lang="en-US" kern="50" dirty="0">
+                <a:latin typeface="Times New Roman" panose="02020603050405020304" pitchFamily="18" charset="0"/>
+                <a:ea typeface="Arial Unicode MS" panose="020B0604020202020204" pitchFamily="34" charset="-128"/>
+              </a:rPr>
+              <a:t> </a:t>
+            </a:r>
+            <a:r>
+              <a:rPr lang="en-US" kern="50" dirty="0" err="1">
+                <a:latin typeface="Times New Roman" panose="02020603050405020304" pitchFamily="18" charset="0"/>
+                <a:ea typeface="Arial Unicode MS" panose="020B0604020202020204" pitchFamily="34" charset="-128"/>
+              </a:rPr>
+              <a:t>inceleyen</a:t>
+            </a:r>
+            <a:r>
+              <a:rPr lang="en-US" kern="50" dirty="0">
+                <a:latin typeface="Times New Roman" panose="02020603050405020304" pitchFamily="18" charset="0"/>
+                <a:ea typeface="Arial Unicode MS" panose="020B0604020202020204" pitchFamily="34" charset="-128"/>
+              </a:rPr>
+              <a:t> </a:t>
+            </a:r>
+            <a:r>
+              <a:rPr lang="en-US" kern="50" dirty="0" err="1">
+                <a:latin typeface="Times New Roman" panose="02020603050405020304" pitchFamily="18" charset="0"/>
+                <a:ea typeface="Arial Unicode MS" panose="020B0604020202020204" pitchFamily="34" charset="-128"/>
+              </a:rPr>
+              <a:t>insan</a:t>
+            </a:r>
+            <a:r>
+              <a:rPr lang="en-US" kern="50" dirty="0">
+                <a:latin typeface="Times New Roman" panose="02020603050405020304" pitchFamily="18" charset="0"/>
+                <a:ea typeface="Arial Unicode MS" panose="020B0604020202020204" pitchFamily="34" charset="-128"/>
+              </a:rPr>
+              <a:t> </a:t>
+            </a:r>
+            <a:r>
+              <a:rPr lang="en-US" kern="50" dirty="0" err="1">
+                <a:latin typeface="Times New Roman" panose="02020603050405020304" pitchFamily="18" charset="0"/>
+                <a:ea typeface="Arial Unicode MS" panose="020B0604020202020204" pitchFamily="34" charset="-128"/>
+              </a:rPr>
+              <a:t>kaynakları</a:t>
+            </a:r>
+            <a:r>
+              <a:rPr lang="en-US" kern="50" dirty="0">
+                <a:latin typeface="Times New Roman" panose="02020603050405020304" pitchFamily="18" charset="0"/>
+                <a:ea typeface="Arial Unicode MS" panose="020B0604020202020204" pitchFamily="34" charset="-128"/>
+              </a:rPr>
+              <a:t> </a:t>
+            </a:r>
+            <a:r>
+              <a:rPr lang="en-US" kern="50" dirty="0" err="1">
+                <a:latin typeface="Times New Roman" panose="02020603050405020304" pitchFamily="18" charset="0"/>
+                <a:ea typeface="Arial Unicode MS" panose="020B0604020202020204" pitchFamily="34" charset="-128"/>
+              </a:rPr>
+              <a:t>çalışanının</a:t>
+            </a:r>
+            <a:r>
+              <a:rPr lang="en-US" kern="50" dirty="0">
+                <a:latin typeface="Times New Roman" panose="02020603050405020304" pitchFamily="18" charset="0"/>
+                <a:ea typeface="Arial Unicode MS" panose="020B0604020202020204" pitchFamily="34" charset="-128"/>
+              </a:rPr>
+              <a:t> </a:t>
+            </a:r>
+            <a:r>
+              <a:rPr lang="en-US" kern="50" dirty="0" err="1">
+                <a:latin typeface="Times New Roman" panose="02020603050405020304" pitchFamily="18" charset="0"/>
+                <a:ea typeface="Arial Unicode MS" panose="020B0604020202020204" pitchFamily="34" charset="-128"/>
+              </a:rPr>
+              <a:t>dikkatini</a:t>
+            </a:r>
+            <a:r>
+              <a:rPr lang="en-US" kern="50" dirty="0">
+                <a:latin typeface="Times New Roman" panose="02020603050405020304" pitchFamily="18" charset="0"/>
+                <a:ea typeface="Arial Unicode MS" panose="020B0604020202020204" pitchFamily="34" charset="-128"/>
+              </a:rPr>
+              <a:t> </a:t>
+            </a:r>
+            <a:r>
+              <a:rPr lang="en-US" kern="50" dirty="0" err="1">
+                <a:latin typeface="Times New Roman" panose="02020603050405020304" pitchFamily="18" charset="0"/>
+                <a:ea typeface="Arial Unicode MS" panose="020B0604020202020204" pitchFamily="34" charset="-128"/>
+              </a:rPr>
+              <a:t>çekecek</a:t>
+            </a:r>
+            <a:r>
+              <a:rPr lang="en-US" kern="50" dirty="0">
+                <a:latin typeface="Times New Roman" panose="02020603050405020304" pitchFamily="18" charset="0"/>
+                <a:ea typeface="Arial Unicode MS" panose="020B0604020202020204" pitchFamily="34" charset="-128"/>
+              </a:rPr>
+              <a:t> </a:t>
+            </a:r>
+            <a:r>
+              <a:rPr lang="en-US" kern="50" dirty="0" err="1">
+                <a:latin typeface="Times New Roman" panose="02020603050405020304" pitchFamily="18" charset="0"/>
+                <a:ea typeface="Arial Unicode MS" panose="020B0604020202020204" pitchFamily="34" charset="-128"/>
+              </a:rPr>
+              <a:t>ve</a:t>
+            </a:r>
+            <a:r>
+              <a:rPr lang="en-US" kern="50" dirty="0">
+                <a:latin typeface="Times New Roman" panose="02020603050405020304" pitchFamily="18" charset="0"/>
+                <a:ea typeface="Arial Unicode MS" panose="020B0604020202020204" pitchFamily="34" charset="-128"/>
+              </a:rPr>
+              <a:t> </a:t>
+            </a:r>
+            <a:r>
+              <a:rPr lang="en-US" kern="50" dirty="0" err="1">
+                <a:latin typeface="Times New Roman" panose="02020603050405020304" pitchFamily="18" charset="0"/>
+                <a:ea typeface="Arial Unicode MS" panose="020B0604020202020204" pitchFamily="34" charset="-128"/>
+              </a:rPr>
+              <a:t>sayfanıza</a:t>
+            </a:r>
+            <a:r>
+              <a:rPr lang="en-US" kern="50" dirty="0">
+                <a:latin typeface="Times New Roman" panose="02020603050405020304" pitchFamily="18" charset="0"/>
+                <a:ea typeface="Arial Unicode MS" panose="020B0604020202020204" pitchFamily="34" charset="-128"/>
+              </a:rPr>
+              <a:t> </a:t>
+            </a:r>
+            <a:r>
+              <a:rPr lang="en-US" kern="50" dirty="0" err="1">
+                <a:latin typeface="Times New Roman" panose="02020603050405020304" pitchFamily="18" charset="0"/>
+                <a:ea typeface="Arial Unicode MS" panose="020B0604020202020204" pitchFamily="34" charset="-128"/>
+              </a:rPr>
+              <a:t>bir</a:t>
+            </a:r>
+            <a:r>
+              <a:rPr lang="en-US" kern="50" dirty="0">
+                <a:latin typeface="Times New Roman" panose="02020603050405020304" pitchFamily="18" charset="0"/>
+                <a:ea typeface="Arial Unicode MS" panose="020B0604020202020204" pitchFamily="34" charset="-128"/>
+              </a:rPr>
+              <a:t> </a:t>
+            </a:r>
+            <a:r>
+              <a:rPr lang="en-US" kern="50" dirty="0" err="1">
+                <a:latin typeface="Times New Roman" panose="02020603050405020304" pitchFamily="18" charset="0"/>
+                <a:ea typeface="Arial Unicode MS" panose="020B0604020202020204" pitchFamily="34" charset="-128"/>
+              </a:rPr>
+              <a:t>göz</a:t>
+            </a:r>
+            <a:r>
+              <a:rPr lang="en-US" kern="50" dirty="0">
+                <a:latin typeface="Times New Roman" panose="02020603050405020304" pitchFamily="18" charset="0"/>
+                <a:ea typeface="Arial Unicode MS" panose="020B0604020202020204" pitchFamily="34" charset="-128"/>
+              </a:rPr>
+              <a:t> </a:t>
+            </a:r>
+            <a:r>
+              <a:rPr lang="en-US" kern="50" dirty="0" err="1">
+                <a:latin typeface="Times New Roman" panose="02020603050405020304" pitchFamily="18" charset="0"/>
+                <a:ea typeface="Arial Unicode MS" panose="020B0604020202020204" pitchFamily="34" charset="-128"/>
+              </a:rPr>
+              <a:t>atacaktır</a:t>
+            </a:r>
+            <a:r>
+              <a:rPr lang="en-US" kern="50" dirty="0">
+                <a:latin typeface="Times New Roman" panose="02020603050405020304" pitchFamily="18" charset="0"/>
+                <a:ea typeface="Arial Unicode MS" panose="020B0604020202020204" pitchFamily="34" charset="-128"/>
+              </a:rPr>
+              <a:t>. </a:t>
+            </a:r>
+            <a:r>
+              <a:rPr lang="en-US" kern="50" dirty="0" err="1">
+                <a:latin typeface="Times New Roman" panose="02020603050405020304" pitchFamily="18" charset="0"/>
+                <a:ea typeface="Arial Unicode MS" panose="020B0604020202020204" pitchFamily="34" charset="-128"/>
+              </a:rPr>
+              <a:t>Böylelikle</a:t>
+            </a:r>
+            <a:r>
+              <a:rPr lang="en-US" kern="50" dirty="0">
+                <a:latin typeface="Times New Roman" panose="02020603050405020304" pitchFamily="18" charset="0"/>
+                <a:ea typeface="Arial Unicode MS" panose="020B0604020202020204" pitchFamily="34" charset="-128"/>
+              </a:rPr>
+              <a:t> </a:t>
+            </a:r>
+            <a:r>
+              <a:rPr lang="en-US" kern="50" dirty="0" err="1">
+                <a:latin typeface="Times New Roman" panose="02020603050405020304" pitchFamily="18" charset="0"/>
+                <a:ea typeface="Arial Unicode MS" panose="020B0604020202020204" pitchFamily="34" charset="-128"/>
+              </a:rPr>
+              <a:t>cv’nizde</a:t>
+            </a:r>
+            <a:r>
+              <a:rPr lang="en-US" kern="50" dirty="0">
+                <a:latin typeface="Times New Roman" panose="02020603050405020304" pitchFamily="18" charset="0"/>
+                <a:ea typeface="Arial Unicode MS" panose="020B0604020202020204" pitchFamily="34" charset="-128"/>
+              </a:rPr>
+              <a:t> </a:t>
+            </a:r>
+            <a:r>
+              <a:rPr lang="en-US" kern="50" dirty="0" err="1">
+                <a:latin typeface="Times New Roman" panose="02020603050405020304" pitchFamily="18" charset="0"/>
+                <a:ea typeface="Arial Unicode MS" panose="020B0604020202020204" pitchFamily="34" charset="-128"/>
+              </a:rPr>
+              <a:t>belirttiğiniz</a:t>
+            </a:r>
+            <a:r>
+              <a:rPr lang="en-US" kern="50" dirty="0">
+                <a:latin typeface="Times New Roman" panose="02020603050405020304" pitchFamily="18" charset="0"/>
+                <a:ea typeface="Arial Unicode MS" panose="020B0604020202020204" pitchFamily="34" charset="-128"/>
+              </a:rPr>
+              <a:t> </a:t>
+            </a:r>
+            <a:r>
+              <a:rPr lang="en-US" kern="50" dirty="0" err="1">
+                <a:latin typeface="Times New Roman" panose="02020603050405020304" pitchFamily="18" charset="0"/>
+                <a:ea typeface="Arial Unicode MS" panose="020B0604020202020204" pitchFamily="34" charset="-128"/>
+              </a:rPr>
+              <a:t>birçok</a:t>
+            </a:r>
+            <a:r>
+              <a:rPr lang="en-US" kern="50" dirty="0">
+                <a:latin typeface="Times New Roman" panose="02020603050405020304" pitchFamily="18" charset="0"/>
+                <a:ea typeface="Arial Unicode MS" panose="020B0604020202020204" pitchFamily="34" charset="-128"/>
+              </a:rPr>
+              <a:t> </a:t>
+            </a:r>
+            <a:r>
+              <a:rPr lang="en-US" kern="50" dirty="0" err="1">
+                <a:latin typeface="Times New Roman" panose="02020603050405020304" pitchFamily="18" charset="0"/>
+                <a:ea typeface="Arial Unicode MS" panose="020B0604020202020204" pitchFamily="34" charset="-128"/>
+              </a:rPr>
+              <a:t>tecrübenizin</a:t>
+            </a:r>
+            <a:r>
+              <a:rPr lang="en-US" kern="50" dirty="0">
+                <a:latin typeface="Times New Roman" panose="02020603050405020304" pitchFamily="18" charset="0"/>
+                <a:ea typeface="Arial Unicode MS" panose="020B0604020202020204" pitchFamily="34" charset="-128"/>
+              </a:rPr>
+              <a:t> </a:t>
+            </a:r>
+            <a:r>
+              <a:rPr lang="en-US" kern="50" dirty="0" err="1">
+                <a:latin typeface="Times New Roman" panose="02020603050405020304" pitchFamily="18" charset="0"/>
+                <a:ea typeface="Arial Unicode MS" panose="020B0604020202020204" pitchFamily="34" charset="-128"/>
+              </a:rPr>
+              <a:t>detaylarına</a:t>
+            </a:r>
+            <a:r>
+              <a:rPr lang="en-US" kern="50" dirty="0">
+                <a:latin typeface="Times New Roman" panose="02020603050405020304" pitchFamily="18" charset="0"/>
+                <a:ea typeface="Arial Unicode MS" panose="020B0604020202020204" pitchFamily="34" charset="-128"/>
+              </a:rPr>
+              <a:t> </a:t>
+            </a:r>
+            <a:r>
+              <a:rPr lang="en-US" kern="50" dirty="0" err="1">
+                <a:latin typeface="Times New Roman" panose="02020603050405020304" pitchFamily="18" charset="0"/>
+                <a:ea typeface="Arial Unicode MS" panose="020B0604020202020204" pitchFamily="34" charset="-128"/>
+              </a:rPr>
+              <a:t>sayfanızda</a:t>
+            </a:r>
+            <a:r>
+              <a:rPr lang="en-US" kern="50" dirty="0">
+                <a:latin typeface="Times New Roman" panose="02020603050405020304" pitchFamily="18" charset="0"/>
+                <a:ea typeface="Arial Unicode MS" panose="020B0604020202020204" pitchFamily="34" charset="-128"/>
+              </a:rPr>
+              <a:t> </a:t>
+            </a:r>
+            <a:r>
+              <a:rPr lang="en-US" kern="50" dirty="0" err="1">
+                <a:latin typeface="Times New Roman" panose="02020603050405020304" pitchFamily="18" charset="0"/>
+                <a:ea typeface="Arial Unicode MS" panose="020B0604020202020204" pitchFamily="34" charset="-128"/>
+              </a:rPr>
+              <a:t>ulaşacak</a:t>
+            </a:r>
+            <a:r>
+              <a:rPr lang="en-US" kern="50" dirty="0">
+                <a:latin typeface="Times New Roman" panose="02020603050405020304" pitchFamily="18" charset="0"/>
+                <a:ea typeface="Arial Unicode MS" panose="020B0604020202020204" pitchFamily="34" charset="-128"/>
+              </a:rPr>
+              <a:t> </a:t>
+            </a:r>
+            <a:r>
+              <a:rPr lang="en-US" kern="50" dirty="0" err="1">
+                <a:latin typeface="Times New Roman" panose="02020603050405020304" pitchFamily="18" charset="0"/>
+                <a:ea typeface="Arial Unicode MS" panose="020B0604020202020204" pitchFamily="34" charset="-128"/>
+              </a:rPr>
+              <a:t>insan</a:t>
+            </a:r>
+            <a:r>
+              <a:rPr lang="en-US" kern="50" dirty="0">
+                <a:latin typeface="Times New Roman" panose="02020603050405020304" pitchFamily="18" charset="0"/>
+                <a:ea typeface="Arial Unicode MS" panose="020B0604020202020204" pitchFamily="34" charset="-128"/>
+              </a:rPr>
+              <a:t> </a:t>
+            </a:r>
+            <a:r>
+              <a:rPr lang="en-US" kern="50" dirty="0" err="1">
+                <a:latin typeface="Times New Roman" panose="02020603050405020304" pitchFamily="18" charset="0"/>
+                <a:ea typeface="Arial Unicode MS" panose="020B0604020202020204" pitchFamily="34" charset="-128"/>
+              </a:rPr>
+              <a:t>kaynakları</a:t>
+            </a:r>
+            <a:r>
+              <a:rPr lang="en-US" kern="50" dirty="0">
+                <a:latin typeface="Times New Roman" panose="02020603050405020304" pitchFamily="18" charset="0"/>
+                <a:ea typeface="Arial Unicode MS" panose="020B0604020202020204" pitchFamily="34" charset="-128"/>
+              </a:rPr>
+              <a:t> </a:t>
+            </a:r>
+            <a:r>
+              <a:rPr lang="en-US" kern="50" dirty="0" err="1">
+                <a:latin typeface="Times New Roman" panose="02020603050405020304" pitchFamily="18" charset="0"/>
+                <a:ea typeface="Arial Unicode MS" panose="020B0604020202020204" pitchFamily="34" charset="-128"/>
+              </a:rPr>
+              <a:t>uzmanı</a:t>
+            </a:r>
+            <a:r>
+              <a:rPr lang="en-US" kern="50" dirty="0">
+                <a:latin typeface="Times New Roman" panose="02020603050405020304" pitchFamily="18" charset="0"/>
+                <a:ea typeface="Arial Unicode MS" panose="020B0604020202020204" pitchFamily="34" charset="-128"/>
+              </a:rPr>
+              <a:t> </a:t>
+            </a:r>
+            <a:r>
+              <a:rPr lang="en-US" kern="50" dirty="0" err="1">
+                <a:latin typeface="Times New Roman" panose="02020603050405020304" pitchFamily="18" charset="0"/>
+                <a:ea typeface="Arial Unicode MS" panose="020B0604020202020204" pitchFamily="34" charset="-128"/>
+              </a:rPr>
+              <a:t>inanın</a:t>
+            </a:r>
+            <a:r>
+              <a:rPr lang="en-US" kern="50" dirty="0">
+                <a:latin typeface="Times New Roman" panose="02020603050405020304" pitchFamily="18" charset="0"/>
+                <a:ea typeface="Arial Unicode MS" panose="020B0604020202020204" pitchFamily="34" charset="-128"/>
+              </a:rPr>
+              <a:t> </a:t>
+            </a:r>
+            <a:r>
+              <a:rPr lang="en-US" kern="50" dirty="0" err="1">
+                <a:latin typeface="Times New Roman" panose="02020603050405020304" pitchFamily="18" charset="0"/>
+                <a:ea typeface="Arial Unicode MS" panose="020B0604020202020204" pitchFamily="34" charset="-128"/>
+              </a:rPr>
+              <a:t>sizi</a:t>
+            </a:r>
+            <a:r>
+              <a:rPr lang="en-US" kern="50" dirty="0">
+                <a:latin typeface="Times New Roman" panose="02020603050405020304" pitchFamily="18" charset="0"/>
+                <a:ea typeface="Arial Unicode MS" panose="020B0604020202020204" pitchFamily="34" charset="-128"/>
+              </a:rPr>
+              <a:t> </a:t>
+            </a:r>
+            <a:r>
+              <a:rPr lang="en-US" kern="50" dirty="0" err="1">
+                <a:latin typeface="Times New Roman" panose="02020603050405020304" pitchFamily="18" charset="0"/>
+                <a:ea typeface="Arial Unicode MS" panose="020B0604020202020204" pitchFamily="34" charset="-128"/>
+              </a:rPr>
+              <a:t>görüşülecekler</a:t>
+            </a:r>
+            <a:r>
+              <a:rPr lang="en-US" kern="50" dirty="0">
+                <a:latin typeface="Times New Roman" panose="02020603050405020304" pitchFamily="18" charset="0"/>
+                <a:ea typeface="Arial Unicode MS" panose="020B0604020202020204" pitchFamily="34" charset="-128"/>
+              </a:rPr>
+              <a:t> </a:t>
+            </a:r>
+            <a:r>
+              <a:rPr lang="en-US" kern="50" dirty="0" err="1">
+                <a:latin typeface="Times New Roman" panose="02020603050405020304" pitchFamily="18" charset="0"/>
+                <a:ea typeface="Arial Unicode MS" panose="020B0604020202020204" pitchFamily="34" charset="-128"/>
+              </a:rPr>
+              <a:t>listesine</a:t>
+            </a:r>
+            <a:r>
+              <a:rPr lang="en-US" kern="50" dirty="0">
+                <a:latin typeface="Times New Roman" panose="02020603050405020304" pitchFamily="18" charset="0"/>
+                <a:ea typeface="Arial Unicode MS" panose="020B0604020202020204" pitchFamily="34" charset="-128"/>
+              </a:rPr>
+              <a:t> </a:t>
+            </a:r>
+            <a:r>
+              <a:rPr lang="en-US" kern="50" dirty="0" err="1">
+                <a:latin typeface="Times New Roman" panose="02020603050405020304" pitchFamily="18" charset="0"/>
+                <a:ea typeface="Arial Unicode MS" panose="020B0604020202020204" pitchFamily="34" charset="-128"/>
+              </a:rPr>
+              <a:t>ekleyecektir</a:t>
+            </a:r>
+            <a:r>
+              <a:rPr lang="en-US" kern="50" dirty="0" smtClean="0">
+                <a:latin typeface="Times New Roman" panose="02020603050405020304" pitchFamily="18" charset="0"/>
+                <a:ea typeface="Arial Unicode MS" panose="020B0604020202020204" pitchFamily="34" charset="-128"/>
+              </a:rPr>
+              <a:t>.</a:t>
+            </a:r>
+            <a:endParaRPr lang="tr-TR" kern="50" dirty="0" smtClean="0">
               <a:latin typeface="Times New Roman" panose="02020603050405020304" pitchFamily="18" charset="0"/>
               <a:ea typeface="Arial Unicode MS" panose="020B0604020202020204" pitchFamily="34" charset="-128"/>
             </a:endParaRPr>
@@ -11395,93 +12119,381 @@
                 <a:spcPts val="600"/>
               </a:spcAft>
             </a:pPr>
-            <a:r>
-              <a:rPr lang="tr-TR" kern="50" smtClean="0">
-                <a:effectLst/>
-                <a:latin typeface="Times New Roman" panose="02020603050405020304" pitchFamily="18" charset="0"/>
-                <a:ea typeface="Arial Unicode MS" panose="020B0604020202020204" pitchFamily="34" charset="-128"/>
-              </a:rPr>
-              <a:t>Kurulacak sistemin avantajlarının yanısıra geliştirilmesi için uzman ve analist tutulması, personelin eğitilmesi, sistemin gelişimi için yapılacak ek harcamalar maliyeti artıran etkilerdi. </a:t>
-            </a:r>
-            <a:r>
-              <a:rPr lang="tr-TR" kern="50" dirty="0" smtClean="0">
-                <a:effectLst/>
-                <a:latin typeface="Times New Roman" panose="02020603050405020304" pitchFamily="18" charset="0"/>
-                <a:ea typeface="Arial Unicode MS" panose="020B0604020202020204" pitchFamily="34" charset="-128"/>
-              </a:rPr>
-              <a:t>Bu konuda fizibilite raporlarının incelenmesi sonucu maliyete rağmen geçmenin daha avantajlı olacağı fikrine varıldı. </a:t>
-            </a:r>
-            <a:endParaRPr lang="en-US" kern="50" smtClean="0">
+            <a:endParaRPr lang="tr-TR" kern="50" dirty="0">
               <a:effectLst/>
               <a:latin typeface="Times New Roman" panose="02020603050405020304" pitchFamily="18" charset="0"/>
               <a:ea typeface="Arial Unicode MS" panose="020B0604020202020204" pitchFamily="34" charset="-128"/>
             </a:endParaRPr>
           </a:p>
           <a:p>
-            <a:pPr algn="just">
+            <a:pPr indent="449580" algn="just">
               <a:spcAft>
                 <a:spcPts val="600"/>
               </a:spcAft>
             </a:pPr>
             <a:r>
-              <a:rPr lang="tr-TR" kern="50" smtClean="0">
-                <a:effectLst/>
-                <a:latin typeface="Times New Roman" panose="02020603050405020304" pitchFamily="18" charset="0"/>
-                <a:ea typeface="Arial Unicode MS" panose="020B0604020202020204" pitchFamily="34" charset="-128"/>
-              </a:rPr>
-              <a:t> </a:t>
-            </a:r>
-            <a:endParaRPr lang="en-US" kern="50" smtClean="0">
+              <a:rPr lang="tr-TR" kern="50" dirty="0" err="1">
+                <a:latin typeface="Times New Roman" panose="02020603050405020304" pitchFamily="18" charset="0"/>
+                <a:ea typeface="Arial Unicode MS" panose="020B0604020202020204" pitchFamily="34" charset="-128"/>
+              </a:rPr>
+              <a:t>Blog</a:t>
+            </a:r>
+            <a:r>
+              <a:rPr lang="tr-TR" kern="50" dirty="0">
+                <a:latin typeface="Times New Roman" panose="02020603050405020304" pitchFamily="18" charset="0"/>
+                <a:ea typeface="Arial Unicode MS" panose="020B0604020202020204" pitchFamily="34" charset="-128"/>
+              </a:rPr>
+              <a:t> yazarı olmanın diğer bir artısı da sayfa ziyaretçileriniz üzerinden elde edebileceğiniz gelirlerdir. Bu konudan ayrı bir başlık altında bahsedeceğimden şuan detaya girmiyorum</a:t>
+            </a:r>
+            <a:r>
+              <a:rPr lang="tr-TR" kern="50" dirty="0">
+                <a:latin typeface="Times New Roman" panose="02020603050405020304" pitchFamily="18" charset="0"/>
+                <a:ea typeface="Arial Unicode MS" panose="020B0604020202020204" pitchFamily="34" charset="-128"/>
+              </a:rPr>
+              <a:t>.</a:t>
+            </a:r>
+          </a:p>
+          <a:p>
+            <a:pPr indent="449580" algn="just">
+              <a:spcAft>
+                <a:spcPts val="600"/>
+              </a:spcAft>
+            </a:pPr>
+            <a:endParaRPr lang="tr-TR" kern="50" dirty="0">
               <a:effectLst/>
               <a:latin typeface="Times New Roman" panose="02020603050405020304" pitchFamily="18" charset="0"/>
               <a:ea typeface="Arial Unicode MS" panose="020B0604020202020204" pitchFamily="34" charset="-128"/>
             </a:endParaRPr>
           </a:p>
           <a:p>
-            <a:pPr algn="just">
+            <a:pPr indent="449580" algn="just">
               <a:spcAft>
                 <a:spcPts val="600"/>
               </a:spcAft>
             </a:pPr>
             <a:r>
-              <a:rPr lang="tr-TR" kern="50" smtClean="0">
-                <a:effectLst/>
-                <a:latin typeface="Times New Roman" panose="02020603050405020304" pitchFamily="18" charset="0"/>
-                <a:ea typeface="Arial Unicode MS" panose="020B0604020202020204" pitchFamily="34" charset="-128"/>
-              </a:rPr>
-              <a:t>Yeni sisteme geçişte bir miktar maliyet artışı olsa da stokların düzenli ve kolay kontrolü, lojistik desteğinde ve depolarda verimliliğin artması, müşteri memnuniyetiyle mevcut müşteri sayısının artması ile gelir miktarında artış olur ve kâr artacaktır.</a:t>
-            </a:r>
-            <a:endParaRPr lang="en-US" kern="50" smtClean="0">
-              <a:effectLst/>
-              <a:latin typeface="Times New Roman" panose="02020603050405020304" pitchFamily="18" charset="0"/>
-              <a:ea typeface="Arial Unicode MS" panose="020B0604020202020204" pitchFamily="34" charset="-128"/>
-            </a:endParaRPr>
-          </a:p>
-          <a:p>
-            <a:r>
-              <a:rPr lang="tr-TR" kern="50" smtClean="0">
-                <a:effectLst/>
-                <a:latin typeface="Times New Roman" panose="02020603050405020304" pitchFamily="18" charset="0"/>
-                <a:ea typeface="Arial Unicode MS" panose="020B0604020202020204" pitchFamily="34" charset="-128"/>
-              </a:rPr>
-              <a:t> </a:t>
-            </a:r>
-            <a:endParaRPr lang="en-US" kern="50" smtClean="0">
-              <a:effectLst/>
-              <a:latin typeface="Times New Roman" panose="02020603050405020304" pitchFamily="18" charset="0"/>
-              <a:ea typeface="Arial Unicode MS" panose="020B0604020202020204" pitchFamily="34" charset="-128"/>
-            </a:endParaRPr>
-          </a:p>
-          <a:p>
-            <a:r>
-              <a:rPr lang="tr-TR" kern="50" smtClean="0">
-                <a:effectLst/>
-                <a:latin typeface="Times New Roman" panose="02020603050405020304" pitchFamily="18" charset="0"/>
-                <a:ea typeface="Arial Unicode MS" panose="020B0604020202020204" pitchFamily="34" charset="-128"/>
-              </a:rPr>
-              <a:t> </a:t>
-            </a:r>
-            <a:endParaRPr lang="en-US" kern="50">
+              <a:rPr lang="en-US" kern="50" dirty="0" err="1">
+                <a:latin typeface="Times New Roman" panose="02020603050405020304" pitchFamily="18" charset="0"/>
+                <a:ea typeface="Arial Unicode MS" panose="020B0604020202020204" pitchFamily="34" charset="-128"/>
+              </a:rPr>
+              <a:t>Tüm</a:t>
+            </a:r>
+            <a:r>
+              <a:rPr lang="en-US" kern="50" dirty="0">
+                <a:latin typeface="Times New Roman" panose="02020603050405020304" pitchFamily="18" charset="0"/>
+                <a:ea typeface="Arial Unicode MS" panose="020B0604020202020204" pitchFamily="34" charset="-128"/>
+              </a:rPr>
+              <a:t> </a:t>
+            </a:r>
+            <a:r>
+              <a:rPr lang="en-US" kern="50" dirty="0" err="1">
+                <a:latin typeface="Times New Roman" panose="02020603050405020304" pitchFamily="18" charset="0"/>
+                <a:ea typeface="Arial Unicode MS" panose="020B0604020202020204" pitchFamily="34" charset="-128"/>
+              </a:rPr>
+              <a:t>bunların</a:t>
+            </a:r>
+            <a:r>
+              <a:rPr lang="en-US" kern="50" dirty="0">
+                <a:latin typeface="Times New Roman" panose="02020603050405020304" pitchFamily="18" charset="0"/>
+                <a:ea typeface="Arial Unicode MS" panose="020B0604020202020204" pitchFamily="34" charset="-128"/>
+              </a:rPr>
+              <a:t> </a:t>
+            </a:r>
+            <a:r>
+              <a:rPr lang="en-US" kern="50" dirty="0" err="1">
+                <a:latin typeface="Times New Roman" panose="02020603050405020304" pitchFamily="18" charset="0"/>
+                <a:ea typeface="Arial Unicode MS" panose="020B0604020202020204" pitchFamily="34" charset="-128"/>
+              </a:rPr>
+              <a:t>dışında</a:t>
+            </a:r>
+            <a:r>
+              <a:rPr lang="en-US" kern="50" dirty="0">
+                <a:latin typeface="Times New Roman" panose="02020603050405020304" pitchFamily="18" charset="0"/>
+                <a:ea typeface="Arial Unicode MS" panose="020B0604020202020204" pitchFamily="34" charset="-128"/>
+              </a:rPr>
+              <a:t> blog </a:t>
+            </a:r>
+            <a:r>
+              <a:rPr lang="en-US" kern="50" dirty="0" err="1">
+                <a:latin typeface="Times New Roman" panose="02020603050405020304" pitchFamily="18" charset="0"/>
+                <a:ea typeface="Arial Unicode MS" panose="020B0604020202020204" pitchFamily="34" charset="-128"/>
+              </a:rPr>
+              <a:t>sayfanızın</a:t>
+            </a:r>
+            <a:r>
+              <a:rPr lang="en-US" kern="50" dirty="0">
+                <a:latin typeface="Times New Roman" panose="02020603050405020304" pitchFamily="18" charset="0"/>
+                <a:ea typeface="Arial Unicode MS" panose="020B0604020202020204" pitchFamily="34" charset="-128"/>
+              </a:rPr>
+              <a:t> </a:t>
+            </a:r>
+            <a:r>
+              <a:rPr lang="en-US" kern="50" dirty="0" err="1">
+                <a:latin typeface="Times New Roman" panose="02020603050405020304" pitchFamily="18" charset="0"/>
+                <a:ea typeface="Arial Unicode MS" panose="020B0604020202020204" pitchFamily="34" charset="-128"/>
+              </a:rPr>
+              <a:t>kişisel</a:t>
+            </a:r>
+            <a:r>
+              <a:rPr lang="en-US" kern="50" dirty="0">
+                <a:latin typeface="Times New Roman" panose="02020603050405020304" pitchFamily="18" charset="0"/>
+                <a:ea typeface="Arial Unicode MS" panose="020B0604020202020204" pitchFamily="34" charset="-128"/>
+              </a:rPr>
+              <a:t> </a:t>
+            </a:r>
+            <a:r>
+              <a:rPr lang="en-US" kern="50" dirty="0" err="1">
+                <a:latin typeface="Times New Roman" panose="02020603050405020304" pitchFamily="18" charset="0"/>
+                <a:ea typeface="Arial Unicode MS" panose="020B0604020202020204" pitchFamily="34" charset="-128"/>
+              </a:rPr>
+              <a:t>gelişiminize</a:t>
+            </a:r>
+            <a:r>
+              <a:rPr lang="en-US" kern="50" dirty="0">
+                <a:latin typeface="Times New Roman" panose="02020603050405020304" pitchFamily="18" charset="0"/>
+                <a:ea typeface="Arial Unicode MS" panose="020B0604020202020204" pitchFamily="34" charset="-128"/>
+              </a:rPr>
+              <a:t> de </a:t>
+            </a:r>
+            <a:r>
+              <a:rPr lang="en-US" kern="50" dirty="0" err="1">
+                <a:latin typeface="Times New Roman" panose="02020603050405020304" pitchFamily="18" charset="0"/>
+                <a:ea typeface="Arial Unicode MS" panose="020B0604020202020204" pitchFamily="34" charset="-128"/>
+              </a:rPr>
+              <a:t>etkisinin</a:t>
+            </a:r>
+            <a:r>
+              <a:rPr lang="en-US" kern="50" dirty="0">
+                <a:latin typeface="Times New Roman" panose="02020603050405020304" pitchFamily="18" charset="0"/>
+                <a:ea typeface="Arial Unicode MS" panose="020B0604020202020204" pitchFamily="34" charset="-128"/>
+              </a:rPr>
+              <a:t> </a:t>
+            </a:r>
+            <a:r>
+              <a:rPr lang="en-US" kern="50" dirty="0" err="1">
+                <a:latin typeface="Times New Roman" panose="02020603050405020304" pitchFamily="18" charset="0"/>
+                <a:ea typeface="Arial Unicode MS" panose="020B0604020202020204" pitchFamily="34" charset="-128"/>
+              </a:rPr>
+              <a:t>büyük</a:t>
+            </a:r>
+            <a:r>
+              <a:rPr lang="en-US" kern="50" dirty="0">
+                <a:latin typeface="Times New Roman" panose="02020603050405020304" pitchFamily="18" charset="0"/>
+                <a:ea typeface="Arial Unicode MS" panose="020B0604020202020204" pitchFamily="34" charset="-128"/>
+              </a:rPr>
+              <a:t> </a:t>
+            </a:r>
+            <a:r>
+              <a:rPr lang="en-US" kern="50" dirty="0" err="1">
+                <a:latin typeface="Times New Roman" panose="02020603050405020304" pitchFamily="18" charset="0"/>
+                <a:ea typeface="Arial Unicode MS" panose="020B0604020202020204" pitchFamily="34" charset="-128"/>
+              </a:rPr>
+              <a:t>olduğunu</a:t>
+            </a:r>
+            <a:r>
+              <a:rPr lang="en-US" kern="50" dirty="0">
+                <a:latin typeface="Times New Roman" panose="02020603050405020304" pitchFamily="18" charset="0"/>
+                <a:ea typeface="Arial Unicode MS" panose="020B0604020202020204" pitchFamily="34" charset="-128"/>
+              </a:rPr>
+              <a:t> </a:t>
+            </a:r>
+            <a:r>
+              <a:rPr lang="en-US" kern="50" dirty="0" err="1">
+                <a:latin typeface="Times New Roman" panose="02020603050405020304" pitchFamily="18" charset="0"/>
+                <a:ea typeface="Arial Unicode MS" panose="020B0604020202020204" pitchFamily="34" charset="-128"/>
+              </a:rPr>
+              <a:t>söyleyebilirim</a:t>
+            </a:r>
+            <a:r>
+              <a:rPr lang="en-US" kern="50" dirty="0">
+                <a:latin typeface="Times New Roman" panose="02020603050405020304" pitchFamily="18" charset="0"/>
+                <a:ea typeface="Arial Unicode MS" panose="020B0604020202020204" pitchFamily="34" charset="-128"/>
+              </a:rPr>
+              <a:t>. Blog </a:t>
+            </a:r>
+            <a:r>
+              <a:rPr lang="en-US" kern="50" dirty="0" err="1">
+                <a:latin typeface="Times New Roman" panose="02020603050405020304" pitchFamily="18" charset="0"/>
+                <a:ea typeface="Arial Unicode MS" panose="020B0604020202020204" pitchFamily="34" charset="-128"/>
+              </a:rPr>
+              <a:t>yazmanın</a:t>
+            </a:r>
+            <a:r>
+              <a:rPr lang="en-US" kern="50" dirty="0">
+                <a:latin typeface="Times New Roman" panose="02020603050405020304" pitchFamily="18" charset="0"/>
+                <a:ea typeface="Arial Unicode MS" panose="020B0604020202020204" pitchFamily="34" charset="-128"/>
+              </a:rPr>
+              <a:t> </a:t>
+            </a:r>
+            <a:r>
+              <a:rPr lang="en-US" kern="50" dirty="0" err="1">
+                <a:latin typeface="Times New Roman" panose="02020603050405020304" pitchFamily="18" charset="0"/>
+                <a:ea typeface="Arial Unicode MS" panose="020B0604020202020204" pitchFamily="34" charset="-128"/>
+              </a:rPr>
+              <a:t>öz</a:t>
+            </a:r>
+            <a:r>
+              <a:rPr lang="en-US" kern="50" dirty="0">
+                <a:latin typeface="Times New Roman" panose="02020603050405020304" pitchFamily="18" charset="0"/>
+                <a:ea typeface="Arial Unicode MS" panose="020B0604020202020204" pitchFamily="34" charset="-128"/>
+              </a:rPr>
+              <a:t> </a:t>
+            </a:r>
+            <a:r>
+              <a:rPr lang="en-US" kern="50" dirty="0" err="1">
+                <a:latin typeface="Times New Roman" panose="02020603050405020304" pitchFamily="18" charset="0"/>
+                <a:ea typeface="Arial Unicode MS" panose="020B0604020202020204" pitchFamily="34" charset="-128"/>
+              </a:rPr>
+              <a:t>güven</a:t>
+            </a:r>
+            <a:r>
+              <a:rPr lang="en-US" kern="50" dirty="0">
+                <a:latin typeface="Times New Roman" panose="02020603050405020304" pitchFamily="18" charset="0"/>
+                <a:ea typeface="Arial Unicode MS" panose="020B0604020202020204" pitchFamily="34" charset="-128"/>
+              </a:rPr>
+              <a:t> </a:t>
+            </a:r>
+            <a:r>
+              <a:rPr lang="en-US" kern="50" dirty="0" err="1">
+                <a:latin typeface="Times New Roman" panose="02020603050405020304" pitchFamily="18" charset="0"/>
+                <a:ea typeface="Arial Unicode MS" panose="020B0604020202020204" pitchFamily="34" charset="-128"/>
+              </a:rPr>
+              <a:t>ve</a:t>
+            </a:r>
+            <a:r>
+              <a:rPr lang="en-US" kern="50" dirty="0">
+                <a:latin typeface="Times New Roman" panose="02020603050405020304" pitchFamily="18" charset="0"/>
+                <a:ea typeface="Arial Unicode MS" panose="020B0604020202020204" pitchFamily="34" charset="-128"/>
+              </a:rPr>
+              <a:t> </a:t>
+            </a:r>
+            <a:r>
+              <a:rPr lang="en-US" kern="50" dirty="0" err="1">
+                <a:latin typeface="Times New Roman" panose="02020603050405020304" pitchFamily="18" charset="0"/>
+                <a:ea typeface="Arial Unicode MS" panose="020B0604020202020204" pitchFamily="34" charset="-128"/>
+              </a:rPr>
+              <a:t>disiplin</a:t>
+            </a:r>
+            <a:r>
+              <a:rPr lang="en-US" kern="50" dirty="0">
+                <a:latin typeface="Times New Roman" panose="02020603050405020304" pitchFamily="18" charset="0"/>
+                <a:ea typeface="Arial Unicode MS" panose="020B0604020202020204" pitchFamily="34" charset="-128"/>
+              </a:rPr>
+              <a:t> </a:t>
+            </a:r>
+            <a:r>
+              <a:rPr lang="en-US" kern="50" dirty="0" err="1">
+                <a:latin typeface="Times New Roman" panose="02020603050405020304" pitchFamily="18" charset="0"/>
+                <a:ea typeface="Arial Unicode MS" panose="020B0604020202020204" pitchFamily="34" charset="-128"/>
+              </a:rPr>
+              <a:t>kazandırma</a:t>
+            </a:r>
+            <a:r>
+              <a:rPr lang="en-US" kern="50" dirty="0">
+                <a:latin typeface="Times New Roman" panose="02020603050405020304" pitchFamily="18" charset="0"/>
+                <a:ea typeface="Arial Unicode MS" panose="020B0604020202020204" pitchFamily="34" charset="-128"/>
+              </a:rPr>
+              <a:t> </a:t>
+            </a:r>
+            <a:r>
+              <a:rPr lang="en-US" kern="50" dirty="0" err="1">
+                <a:latin typeface="Times New Roman" panose="02020603050405020304" pitchFamily="18" charset="0"/>
+                <a:ea typeface="Arial Unicode MS" panose="020B0604020202020204" pitchFamily="34" charset="-128"/>
+              </a:rPr>
+              <a:t>gibi</a:t>
+            </a:r>
+            <a:r>
+              <a:rPr lang="en-US" kern="50" dirty="0">
+                <a:latin typeface="Times New Roman" panose="02020603050405020304" pitchFamily="18" charset="0"/>
+                <a:ea typeface="Arial Unicode MS" panose="020B0604020202020204" pitchFamily="34" charset="-128"/>
+              </a:rPr>
+              <a:t> </a:t>
+            </a:r>
+            <a:r>
+              <a:rPr lang="en-US" kern="50" dirty="0" err="1">
+                <a:latin typeface="Times New Roman" panose="02020603050405020304" pitchFamily="18" charset="0"/>
+                <a:ea typeface="Arial Unicode MS" panose="020B0604020202020204" pitchFamily="34" charset="-128"/>
+              </a:rPr>
+              <a:t>birçok</a:t>
+            </a:r>
+            <a:r>
+              <a:rPr lang="en-US" kern="50" dirty="0">
+                <a:latin typeface="Times New Roman" panose="02020603050405020304" pitchFamily="18" charset="0"/>
+                <a:ea typeface="Arial Unicode MS" panose="020B0604020202020204" pitchFamily="34" charset="-128"/>
+              </a:rPr>
+              <a:t> </a:t>
+            </a:r>
+            <a:r>
+              <a:rPr lang="en-US" kern="50" dirty="0" err="1">
+                <a:latin typeface="Times New Roman" panose="02020603050405020304" pitchFamily="18" charset="0"/>
+                <a:ea typeface="Arial Unicode MS" panose="020B0604020202020204" pitchFamily="34" charset="-128"/>
+              </a:rPr>
+              <a:t>kişisel</a:t>
+            </a:r>
+            <a:r>
+              <a:rPr lang="en-US" kern="50" dirty="0">
+                <a:latin typeface="Times New Roman" panose="02020603050405020304" pitchFamily="18" charset="0"/>
+                <a:ea typeface="Arial Unicode MS" panose="020B0604020202020204" pitchFamily="34" charset="-128"/>
+              </a:rPr>
+              <a:t> </a:t>
+            </a:r>
+            <a:r>
+              <a:rPr lang="en-US" kern="50" dirty="0" err="1">
+                <a:latin typeface="Times New Roman" panose="02020603050405020304" pitchFamily="18" charset="0"/>
+                <a:ea typeface="Arial Unicode MS" panose="020B0604020202020204" pitchFamily="34" charset="-128"/>
+              </a:rPr>
+              <a:t>faydası</a:t>
+            </a:r>
+            <a:r>
+              <a:rPr lang="en-US" kern="50" dirty="0">
+                <a:latin typeface="Times New Roman" panose="02020603050405020304" pitchFamily="18" charset="0"/>
+                <a:ea typeface="Arial Unicode MS" panose="020B0604020202020204" pitchFamily="34" charset="-128"/>
+              </a:rPr>
+              <a:t> </a:t>
+            </a:r>
+            <a:r>
+              <a:rPr lang="en-US" kern="50" dirty="0" err="1">
+                <a:latin typeface="Times New Roman" panose="02020603050405020304" pitchFamily="18" charset="0"/>
+                <a:ea typeface="Arial Unicode MS" panose="020B0604020202020204" pitchFamily="34" charset="-128"/>
+              </a:rPr>
+              <a:t>olduğundan</a:t>
+            </a:r>
+            <a:r>
+              <a:rPr lang="en-US" kern="50" dirty="0">
+                <a:latin typeface="Times New Roman" panose="02020603050405020304" pitchFamily="18" charset="0"/>
+                <a:ea typeface="Arial Unicode MS" panose="020B0604020202020204" pitchFamily="34" charset="-128"/>
+              </a:rPr>
+              <a:t> </a:t>
+            </a:r>
+            <a:r>
+              <a:rPr lang="en-US" kern="50" dirty="0" err="1">
+                <a:latin typeface="Times New Roman" panose="02020603050405020304" pitchFamily="18" charset="0"/>
+                <a:ea typeface="Arial Unicode MS" panose="020B0604020202020204" pitchFamily="34" charset="-128"/>
+              </a:rPr>
+              <a:t>emin</a:t>
+            </a:r>
+            <a:r>
+              <a:rPr lang="en-US" kern="50" dirty="0">
+                <a:latin typeface="Times New Roman" panose="02020603050405020304" pitchFamily="18" charset="0"/>
+                <a:ea typeface="Arial Unicode MS" panose="020B0604020202020204" pitchFamily="34" charset="-128"/>
+              </a:rPr>
+              <a:t> </a:t>
+            </a:r>
+            <a:r>
+              <a:rPr lang="en-US" kern="50" dirty="0" err="1">
+                <a:latin typeface="Times New Roman" panose="02020603050405020304" pitchFamily="18" charset="0"/>
+                <a:ea typeface="Arial Unicode MS" panose="020B0604020202020204" pitchFamily="34" charset="-128"/>
+              </a:rPr>
+              <a:t>olabilirsiniz</a:t>
+            </a:r>
+            <a:r>
+              <a:rPr lang="en-US" kern="50" dirty="0">
+                <a:latin typeface="Times New Roman" panose="02020603050405020304" pitchFamily="18" charset="0"/>
+                <a:ea typeface="Arial Unicode MS" panose="020B0604020202020204" pitchFamily="34" charset="-128"/>
+              </a:rPr>
+              <a:t>.</a:t>
+            </a:r>
+            <a:endParaRPr lang="en-US" kern="50" dirty="0">
               <a:effectLst/>
               <a:latin typeface="Times New Roman" panose="02020603050405020304" pitchFamily="18" charset="0"/>
               <a:ea typeface="Arial Unicode MS" panose="020B0604020202020204" pitchFamily="34" charset="-128"/>
@@ -11554,21 +12566,21 @@
                 <a:gridCol w="1133918">
                   <a:extLst>
                     <a:ext uri="{9D8B030D-6E8A-4147-A177-3AD203B41FA5}">
-                      <a16:colId xmlns:a16="http://schemas.microsoft.com/office/drawing/2014/main" xmlns="" val="20000"/>
+                      <a16:colId xmlns="" xmlns:a16="http://schemas.microsoft.com/office/drawing/2014/main" val="20000"/>
                     </a:ext>
                   </a:extLst>
                 </a:gridCol>
                 <a:gridCol w="2260549">
                   <a:extLst>
                     <a:ext uri="{9D8B030D-6E8A-4147-A177-3AD203B41FA5}">
-                      <a16:colId xmlns:a16="http://schemas.microsoft.com/office/drawing/2014/main" xmlns="" val="20001"/>
+                      <a16:colId xmlns="" xmlns:a16="http://schemas.microsoft.com/office/drawing/2014/main" val="20001"/>
                     </a:ext>
                   </a:extLst>
                 </a:gridCol>
                 <a:gridCol w="4705185">
                   <a:extLst>
                     <a:ext uri="{9D8B030D-6E8A-4147-A177-3AD203B41FA5}">
-                      <a16:colId xmlns:a16="http://schemas.microsoft.com/office/drawing/2014/main" xmlns="" val="20002"/>
+                      <a16:colId xmlns="" xmlns:a16="http://schemas.microsoft.com/office/drawing/2014/main" val="20002"/>
                     </a:ext>
                   </a:extLst>
                 </a:gridCol>
@@ -11670,7 +12682,7 @@
                 </a:tc>
                 <a:extLst>
                   <a:ext uri="{0D108BD9-81ED-4DB2-BD59-A6C34878D82A}">
-                    <a16:rowId xmlns:a16="http://schemas.microsoft.com/office/drawing/2014/main" xmlns="" val="10000"/>
+                    <a16:rowId xmlns="" xmlns:a16="http://schemas.microsoft.com/office/drawing/2014/main" val="10000"/>
                   </a:ext>
                 </a:extLst>
               </a:tr>
@@ -12124,7 +13136,7 @@
                 </a:tc>
                 <a:extLst>
                   <a:ext uri="{0D108BD9-81ED-4DB2-BD59-A6C34878D82A}">
-                    <a16:rowId xmlns:a16="http://schemas.microsoft.com/office/drawing/2014/main" xmlns="" val="10001"/>
+                    <a16:rowId xmlns="" xmlns:a16="http://schemas.microsoft.com/office/drawing/2014/main" val="10001"/>
                   </a:ext>
                 </a:extLst>
               </a:tr>
@@ -12203,7 +13215,7 @@
                 </a:tc>
                 <a:extLst>
                   <a:ext uri="{0D108BD9-81ED-4DB2-BD59-A6C34878D82A}">
-                    <a16:rowId xmlns:a16="http://schemas.microsoft.com/office/drawing/2014/main" xmlns="" val="10002"/>
+                    <a16:rowId xmlns="" xmlns:a16="http://schemas.microsoft.com/office/drawing/2014/main" val="10002"/>
                   </a:ext>
                 </a:extLst>
               </a:tr>
@@ -12294,7 +13306,7 @@
                 </a:tc>
                 <a:extLst>
                   <a:ext uri="{0D108BD9-81ED-4DB2-BD59-A6C34878D82A}">
-                    <a16:rowId xmlns:a16="http://schemas.microsoft.com/office/drawing/2014/main" xmlns="" val="10003"/>
+                    <a16:rowId xmlns="" xmlns:a16="http://schemas.microsoft.com/office/drawing/2014/main" val="10003"/>
                   </a:ext>
                 </a:extLst>
               </a:tr>
@@ -14086,7 +15098,7 @@
   <a:extraClrSchemeLst/>
   <a:extLst>
     <a:ext uri="{05A4C25C-085E-4340-85A3-A5531E510DB2}">
-      <thm15:themeFamily xmlns:thm15="http://schemas.microsoft.com/office/thememl/2012/main" xmlns="" name="Ion" id="{B8441ADB-2E43-4AF7-B97A-BD870242C6A8}" vid="{A207AED3-9ABC-4A18-9978-A59B65688B15}"/>
+      <thm15:themeFamily xmlns="" xmlns:thm15="http://schemas.microsoft.com/office/thememl/2012/main" name="Ion" id="{B8441ADB-2E43-4AF7-B97A-BD870242C6A8}" vid="{A207AED3-9ABC-4A18-9978-A59B65688B15}"/>
     </a:ext>
   </a:extLst>
 </a:theme>

--- a/Sistem Analizi ve Tasarımı 1. Sunum.pptx
+++ b/Sistem Analizi ve Tasarımı 1. Sunum.pptx
@@ -18,7 +18,7 @@
     <p:sldId id="281" r:id="rId12"/>
     <p:sldId id="279" r:id="rId13"/>
     <p:sldId id="264" r:id="rId14"/>
-    <p:sldId id="271" r:id="rId15"/>
+    <p:sldId id="282" r:id="rId15"/>
     <p:sldId id="280" r:id="rId16"/>
     <p:sldId id="265" r:id="rId17"/>
     <p:sldId id="270" r:id="rId18"/>
@@ -316,7 +316,7 @@
           <a:p>
             <a:fld id="{8ED78341-119F-4BD9-A214-8D8E9EFEFDA1}" type="datetimeFigureOut">
               <a:rPr lang="en-US" smtClean="0"/>
-              <a:t>4/5/2018</a:t>
+              <a:t>4/6/2018</a:t>
             </a:fld>
             <a:endParaRPr lang="en-US"/>
           </a:p>
@@ -591,7 +591,7 @@
           <a:p>
             <a:fld id="{8ED78341-119F-4BD9-A214-8D8E9EFEFDA1}" type="datetimeFigureOut">
               <a:rPr lang="en-US" smtClean="0"/>
-              <a:t>4/5/2018</a:t>
+              <a:t>4/6/2018</a:t>
             </a:fld>
             <a:endParaRPr lang="en-US"/>
           </a:p>
@@ -785,7 +785,7 @@
           <a:p>
             <a:fld id="{8ED78341-119F-4BD9-A214-8D8E9EFEFDA1}" type="datetimeFigureOut">
               <a:rPr lang="en-US" smtClean="0"/>
-              <a:t>4/5/2018</a:t>
+              <a:t>4/6/2018</a:t>
             </a:fld>
             <a:endParaRPr lang="en-US"/>
           </a:p>
@@ -1056,7 +1056,7 @@
           <a:p>
             <a:fld id="{8ED78341-119F-4BD9-A214-8D8E9EFEFDA1}" type="datetimeFigureOut">
               <a:rPr lang="en-US" smtClean="0"/>
-              <a:t>4/5/2018</a:t>
+              <a:t>4/6/2018</a:t>
             </a:fld>
             <a:endParaRPr lang="en-US"/>
           </a:p>
@@ -1383,7 +1383,7 @@
           <a:p>
             <a:fld id="{8ED78341-119F-4BD9-A214-8D8E9EFEFDA1}" type="datetimeFigureOut">
               <a:rPr lang="en-US" smtClean="0"/>
-              <a:t>4/5/2018</a:t>
+              <a:t>4/6/2018</a:t>
             </a:fld>
             <a:endParaRPr lang="en-US"/>
           </a:p>
@@ -2002,7 +2002,7 @@
           <a:p>
             <a:fld id="{8ED78341-119F-4BD9-A214-8D8E9EFEFDA1}" type="datetimeFigureOut">
               <a:rPr lang="en-US" smtClean="0"/>
-              <a:t>4/5/2018</a:t>
+              <a:t>4/6/2018</a:t>
             </a:fld>
             <a:endParaRPr lang="en-US"/>
           </a:p>
@@ -2849,7 +2849,7 @@
           <a:p>
             <a:fld id="{8ED78341-119F-4BD9-A214-8D8E9EFEFDA1}" type="datetimeFigureOut">
               <a:rPr lang="en-US" smtClean="0"/>
-              <a:t>4/5/2018</a:t>
+              <a:t>4/6/2018</a:t>
             </a:fld>
             <a:endParaRPr lang="en-US"/>
           </a:p>
@@ -3019,7 +3019,7 @@
           <a:p>
             <a:fld id="{8ED78341-119F-4BD9-A214-8D8E9EFEFDA1}" type="datetimeFigureOut">
               <a:rPr lang="en-US" smtClean="0"/>
-              <a:t>4/5/2018</a:t>
+              <a:t>4/6/2018</a:t>
             </a:fld>
             <a:endParaRPr lang="en-US"/>
           </a:p>
@@ -3199,7 +3199,7 @@
           <a:p>
             <a:fld id="{8ED78341-119F-4BD9-A214-8D8E9EFEFDA1}" type="datetimeFigureOut">
               <a:rPr lang="en-US" smtClean="0"/>
-              <a:t>4/5/2018</a:t>
+              <a:t>4/6/2018</a:t>
             </a:fld>
             <a:endParaRPr lang="en-US"/>
           </a:p>
@@ -3369,7 +3369,7 @@
           <a:p>
             <a:fld id="{8ED78341-119F-4BD9-A214-8D8E9EFEFDA1}" type="datetimeFigureOut">
               <a:rPr lang="en-US" smtClean="0"/>
-              <a:t>4/5/2018</a:t>
+              <a:t>4/6/2018</a:t>
             </a:fld>
             <a:endParaRPr lang="en-US"/>
           </a:p>
@@ -3616,7 +3616,7 @@
           <a:p>
             <a:fld id="{8ED78341-119F-4BD9-A214-8D8E9EFEFDA1}" type="datetimeFigureOut">
               <a:rPr lang="en-US" smtClean="0"/>
-              <a:t>4/5/2018</a:t>
+              <a:t>4/6/2018</a:t>
             </a:fld>
             <a:endParaRPr lang="en-US"/>
           </a:p>
@@ -3908,7 +3908,7 @@
           <a:p>
             <a:fld id="{8ED78341-119F-4BD9-A214-8D8E9EFEFDA1}" type="datetimeFigureOut">
               <a:rPr lang="en-US" smtClean="0"/>
-              <a:t>4/5/2018</a:t>
+              <a:t>4/6/2018</a:t>
             </a:fld>
             <a:endParaRPr lang="en-US"/>
           </a:p>
@@ -4352,7 +4352,7 @@
           <a:p>
             <a:fld id="{8ED78341-119F-4BD9-A214-8D8E9EFEFDA1}" type="datetimeFigureOut">
               <a:rPr lang="en-US" smtClean="0"/>
-              <a:t>4/5/2018</a:t>
+              <a:t>4/6/2018</a:t>
             </a:fld>
             <a:endParaRPr lang="en-US"/>
           </a:p>
@@ -4470,7 +4470,7 @@
           <a:p>
             <a:fld id="{8ED78341-119F-4BD9-A214-8D8E9EFEFDA1}" type="datetimeFigureOut">
               <a:rPr lang="en-US" smtClean="0"/>
-              <a:t>4/5/2018</a:t>
+              <a:t>4/6/2018</a:t>
             </a:fld>
             <a:endParaRPr lang="en-US"/>
           </a:p>
@@ -4565,7 +4565,7 @@
           <a:p>
             <a:fld id="{8ED78341-119F-4BD9-A214-8D8E9EFEFDA1}" type="datetimeFigureOut">
               <a:rPr lang="en-US" smtClean="0"/>
-              <a:t>4/5/2018</a:t>
+              <a:t>4/6/2018</a:t>
             </a:fld>
             <a:endParaRPr lang="en-US"/>
           </a:p>
@@ -4844,7 +4844,7 @@
           <a:p>
             <a:fld id="{8ED78341-119F-4BD9-A214-8D8E9EFEFDA1}" type="datetimeFigureOut">
               <a:rPr lang="en-US" smtClean="0"/>
-              <a:t>4/5/2018</a:t>
+              <a:t>4/6/2018</a:t>
             </a:fld>
             <a:endParaRPr lang="en-US"/>
           </a:p>
@@ -5119,7 +5119,7 @@
           <a:p>
             <a:fld id="{8ED78341-119F-4BD9-A214-8D8E9EFEFDA1}" type="datetimeFigureOut">
               <a:rPr lang="en-US" smtClean="0"/>
-              <a:t>4/5/2018</a:t>
+              <a:t>4/6/2018</a:t>
             </a:fld>
             <a:endParaRPr lang="en-US"/>
           </a:p>
@@ -5542,7 +5542,7 @@
           <a:p>
             <a:fld id="{8ED78341-119F-4BD9-A214-8D8E9EFEFDA1}" type="datetimeFigureOut">
               <a:rPr lang="en-US" smtClean="0"/>
-              <a:t>4/5/2018</a:t>
+              <a:t>4/6/2018</a:t>
             </a:fld>
             <a:endParaRPr lang="en-US"/>
           </a:p>
@@ -6366,6 +6366,13 @@
   <p:clrMapOvr>
     <a:masterClrMapping/>
   </p:clrMapOvr>
+  <p:timing>
+    <p:tnLst>
+      <p:par>
+        <p:cTn id="1" dur="indefinite" restart="never" nodeType="tmRoot"/>
+      </p:par>
+    </p:tnLst>
+  </p:timing>
 </p:sld>
 </file>
 
@@ -6395,7 +6402,7 @@
         <p:spPr>
           <a:xfrm>
             <a:off x="646111" y="1166843"/>
-            <a:ext cx="9689875" cy="4247317"/>
+            <a:ext cx="9689875" cy="3970318"/>
           </a:xfrm>
           <a:prstGeom prst="rect">
             <a:avLst/>
@@ -6409,89 +6416,166 @@
           <a:p>
             <a:r>
               <a:rPr lang="tr-TR" dirty="0"/>
-              <a:t>İlgili programlarının satın alınması 1,500 TL ,</a:t>
-            </a:r>
-          </a:p>
-          <a:p>
+              <a:t>İlgili </a:t>
+            </a:r>
+            <a:r>
+              <a:rPr lang="tr-TR" dirty="0" smtClean="0"/>
+              <a:t>programlar		: 1.500 </a:t>
+            </a:r>
             <a:r>
               <a:rPr lang="tr-TR" dirty="0"/>
-              <a:t>Sistem analizi için 2,000 TL,</a:t>
+              <a:t>TL ,</a:t>
             </a:r>
           </a:p>
           <a:p>
             <a:r>
               <a:rPr lang="tr-TR" dirty="0"/>
-              <a:t>Sistem tasarımı için 2,570 TL, </a:t>
-            </a:r>
-          </a:p>
-          <a:p>
+              <a:t>Sistem analizi </a:t>
+            </a:r>
+            <a:r>
+              <a:rPr lang="tr-TR" dirty="0" smtClean="0"/>
+              <a:t>		: 2.000 </a:t>
+            </a:r>
             <a:r>
               <a:rPr lang="tr-TR" dirty="0"/>
-              <a:t>Gerçekleştirme için 4,000 TL, </a:t>
+              <a:t>TL,</a:t>
             </a:r>
           </a:p>
           <a:p>
             <a:r>
               <a:rPr lang="tr-TR" dirty="0"/>
-              <a:t>Sistemin test edilmesi 490 TL,</a:t>
-            </a:r>
-          </a:p>
-          <a:p>
+              <a:t>Sistem </a:t>
+            </a:r>
+            <a:r>
+              <a:rPr lang="tr-TR" dirty="0" smtClean="0"/>
+              <a:t>tasarımı		: 2.500 </a:t>
+            </a:r>
             <a:r>
               <a:rPr lang="tr-TR" dirty="0"/>
-              <a:t>Tüm çalışanların toplam kira bedeli 1,200TL, </a:t>
-            </a:r>
-          </a:p>
-          <a:p>
+              <a:t>TL, </a:t>
+            </a:r>
+          </a:p>
+          <a:p>
+            <a:r>
+              <a:rPr lang="tr-TR" dirty="0" smtClean="0"/>
+              <a:t>Sistemin </a:t>
+            </a:r>
             <a:r>
               <a:rPr lang="tr-TR" dirty="0"/>
-              <a:t>Kullanılacak bilgisayarların toplam maliyeti 3,800TL (3 adet) ‘ ye mal olmuştur.</a:t>
-            </a:r>
-          </a:p>
-          <a:p>
+              <a:t>test </a:t>
+            </a:r>
+            <a:r>
+              <a:rPr lang="tr-TR" dirty="0" smtClean="0"/>
+              <a:t>edilmesi	: 500 </a:t>
+            </a:r>
             <a:r>
               <a:rPr lang="tr-TR" dirty="0"/>
-              <a:t>                        &lt;-Çalışanların günlük ücretlendirilmesi-&gt;</a:t>
-            </a:r>
-          </a:p>
-          <a:p>
+              <a:t>TL</a:t>
+            </a:r>
+            <a:r>
+              <a:rPr lang="tr-TR" dirty="0" smtClean="0"/>
+              <a:t>,</a:t>
+            </a:r>
+          </a:p>
+          <a:p>
+            <a:r>
+              <a:rPr lang="tr-TR" dirty="0" smtClean="0"/>
+              <a:t>Bilgisayarlar (3 adet)	: 18.000 TL</a:t>
+            </a:r>
+          </a:p>
+          <a:p>
+            <a:endParaRPr lang="tr-TR" dirty="0"/>
+          </a:p>
+          <a:p>
+            <a:r>
+              <a:rPr lang="tr-TR" dirty="0" smtClean="0"/>
+              <a:t>Aylık kira bedeli		: 1.200 * 3 Ay = 3.600 TL  </a:t>
+            </a:r>
+            <a:endParaRPr lang="tr-TR" dirty="0"/>
+          </a:p>
+          <a:p>
+            <a:r>
+              <a:rPr lang="tr-TR" dirty="0" smtClean="0"/>
+              <a:t>Proje </a:t>
+            </a:r>
             <a:r>
               <a:rPr lang="tr-TR" dirty="0"/>
-              <a:t>Proje Yöneticisi (1):60TL</a:t>
-            </a:r>
-          </a:p>
-          <a:p>
+              <a:t>Yöneticisi (</a:t>
+            </a:r>
             <a:r>
               <a:rPr lang="tr-TR" dirty="0" smtClean="0"/>
-              <a:t>Programcı(2) </a:t>
-            </a:r>
+              <a:t>1 kişi)	: 3.000 * 3 Ay = 9.000 TL</a:t>
+            </a:r>
+            <a:endParaRPr lang="tr-TR" dirty="0"/>
+          </a:p>
+          <a:p>
+            <a:r>
+              <a:rPr lang="tr-TR" dirty="0" smtClean="0"/>
+              <a:t>Programcı(2 kişi)		: 5.000 * 3 Ay = 15.000 TL</a:t>
+            </a:r>
+            <a:endParaRPr lang="tr-TR" dirty="0"/>
+          </a:p>
+          <a:p>
             <a:r>
               <a:rPr lang="tr-TR" dirty="0"/>
-              <a:t>:45TL</a:t>
-            </a:r>
-          </a:p>
-          <a:p>
+              <a:t>Sistem </a:t>
+            </a:r>
+            <a:r>
+              <a:rPr lang="tr-TR" smtClean="0"/>
+              <a:t>Analisti(1 kişi)</a:t>
+            </a:r>
+            <a:r>
+              <a:rPr lang="tr-TR" dirty="0" smtClean="0"/>
+              <a:t>	: 2.000 * 3 Ay = 6.000 TL</a:t>
+            </a:r>
+            <a:endParaRPr lang="tr-TR" dirty="0"/>
+          </a:p>
+          <a:p>
+            <a:endParaRPr lang="tr-TR" dirty="0" smtClean="0"/>
+          </a:p>
+          <a:p>
+            <a:r>
+              <a:rPr lang="tr-TR" dirty="0" smtClean="0"/>
+              <a:t>Sistemin </a:t>
+            </a:r>
             <a:r>
               <a:rPr lang="tr-TR" dirty="0"/>
-              <a:t>Sistem Analisti(1) : 40TL</a:t>
-            </a:r>
+              <a:t>toplam </a:t>
+            </a:r>
+            <a:r>
+              <a:rPr lang="tr-TR" dirty="0" smtClean="0"/>
+              <a:t>maliyeti	: 58.100 TL</a:t>
+            </a:r>
+            <a:endParaRPr lang="tr-TR" dirty="0"/>
           </a:p>
           <a:p>
             <a:r>
               <a:rPr lang="tr-TR" dirty="0"/>
-              <a:t>Bilgi Sistem Destek pers.(1) : 30TL</a:t>
-            </a:r>
-          </a:p>
-          <a:p>
+              <a:t> Yazılımımızın satış ücreti </a:t>
+            </a:r>
+            <a:r>
+              <a:rPr lang="tr-TR" dirty="0" smtClean="0"/>
+              <a:t>2.905 </a:t>
+            </a:r>
             <a:r>
               <a:rPr lang="tr-TR" dirty="0"/>
-              <a:t>                          Sistemin toplam maliyeti:18,570TL</a:t>
-            </a:r>
-          </a:p>
-          <a:p>
+              <a:t>TL </a:t>
+            </a:r>
+            <a:r>
+              <a:rPr lang="tr-TR" dirty="0" smtClean="0"/>
+              <a:t>olacaktır</a:t>
+            </a:r>
             <a:r>
               <a:rPr lang="tr-TR" dirty="0"/>
-              <a:t> Yazılımımızın satış ücreti 3,500 TL olacaktır.6 ürün satışı gerçekleştiğinde başa baş noktasına ulaşmış olur.</a:t>
+              <a:t> </a:t>
+            </a:r>
+            <a:r>
+              <a:rPr lang="tr-TR" dirty="0" smtClean="0"/>
+              <a:t>ve 20 </a:t>
+            </a:r>
+            <a:r>
+              <a:rPr lang="tr-TR" dirty="0"/>
+              <a:t>ürün satışı gerçekleştiğinde başa baş noktasına ulaşmış olur.</a:t>
             </a:r>
           </a:p>
         </p:txBody>
@@ -6588,15 +6672,18 @@
             </a:lvl9pPr>
           </a:lstStyle>
           <a:p>
-            <a:r>
-              <a:rPr lang="tr-TR" sz="1800" dirty="0" smtClean="0">
+            <a:pPr defTabSz="914400"/>
+            <a:r>
+              <a:rPr lang="tr-TR" sz="2400" b="1" kern="50" dirty="0">
                 <a:solidFill>
-                  <a:srgbClr val="FF0000"/>
+                  <a:schemeClr val="tx1"/>
                 </a:solidFill>
+                <a:latin typeface="Calibri" panose="020F0502020204030204" pitchFamily="34" charset="0"/>
+                <a:ea typeface="Arial Unicode MS" panose="020B0604020202020204" pitchFamily="34" charset="-128"/>
+                <a:cs typeface="+mn-cs"/>
               </a:rPr>
               <a:t>Gider Kalemleri</a:t>
             </a:r>
-            <a:endParaRPr lang="tr-TR" sz="1800" dirty="0"/>
           </a:p>
         </p:txBody>
       </p:sp>
@@ -6610,6 +6697,13 @@
   <p:clrMapOvr>
     <a:masterClrMapping/>
   </p:clrMapOvr>
+  <p:timing>
+    <p:tnLst>
+      <p:par>
+        <p:cTn id="1" dur="indefinite" restart="never" nodeType="tmRoot"/>
+      </p:par>
+    </p:tnLst>
+  </p:timing>
 </p:sld>
 </file>
 
@@ -6630,43 +6724,11 @@
           <a:chExt cx="0" cy="0"/>
         </a:xfrm>
       </p:grpSpPr>
-      <p:sp>
-        <p:nvSpPr>
-          <p:cNvPr id="2" name="Başlık 1"/>
-          <p:cNvSpPr>
-            <a:spLocks noGrp="1"/>
-          </p:cNvSpPr>
-          <p:nvPr>
-            <p:ph type="title"/>
-          </p:nvPr>
-        </p:nvSpPr>
-        <p:spPr>
-          <a:xfrm>
-            <a:off x="646111" y="452718"/>
-            <a:ext cx="9404723" cy="894389"/>
-          </a:xfrm>
-        </p:spPr>
-        <p:txBody>
-          <a:bodyPr/>
-          <a:lstStyle/>
-          <a:p>
-            <a:r>
-              <a:rPr lang="tr-TR" sz="1800" dirty="0">
-                <a:solidFill>
-                  <a:srgbClr val="FF0000"/>
-                </a:solidFill>
-              </a:rPr>
-              <a:t>Başa Baş Noktası Grafik Gösterimi</a:t>
-            </a:r>
-            <a:endParaRPr lang="tr-TR" sz="1800" dirty="0"/>
-          </a:p>
-        </p:txBody>
-      </p:sp>
       <p:pic>
         <p:nvPicPr>
-          <p:cNvPr id="3" name="İçerik Yer Tutucusu 3"/>
+          <p:cNvPr id="1026" name="Picture 2" descr="C:\Users\EmRaH\Desktop\basabas.png"/>
           <p:cNvPicPr>
-            <a:picLocks noChangeAspect="1"/>
+            <a:picLocks noChangeAspect="1" noChangeArrowheads="1"/>
           </p:cNvPicPr>
           <p:nvPr/>
         </p:nvPicPr>
@@ -6678,20 +6740,146 @@
               </a:ext>
             </a:extLst>
           </a:blip>
+          <a:srcRect/>
           <a:stretch>
             <a:fillRect/>
           </a:stretch>
         </p:blipFill>
+        <p:spPr bwMode="auto">
+          <a:xfrm>
+            <a:off x="885825" y="1271588"/>
+            <a:ext cx="9164638" cy="4791075"/>
+          </a:xfrm>
+          <a:prstGeom prst="rect">
+            <a:avLst/>
+          </a:prstGeom>
+          <a:noFill/>
+          <a:extLst>
+            <a:ext uri="{909E8E84-426E-40DD-AFC4-6F175D3DCCD1}">
+              <a14:hiddenFill xmlns:a14="http://schemas.microsoft.com/office/drawing/2010/main">
+                <a:solidFill>
+                  <a:srgbClr val="FFFFFF"/>
+                </a:solidFill>
+              </a14:hiddenFill>
+            </a:ext>
+          </a:extLst>
+        </p:spPr>
+      </p:pic>
+      <p:sp>
+        <p:nvSpPr>
+          <p:cNvPr id="6" name="Başlık 1"/>
+          <p:cNvSpPr txBox="1">
+            <a:spLocks/>
+          </p:cNvSpPr>
+          <p:nvPr/>
+        </p:nvSpPr>
         <p:spPr>
           <a:xfrm>
-            <a:off x="930955" y="1543050"/>
-            <a:ext cx="9168266" cy="4793006"/>
+            <a:off x="646111" y="452719"/>
+            <a:ext cx="9404723" cy="641296"/>
           </a:xfrm>
           <a:prstGeom prst="rect">
             <a:avLst/>
           </a:prstGeom>
         </p:spPr>
-      </p:pic>
+        <p:txBody>
+          <a:bodyPr/>
+          <a:lstStyle>
+            <a:lvl1pPr algn="l" defTabSz="457200" rtl="0" eaLnBrk="1" latinLnBrk="0" hangingPunct="1">
+              <a:spcBef>
+                <a:spcPct val="0"/>
+              </a:spcBef>
+              <a:buNone/>
+              <a:defRPr sz="4200" b="0" i="0" kern="1200">
+                <a:solidFill>
+                  <a:schemeClr val="tx2"/>
+                </a:solidFill>
+                <a:latin typeface="+mj-lt"/>
+                <a:ea typeface="+mj-ea"/>
+                <a:cs typeface="+mj-cs"/>
+              </a:defRPr>
+            </a:lvl1pPr>
+            <a:lvl2pPr eaLnBrk="1" hangingPunct="1">
+              <a:defRPr>
+                <a:solidFill>
+                  <a:schemeClr val="tx2"/>
+                </a:solidFill>
+              </a:defRPr>
+            </a:lvl2pPr>
+            <a:lvl3pPr eaLnBrk="1" hangingPunct="1">
+              <a:defRPr>
+                <a:solidFill>
+                  <a:schemeClr val="tx2"/>
+                </a:solidFill>
+              </a:defRPr>
+            </a:lvl3pPr>
+            <a:lvl4pPr eaLnBrk="1" hangingPunct="1">
+              <a:defRPr>
+                <a:solidFill>
+                  <a:schemeClr val="tx2"/>
+                </a:solidFill>
+              </a:defRPr>
+            </a:lvl4pPr>
+            <a:lvl5pPr eaLnBrk="1" hangingPunct="1">
+              <a:defRPr>
+                <a:solidFill>
+                  <a:schemeClr val="tx2"/>
+                </a:solidFill>
+              </a:defRPr>
+            </a:lvl5pPr>
+            <a:lvl6pPr eaLnBrk="1" hangingPunct="1">
+              <a:defRPr>
+                <a:solidFill>
+                  <a:schemeClr val="tx2"/>
+                </a:solidFill>
+              </a:defRPr>
+            </a:lvl6pPr>
+            <a:lvl7pPr eaLnBrk="1" hangingPunct="1">
+              <a:defRPr>
+                <a:solidFill>
+                  <a:schemeClr val="tx2"/>
+                </a:solidFill>
+              </a:defRPr>
+            </a:lvl7pPr>
+            <a:lvl8pPr eaLnBrk="1" hangingPunct="1">
+              <a:defRPr>
+                <a:solidFill>
+                  <a:schemeClr val="tx2"/>
+                </a:solidFill>
+              </a:defRPr>
+            </a:lvl8pPr>
+            <a:lvl9pPr eaLnBrk="1" hangingPunct="1">
+              <a:defRPr>
+                <a:solidFill>
+                  <a:schemeClr val="tx2"/>
+                </a:solidFill>
+              </a:defRPr>
+            </a:lvl9pPr>
+          </a:lstStyle>
+          <a:p>
+            <a:pPr defTabSz="914400"/>
+            <a:r>
+              <a:rPr lang="tr-TR" sz="2400" b="1" kern="50" dirty="0" smtClean="0">
+                <a:solidFill>
+                  <a:schemeClr val="tx1"/>
+                </a:solidFill>
+                <a:latin typeface="Calibri" panose="020F0502020204030204" pitchFamily="34" charset="0"/>
+                <a:ea typeface="Arial Unicode MS" panose="020B0604020202020204" pitchFamily="34" charset="-128"/>
+                <a:cs typeface="+mn-cs"/>
+              </a:rPr>
+              <a:t>Başa baş Noktası</a:t>
+            </a:r>
+            <a:endParaRPr lang="tr-TR" sz="2400" b="1" kern="50" dirty="0">
+              <a:solidFill>
+                <a:schemeClr val="tx1"/>
+              </a:solidFill>
+              <a:latin typeface="Calibri" panose="020F0502020204030204" pitchFamily="34" charset="0"/>
+              <a:ea typeface="Arial Unicode MS" panose="020B0604020202020204" pitchFamily="34" charset="-128"/>
+              <a:cs typeface="+mn-cs"/>
+            </a:endParaRPr>
+          </a:p>
+        </p:txBody>
+      </p:sp>
     </p:spTree>
     <p:extLst>
       <p:ext uri="{BB962C8B-B14F-4D97-AF65-F5344CB8AC3E}">
@@ -6702,6 +6890,13 @@
   <p:clrMapOvr>
     <a:masterClrMapping/>
   </p:clrMapOvr>
+  <p:timing>
+    <p:tnLst>
+      <p:par>
+        <p:cTn id="1" dur="indefinite" restart="never" nodeType="tmRoot"/>
+      </p:par>
+    </p:tnLst>
+  </p:timing>
 </p:sld>
 </file>
 
@@ -6982,14 +7177,14 @@
           <p:nvPr>
             <p:extLst>
               <p:ext uri="{D42A27DB-BD31-4B8C-83A1-F6EECF244321}">
-                <p14:modId xmlns:p14="http://schemas.microsoft.com/office/powerpoint/2010/main" val="4105791627"/>
+                <p14:modId xmlns:p14="http://schemas.microsoft.com/office/powerpoint/2010/main" val="3123791925"/>
               </p:ext>
             </p:extLst>
           </p:nvPr>
         </p:nvGraphicFramePr>
         <p:xfrm>
-          <a:off x="370627" y="1481071"/>
-          <a:ext cx="9662016" cy="3947040"/>
+          <a:off x="365617" y="1555292"/>
+          <a:ext cx="10130105" cy="4591066"/>
         </p:xfrm>
         <a:graphic>
           <a:graphicData uri="http://schemas.openxmlformats.org/drawingml/2006/table">
@@ -6998,63 +7193,63 @@
                 <a:tableStyleId>{5C22544A-7EE6-4342-B048-85BDC9FD1C3A}</a:tableStyleId>
               </a:tblPr>
               <a:tblGrid>
-                <a:gridCol w="2873860">
+                <a:gridCol w="2887353">
                   <a:extLst>
                     <a:ext uri="{9D8B030D-6E8A-4147-A177-3AD203B41FA5}">
                       <a16:colId xmlns="" xmlns:a16="http://schemas.microsoft.com/office/drawing/2014/main" val="20000"/>
                     </a:ext>
                   </a:extLst>
                 </a:gridCol>
-                <a:gridCol w="772009">
+                <a:gridCol w="867662">
                   <a:extLst>
                     <a:ext uri="{9D8B030D-6E8A-4147-A177-3AD203B41FA5}">
                       <a16:colId xmlns="" xmlns:a16="http://schemas.microsoft.com/office/drawing/2014/main" val="20001"/>
                     </a:ext>
                   </a:extLst>
                 </a:gridCol>
-                <a:gridCol w="772716">
+                <a:gridCol w="849809">
                   <a:extLst>
                     <a:ext uri="{9D8B030D-6E8A-4147-A177-3AD203B41FA5}">
                       <a16:colId xmlns="" xmlns:a16="http://schemas.microsoft.com/office/drawing/2014/main" val="20002"/>
                     </a:ext>
                   </a:extLst>
                 </a:gridCol>
-                <a:gridCol w="717523">
+                <a:gridCol w="905573">
                   <a:extLst>
                     <a:ext uri="{9D8B030D-6E8A-4147-A177-3AD203B41FA5}">
                       <a16:colId xmlns="" xmlns:a16="http://schemas.microsoft.com/office/drawing/2014/main" val="20003"/>
                     </a:ext>
                   </a:extLst>
                 </a:gridCol>
-                <a:gridCol w="800312">
+                <a:gridCol w="763325">
                   <a:extLst>
                     <a:ext uri="{9D8B030D-6E8A-4147-A177-3AD203B41FA5}">
                       <a16:colId xmlns="" xmlns:a16="http://schemas.microsoft.com/office/drawing/2014/main" val="20004"/>
                     </a:ext>
                   </a:extLst>
                 </a:gridCol>
-                <a:gridCol w="682639">
+                <a:gridCol w="826936">
                   <a:extLst>
                     <a:ext uri="{9D8B030D-6E8A-4147-A177-3AD203B41FA5}">
                       <a16:colId xmlns="" xmlns:a16="http://schemas.microsoft.com/office/drawing/2014/main" val="20005"/>
                     </a:ext>
                   </a:extLst>
                 </a:gridCol>
-                <a:gridCol w="1002749">
+                <a:gridCol w="866692">
                   <a:extLst>
                     <a:ext uri="{9D8B030D-6E8A-4147-A177-3AD203B41FA5}">
                       <a16:colId xmlns="" xmlns:a16="http://schemas.microsoft.com/office/drawing/2014/main" val="20006"/>
                     </a:ext>
                   </a:extLst>
                 </a:gridCol>
-                <a:gridCol w="1020104">
+                <a:gridCol w="818984">
                   <a:extLst>
                     <a:ext uri="{9D8B030D-6E8A-4147-A177-3AD203B41FA5}">
                       <a16:colId xmlns="" xmlns:a16="http://schemas.microsoft.com/office/drawing/2014/main" val="20007"/>
                     </a:ext>
                   </a:extLst>
                 </a:gridCol>
-                <a:gridCol w="1020104">
+                <a:gridCol w="1343771">
                   <a:extLst>
                     <a:ext uri="{9D8B030D-6E8A-4147-A177-3AD203B41FA5}">
                       <a16:colId xmlns="" xmlns:a16="http://schemas.microsoft.com/office/drawing/2014/main" val="20008"/>
@@ -7062,7 +7257,7 @@
                   </a:extLst>
                 </a:gridCol>
               </a:tblGrid>
-              <a:tr h="311927">
+              <a:tr h="452216">
                 <a:tc rowSpan="2">
                   <a:txBody>
                     <a:bodyPr/>
@@ -7171,7 +7366,7 @@
                   </a:ext>
                 </a:extLst>
               </a:tr>
-              <a:tr h="332778">
+              <a:tr h="481250">
                 <a:tc vMerge="1">
                   <a:txBody>
                     <a:bodyPr/>
@@ -7182,92 +7377,222 @@
                   </a:txBody>
                   <a:tcPr/>
                 </a:tc>
-                <a:tc gridSpan="8">
+                <a:tc>
                   <a:txBody>
                     <a:bodyPr/>
                     <a:lstStyle/>
                     <a:p>
-                      <a:endParaRPr lang="tr-TR" sz="1100" dirty="0" smtClean="0"/>
-                    </a:p>
-                    <a:p>
+                      <a:pPr algn="ctr"/>
                       <a:r>
                         <a:rPr lang="tr-TR" sz="1100" dirty="0" smtClean="0"/>
-                        <a:t>07.03.18    11.03.18       14.03.13        4.04.18         11.04.18    25.04. 18            9.05. 18            23.05.18</a:t>
+                        <a:t>07.03.18 </a:t>
                       </a:r>
-                      <a:endParaRPr lang="en-US" sz="1100" dirty="0"/>
                     </a:p>
                   </a:txBody>
-                  <a:tcPr/>
+                  <a:tcPr anchor="ctr"/>
                 </a:tc>
-                <a:tc hMerge="1">
+                <a:tc>
                   <a:txBody>
                     <a:bodyPr/>
                     <a:lstStyle/>
                     <a:p>
-                      <a:endParaRPr lang="en-US"/>
+                      <a:pPr marL="0" algn="ctr" defTabSz="457200" rtl="0" eaLnBrk="1" latinLnBrk="0" hangingPunct="1"/>
+                      <a:r>
+                        <a:rPr lang="tr-TR" sz="1100" kern="1200" dirty="0" smtClean="0">
+                          <a:solidFill>
+                            <a:schemeClr val="dk1"/>
+                          </a:solidFill>
+                          <a:latin typeface="+mn-lt"/>
+                          <a:ea typeface="+mn-ea"/>
+                          <a:cs typeface="+mn-cs"/>
+                        </a:rPr>
+                        <a:t>11.03.18 </a:t>
+                      </a:r>
+                      <a:endParaRPr lang="en-US" sz="1100" kern="1200" dirty="0">
+                        <a:solidFill>
+                          <a:schemeClr val="dk1"/>
+                        </a:solidFill>
+                        <a:latin typeface="+mn-lt"/>
+                        <a:ea typeface="+mn-ea"/>
+                        <a:cs typeface="+mn-cs"/>
+                      </a:endParaRPr>
                     </a:p>
                   </a:txBody>
-                  <a:tcPr/>
+                  <a:tcPr anchor="ctr"/>
                 </a:tc>
-                <a:tc hMerge="1">
+                <a:tc>
                   <a:txBody>
                     <a:bodyPr/>
                     <a:lstStyle/>
                     <a:p>
-                      <a:endParaRPr lang="en-US" dirty="0"/>
+                      <a:pPr marL="0" algn="ctr" defTabSz="457200" rtl="0" eaLnBrk="1" latinLnBrk="0" hangingPunct="1"/>
+                      <a:r>
+                        <a:rPr lang="tr-TR" sz="1100" kern="1200" dirty="0" smtClean="0">
+                          <a:solidFill>
+                            <a:schemeClr val="dk1"/>
+                          </a:solidFill>
+                          <a:latin typeface="+mn-lt"/>
+                          <a:ea typeface="+mn-ea"/>
+                          <a:cs typeface="+mn-cs"/>
+                        </a:rPr>
+                        <a:t>14.03.18 </a:t>
+                      </a:r>
+                      <a:endParaRPr lang="en-US" sz="1100" kern="1200" dirty="0">
+                        <a:solidFill>
+                          <a:schemeClr val="dk1"/>
+                        </a:solidFill>
+                        <a:latin typeface="+mn-lt"/>
+                        <a:ea typeface="+mn-ea"/>
+                        <a:cs typeface="+mn-cs"/>
+                      </a:endParaRPr>
                     </a:p>
                   </a:txBody>
-                  <a:tcPr/>
+                  <a:tcPr anchor="ctr"/>
                 </a:tc>
-                <a:tc hMerge="1">
+                <a:tc>
                   <a:txBody>
                     <a:bodyPr/>
                     <a:lstStyle/>
                     <a:p>
-                      <a:endParaRPr lang="en-US"/>
+                      <a:pPr marL="0" algn="ctr" defTabSz="457200" rtl="0" eaLnBrk="1" latinLnBrk="0" hangingPunct="1"/>
+                      <a:r>
+                        <a:rPr lang="tr-TR" sz="1100" kern="1200" dirty="0" smtClean="0">
+                          <a:solidFill>
+                            <a:schemeClr val="dk1"/>
+                          </a:solidFill>
+                          <a:latin typeface="+mn-lt"/>
+                          <a:ea typeface="+mn-ea"/>
+                          <a:cs typeface="+mn-cs"/>
+                        </a:rPr>
+                        <a:t>04.04.18 </a:t>
+                      </a:r>
+                      <a:endParaRPr lang="en-US" sz="1100" kern="1200" dirty="0">
+                        <a:solidFill>
+                          <a:schemeClr val="dk1"/>
+                        </a:solidFill>
+                        <a:latin typeface="+mn-lt"/>
+                        <a:ea typeface="+mn-ea"/>
+                        <a:cs typeface="+mn-cs"/>
+                      </a:endParaRPr>
                     </a:p>
                   </a:txBody>
-                  <a:tcPr/>
+                  <a:tcPr anchor="ctr"/>
                 </a:tc>
-                <a:tc hMerge="1">
+                <a:tc>
                   <a:txBody>
                     <a:bodyPr/>
                     <a:lstStyle/>
                     <a:p>
-                      <a:endParaRPr lang="en-US"/>
+                      <a:pPr marL="0" algn="ctr" defTabSz="457200" rtl="0" eaLnBrk="1" latinLnBrk="0" hangingPunct="1"/>
+                      <a:r>
+                        <a:rPr lang="tr-TR" sz="1100" kern="1200" dirty="0" smtClean="0">
+                          <a:solidFill>
+                            <a:schemeClr val="dk1"/>
+                          </a:solidFill>
+                          <a:latin typeface="+mn-lt"/>
+                          <a:ea typeface="+mn-ea"/>
+                          <a:cs typeface="+mn-cs"/>
+                        </a:rPr>
+                        <a:t>11.04.18 </a:t>
+                      </a:r>
+                      <a:endParaRPr lang="en-US" sz="1100" kern="1200" dirty="0">
+                        <a:solidFill>
+                          <a:schemeClr val="dk1"/>
+                        </a:solidFill>
+                        <a:latin typeface="+mn-lt"/>
+                        <a:ea typeface="+mn-ea"/>
+                        <a:cs typeface="+mn-cs"/>
+                      </a:endParaRPr>
                     </a:p>
                   </a:txBody>
-                  <a:tcPr/>
+                  <a:tcPr anchor="ctr"/>
                 </a:tc>
-                <a:tc hMerge="1">
+                <a:tc>
                   <a:txBody>
                     <a:bodyPr/>
                     <a:lstStyle/>
                     <a:p>
-                      <a:endParaRPr lang="en-US"/>
+                      <a:pPr marL="0" algn="ctr" defTabSz="457200" rtl="0" eaLnBrk="1" latinLnBrk="0" hangingPunct="1"/>
+                      <a:r>
+                        <a:rPr lang="tr-TR" sz="1100" kern="1200" dirty="0" smtClean="0">
+                          <a:solidFill>
+                            <a:schemeClr val="dk1"/>
+                          </a:solidFill>
+                          <a:latin typeface="+mn-lt"/>
+                          <a:ea typeface="+mn-ea"/>
+                          <a:cs typeface="+mn-cs"/>
+                        </a:rPr>
+                        <a:t>25.04. 18 </a:t>
+                      </a:r>
+                      <a:endParaRPr lang="en-US" sz="1100" kern="1200" dirty="0">
+                        <a:solidFill>
+                          <a:schemeClr val="dk1"/>
+                        </a:solidFill>
+                        <a:latin typeface="+mn-lt"/>
+                        <a:ea typeface="+mn-ea"/>
+                        <a:cs typeface="+mn-cs"/>
+                      </a:endParaRPr>
                     </a:p>
                   </a:txBody>
-                  <a:tcPr/>
+                  <a:tcPr anchor="ctr"/>
                 </a:tc>
-                <a:tc hMerge="1">
+                <a:tc>
                   <a:txBody>
                     <a:bodyPr/>
                     <a:lstStyle/>
                     <a:p>
-                      <a:endParaRPr lang="en-US"/>
+                      <a:pPr marL="0" algn="ctr" defTabSz="457200" rtl="0" eaLnBrk="1" latinLnBrk="0" hangingPunct="1"/>
+                      <a:r>
+                        <a:rPr lang="tr-TR" sz="1100" kern="1200" dirty="0" smtClean="0">
+                          <a:solidFill>
+                            <a:schemeClr val="dk1"/>
+                          </a:solidFill>
+                          <a:latin typeface="+mn-lt"/>
+                          <a:ea typeface="+mn-ea"/>
+                          <a:cs typeface="+mn-cs"/>
+                        </a:rPr>
+                        <a:t>9.05.18 </a:t>
+                      </a:r>
+                      <a:endParaRPr lang="en-US" sz="1100" kern="1200" dirty="0">
+                        <a:solidFill>
+                          <a:schemeClr val="dk1"/>
+                        </a:solidFill>
+                        <a:latin typeface="+mn-lt"/>
+                        <a:ea typeface="+mn-ea"/>
+                        <a:cs typeface="+mn-cs"/>
+                      </a:endParaRPr>
                     </a:p>
                   </a:txBody>
-                  <a:tcPr/>
+                  <a:tcPr anchor="ctr"/>
                 </a:tc>
-                <a:tc hMerge="1">
+                <a:tc>
                   <a:txBody>
                     <a:bodyPr/>
                     <a:lstStyle/>
                     <a:p>
-                      <a:endParaRPr lang="en-US"/>
+                      <a:pPr marL="0" algn="ctr" defTabSz="457200" rtl="0" eaLnBrk="1" latinLnBrk="0" hangingPunct="1"/>
+                      <a:r>
+                        <a:rPr lang="tr-TR" sz="1100" kern="1200" dirty="0" smtClean="0">
+                          <a:solidFill>
+                            <a:schemeClr val="dk1"/>
+                          </a:solidFill>
+                          <a:latin typeface="+mn-lt"/>
+                          <a:ea typeface="+mn-ea"/>
+                          <a:cs typeface="+mn-cs"/>
+                        </a:rPr>
+                        <a:t>23.05.18</a:t>
+                      </a:r>
+                      <a:endParaRPr lang="en-US" sz="1100" kern="1200" dirty="0">
+                        <a:solidFill>
+                          <a:schemeClr val="dk1"/>
+                        </a:solidFill>
+                        <a:latin typeface="+mn-lt"/>
+                        <a:ea typeface="+mn-ea"/>
+                        <a:cs typeface="+mn-cs"/>
+                      </a:endParaRPr>
                     </a:p>
                   </a:txBody>
-                  <a:tcPr/>
+                  <a:tcPr anchor="ctr"/>
                 </a:tc>
                 <a:extLst>
                   <a:ext uri="{0D108BD9-81ED-4DB2-BD59-A6C34878D82A}">
@@ -7275,57 +7600,11 @@
                   </a:ext>
                 </a:extLst>
               </a:tr>
-              <a:tr h="525760">
-                <a:tc rowSpan="6">
+              <a:tr h="333955">
+                <a:tc>
                   <a:txBody>
                     <a:bodyPr/>
                     <a:lstStyle/>
-                    <a:p>
-                      <a:r>
-                        <a:rPr lang="tr-TR" sz="1200" dirty="0" smtClean="0"/>
-                        <a:t>1.Projenin</a:t>
-                      </a:r>
-                      <a:r>
-                        <a:rPr lang="tr-TR" sz="1200" baseline="0" dirty="0" smtClean="0"/>
-                        <a:t> tanımlanması</a:t>
-                      </a:r>
-                    </a:p>
-                    <a:p>
-                      <a:r>
-                        <a:rPr lang="tr-TR" sz="1200" baseline="0" dirty="0" smtClean="0"/>
-                        <a:t>2.Sistem Analizi</a:t>
-                      </a:r>
-                    </a:p>
-                    <a:p>
-                      <a:r>
-                        <a:rPr lang="tr-TR" sz="1200" baseline="0" dirty="0" smtClean="0"/>
-                        <a:t>3.Yazılım proje planlaması</a:t>
-                      </a:r>
-                    </a:p>
-                    <a:p>
-                      <a:r>
-                        <a:rPr lang="tr-TR" sz="1200" baseline="0" dirty="0" smtClean="0"/>
-                        <a:t>4.Ön tasarım</a:t>
-                      </a:r>
-                    </a:p>
-                    <a:p>
-                      <a:r>
-                        <a:rPr lang="tr-TR" sz="1200" baseline="0" dirty="0" smtClean="0"/>
-                        <a:t>5.Ayrıntılı tasarım</a:t>
-                      </a:r>
-                    </a:p>
-                    <a:p>
-                      <a:r>
-                        <a:rPr lang="tr-TR" sz="1200" baseline="0" dirty="0" smtClean="0"/>
-                        <a:t>6.Tasarımın Denetimi</a:t>
-                      </a:r>
-                    </a:p>
-                    <a:p>
-                      <a:r>
-                        <a:rPr lang="tr-TR" sz="1200" baseline="0" dirty="0" smtClean="0"/>
-                        <a:t>7.Kodlama</a:t>
-                      </a:r>
-                    </a:p>
                     <a:p>
                       <a:pPr marL="0" marR="0" indent="0" algn="l" defTabSz="457200" rtl="0" eaLnBrk="1" fontAlgn="auto" latinLnBrk="0" hangingPunct="1">
                         <a:lnSpc>
@@ -7345,10 +7624,108 @@
                         <a:defRPr/>
                       </a:pPr>
                       <a:r>
+                        <a:rPr lang="tr-TR" sz="1200" dirty="0" smtClean="0"/>
+                        <a:t>1.Projenin</a:t>
+                      </a:r>
+                      <a:r>
                         <a:rPr lang="tr-TR" sz="1200" baseline="0" dirty="0" smtClean="0"/>
-                        <a:t>8.Test aşaması</a:t>
+                        <a:t> tanımlanması</a:t>
                       </a:r>
                     </a:p>
+                  </a:txBody>
+                  <a:tcPr/>
+                </a:tc>
+                <a:tc>
+                  <a:txBody>
+                    <a:bodyPr/>
+                    <a:lstStyle/>
+                    <a:p>
+                      <a:endParaRPr lang="en-US" dirty="0"/>
+                    </a:p>
+                  </a:txBody>
+                  <a:tcPr anchor="ctr"/>
+                </a:tc>
+                <a:tc>
+                  <a:txBody>
+                    <a:bodyPr/>
+                    <a:lstStyle/>
+                    <a:p>
+                      <a:endParaRPr lang="en-US" dirty="0"/>
+                    </a:p>
+                  </a:txBody>
+                  <a:tcPr/>
+                </a:tc>
+                <a:tc>
+                  <a:txBody>
+                    <a:bodyPr/>
+                    <a:lstStyle/>
+                    <a:p>
+                      <a:endParaRPr lang="en-US" dirty="0"/>
+                    </a:p>
+                  </a:txBody>
+                  <a:tcPr/>
+                </a:tc>
+                <a:tc>
+                  <a:txBody>
+                    <a:bodyPr/>
+                    <a:lstStyle/>
+                    <a:p>
+                      <a:endParaRPr lang="en-US" dirty="0"/>
+                    </a:p>
+                  </a:txBody>
+                  <a:tcPr/>
+                </a:tc>
+                <a:tc>
+                  <a:txBody>
+                    <a:bodyPr/>
+                    <a:lstStyle/>
+                    <a:p>
+                      <a:endParaRPr lang="en-US" dirty="0"/>
+                    </a:p>
+                  </a:txBody>
+                  <a:tcPr/>
+                </a:tc>
+                <a:tc>
+                  <a:txBody>
+                    <a:bodyPr/>
+                    <a:lstStyle/>
+                    <a:p>
+                      <a:endParaRPr lang="en-US" dirty="0"/>
+                    </a:p>
+                  </a:txBody>
+                  <a:tcPr/>
+                </a:tc>
+                <a:tc>
+                  <a:txBody>
+                    <a:bodyPr/>
+                    <a:lstStyle/>
+                    <a:p>
+                      <a:endParaRPr lang="en-US" dirty="0"/>
+                    </a:p>
+                  </a:txBody>
+                  <a:tcPr/>
+                </a:tc>
+                <a:tc>
+                  <a:txBody>
+                    <a:bodyPr/>
+                    <a:lstStyle/>
+                    <a:p>
+                      <a:endParaRPr lang="en-US" dirty="0"/>
+                    </a:p>
+                  </a:txBody>
+                  <a:tcPr/>
+                </a:tc>
+                <a:extLst>
+                  <a:ext uri="{0D108BD9-81ED-4DB2-BD59-A6C34878D82A}">
+                    <a16:rowId xmlns="" xmlns:a16="http://schemas.microsoft.com/office/drawing/2014/main" val="10002"/>
+                  </a:ext>
+                </a:extLst>
+              </a:tr>
+              <a:tr h="365760">
+                <a:tc>
+                  <a:txBody>
+                    <a:bodyPr/>
+                    <a:lstStyle/>
                     <a:p>
                       <a:pPr marL="0" marR="0" indent="0" algn="l" defTabSz="457200" rtl="0" eaLnBrk="1" fontAlgn="auto" latinLnBrk="0" hangingPunct="1">
                         <a:lnSpc>
@@ -7368,120 +7745,16 @@
                         <a:defRPr/>
                       </a:pPr>
                       <a:r>
-                        <a:rPr lang="tr-TR" sz="1200" kern="50" dirty="0" smtClean="0">
-                          <a:latin typeface="Calibri" panose="020F0502020204030204" pitchFamily="34" charset="0"/>
-                          <a:ea typeface="Arial Unicode MS" panose="020B0604020202020204" pitchFamily="34" charset="-128"/>
+                        <a:rPr lang="tr-TR" sz="1200" kern="1200" dirty="0" smtClean="0">
+                          <a:solidFill>
+                            <a:schemeClr val="dk1"/>
+                          </a:solidFill>
+                          <a:latin typeface="+mn-lt"/>
+                          <a:ea typeface="+mn-ea"/>
+                          <a:cs typeface="+mn-cs"/>
                         </a:rPr>
-                        <a:t> </a:t>
+                        <a:t>2.Sistem Analizi</a:t>
                       </a:r>
-                      <a:r>
-                        <a:rPr lang="tr-TR" sz="1200" baseline="0" dirty="0" smtClean="0"/>
-                        <a:t>9.Belgelendirme</a:t>
-                      </a:r>
-                    </a:p>
-                    <a:p>
-                      <a:r>
-                        <a:rPr lang="tr-TR" sz="1200" baseline="0" dirty="0" smtClean="0"/>
-                        <a:t>10.Sonuçlandırma</a:t>
-                      </a:r>
-                      <a:endParaRPr lang="en-US" sz="1200" dirty="0"/>
-                    </a:p>
-                  </a:txBody>
-                  <a:tcPr/>
-                </a:tc>
-                <a:tc>
-                  <a:txBody>
-                    <a:bodyPr/>
-                    <a:lstStyle/>
-                    <a:p>
-                      <a:endParaRPr lang="en-US" dirty="0"/>
-                    </a:p>
-                  </a:txBody>
-                  <a:tcPr/>
-                </a:tc>
-                <a:tc>
-                  <a:txBody>
-                    <a:bodyPr/>
-                    <a:lstStyle/>
-                    <a:p>
-                      <a:endParaRPr lang="en-US" dirty="0"/>
-                    </a:p>
-                  </a:txBody>
-                  <a:tcPr/>
-                </a:tc>
-                <a:tc>
-                  <a:txBody>
-                    <a:bodyPr/>
-                    <a:lstStyle/>
-                    <a:p>
-                      <a:endParaRPr lang="en-US" dirty="0"/>
-                    </a:p>
-                  </a:txBody>
-                  <a:tcPr/>
-                </a:tc>
-                <a:tc>
-                  <a:txBody>
-                    <a:bodyPr/>
-                    <a:lstStyle/>
-                    <a:p>
-                      <a:endParaRPr lang="en-US" dirty="0"/>
-                    </a:p>
-                  </a:txBody>
-                  <a:tcPr/>
-                </a:tc>
-                <a:tc>
-                  <a:txBody>
-                    <a:bodyPr/>
-                    <a:lstStyle/>
-                    <a:p>
-                      <a:endParaRPr lang="en-US" dirty="0"/>
-                    </a:p>
-                  </a:txBody>
-                  <a:tcPr/>
-                </a:tc>
-                <a:tc>
-                  <a:txBody>
-                    <a:bodyPr/>
-                    <a:lstStyle/>
-                    <a:p>
-                      <a:endParaRPr lang="en-US" dirty="0"/>
-                    </a:p>
-                  </a:txBody>
-                  <a:tcPr/>
-                </a:tc>
-                <a:tc>
-                  <a:txBody>
-                    <a:bodyPr/>
-                    <a:lstStyle/>
-                    <a:p>
-                      <a:endParaRPr lang="en-US" dirty="0"/>
-                    </a:p>
-                  </a:txBody>
-                  <a:tcPr/>
-                </a:tc>
-                <a:tc>
-                  <a:txBody>
-                    <a:bodyPr/>
-                    <a:lstStyle/>
-                    <a:p>
-                      <a:endParaRPr lang="en-US" dirty="0"/>
-                    </a:p>
-                  </a:txBody>
-                  <a:tcPr/>
-                </a:tc>
-                <a:extLst>
-                  <a:ext uri="{0D108BD9-81ED-4DB2-BD59-A6C34878D82A}">
-                    <a16:rowId xmlns="" xmlns:a16="http://schemas.microsoft.com/office/drawing/2014/main" val="10002"/>
-                  </a:ext>
-                </a:extLst>
-              </a:tr>
-              <a:tr h="525760">
-                <a:tc vMerge="1">
-                  <a:txBody>
-                    <a:bodyPr/>
-                    <a:lstStyle/>
-                    <a:p>
-                      <a:endParaRPr lang="en-US" dirty="0"/>
                     </a:p>
                   </a:txBody>
                   <a:tcPr/>
@@ -7572,13 +7845,48 @@
                   </a:ext>
                 </a:extLst>
               </a:tr>
-              <a:tr h="525760">
-                <a:tc vMerge="1">
+              <a:tr h="313509">
+                <a:tc>
                   <a:txBody>
                     <a:bodyPr/>
                     <a:lstStyle/>
                     <a:p>
-                      <a:endParaRPr lang="en-US" dirty="0"/>
+                      <a:pPr marL="0" marR="0" indent="0" algn="l" defTabSz="457200" rtl="0" eaLnBrk="1" fontAlgn="auto" latinLnBrk="0" hangingPunct="1">
+                        <a:lnSpc>
+                          <a:spcPct val="100000"/>
+                        </a:lnSpc>
+                        <a:spcBef>
+                          <a:spcPts val="0"/>
+                        </a:spcBef>
+                        <a:spcAft>
+                          <a:spcPts val="0"/>
+                        </a:spcAft>
+                        <a:buClrTx/>
+                        <a:buSzTx/>
+                        <a:buFontTx/>
+                        <a:buNone/>
+                        <a:tabLst/>
+                        <a:defRPr/>
+                      </a:pPr>
+                      <a:r>
+                        <a:rPr lang="tr-TR" sz="1200" kern="1200" dirty="0" smtClean="0">
+                          <a:solidFill>
+                            <a:schemeClr val="dk1"/>
+                          </a:solidFill>
+                          <a:latin typeface="+mn-lt"/>
+                          <a:ea typeface="+mn-ea"/>
+                          <a:cs typeface="+mn-cs"/>
+                        </a:rPr>
+                        <a:t>3.Yazılım proje planlaması</a:t>
+                      </a:r>
+                      <a:endParaRPr lang="en-US" sz="1200" kern="1200" dirty="0">
+                        <a:solidFill>
+                          <a:schemeClr val="dk1"/>
+                        </a:solidFill>
+                        <a:latin typeface="+mn-lt"/>
+                        <a:ea typeface="+mn-ea"/>
+                        <a:cs typeface="+mn-cs"/>
+                      </a:endParaRPr>
                     </a:p>
                   </a:txBody>
                   <a:tcPr/>
@@ -7669,13 +7977,48 @@
                   </a:ext>
                 </a:extLst>
               </a:tr>
-              <a:tr h="525760">
-                <a:tc vMerge="1">
+              <a:tr h="361657">
+                <a:tc>
                   <a:txBody>
                     <a:bodyPr/>
                     <a:lstStyle/>
                     <a:p>
-                      <a:endParaRPr lang="en-US" dirty="0"/>
+                      <a:pPr marL="0" marR="0" indent="0" algn="l" defTabSz="457200" rtl="0" eaLnBrk="1" fontAlgn="auto" latinLnBrk="0" hangingPunct="1">
+                        <a:lnSpc>
+                          <a:spcPct val="100000"/>
+                        </a:lnSpc>
+                        <a:spcBef>
+                          <a:spcPts val="0"/>
+                        </a:spcBef>
+                        <a:spcAft>
+                          <a:spcPts val="0"/>
+                        </a:spcAft>
+                        <a:buClrTx/>
+                        <a:buSzTx/>
+                        <a:buFontTx/>
+                        <a:buNone/>
+                        <a:tabLst/>
+                        <a:defRPr/>
+                      </a:pPr>
+                      <a:r>
+                        <a:rPr lang="tr-TR" sz="1200" kern="1200" dirty="0" smtClean="0">
+                          <a:solidFill>
+                            <a:schemeClr val="dk1"/>
+                          </a:solidFill>
+                          <a:latin typeface="+mn-lt"/>
+                          <a:ea typeface="+mn-ea"/>
+                          <a:cs typeface="+mn-cs"/>
+                        </a:rPr>
+                        <a:t>4.Ön tasarım</a:t>
+                      </a:r>
+                      <a:endParaRPr lang="en-US" sz="1200" kern="1200" dirty="0">
+                        <a:solidFill>
+                          <a:schemeClr val="dk1"/>
+                        </a:solidFill>
+                        <a:latin typeface="+mn-lt"/>
+                        <a:ea typeface="+mn-ea"/>
+                        <a:cs typeface="+mn-cs"/>
+                      </a:endParaRPr>
                     </a:p>
                   </a:txBody>
                   <a:tcPr/>
@@ -7766,13 +8109,48 @@
                   </a:ext>
                 </a:extLst>
               </a:tr>
-              <a:tr h="525760">
-                <a:tc vMerge="1">
+              <a:tr h="261257">
+                <a:tc>
                   <a:txBody>
                     <a:bodyPr/>
                     <a:lstStyle/>
                     <a:p>
-                      <a:endParaRPr lang="en-US" dirty="0"/>
+                      <a:pPr marL="0" marR="0" indent="0" algn="l" defTabSz="457200" rtl="0" eaLnBrk="1" fontAlgn="auto" latinLnBrk="0" hangingPunct="1">
+                        <a:lnSpc>
+                          <a:spcPct val="100000"/>
+                        </a:lnSpc>
+                        <a:spcBef>
+                          <a:spcPts val="0"/>
+                        </a:spcBef>
+                        <a:spcAft>
+                          <a:spcPts val="0"/>
+                        </a:spcAft>
+                        <a:buClrTx/>
+                        <a:buSzTx/>
+                        <a:buFontTx/>
+                        <a:buNone/>
+                        <a:tabLst/>
+                        <a:defRPr/>
+                      </a:pPr>
+                      <a:r>
+                        <a:rPr lang="tr-TR" sz="1200" kern="1200" dirty="0" smtClean="0">
+                          <a:solidFill>
+                            <a:schemeClr val="dk1"/>
+                          </a:solidFill>
+                          <a:latin typeface="+mn-lt"/>
+                          <a:ea typeface="+mn-ea"/>
+                          <a:cs typeface="+mn-cs"/>
+                        </a:rPr>
+                        <a:t>5.Ayrıntılı tasarım</a:t>
+                      </a:r>
+                      <a:endParaRPr lang="en-US" sz="1200" kern="1200" dirty="0">
+                        <a:solidFill>
+                          <a:schemeClr val="dk1"/>
+                        </a:solidFill>
+                        <a:latin typeface="+mn-lt"/>
+                        <a:ea typeface="+mn-ea"/>
+                        <a:cs typeface="+mn-cs"/>
+                      </a:endParaRPr>
                     </a:p>
                   </a:txBody>
                   <a:tcPr/>
@@ -7863,13 +8241,48 @@
                   </a:ext>
                 </a:extLst>
               </a:tr>
-              <a:tr h="525760">
-                <a:tc vMerge="1">
+              <a:tr h="261257">
+                <a:tc>
                   <a:txBody>
                     <a:bodyPr/>
                     <a:lstStyle/>
                     <a:p>
-                      <a:endParaRPr lang="en-US" dirty="0"/>
+                      <a:pPr marL="0" marR="0" indent="0" algn="l" defTabSz="457200" rtl="0" eaLnBrk="1" fontAlgn="auto" latinLnBrk="0" hangingPunct="1">
+                        <a:lnSpc>
+                          <a:spcPct val="100000"/>
+                        </a:lnSpc>
+                        <a:spcBef>
+                          <a:spcPts val="0"/>
+                        </a:spcBef>
+                        <a:spcAft>
+                          <a:spcPts val="0"/>
+                        </a:spcAft>
+                        <a:buClrTx/>
+                        <a:buSzTx/>
+                        <a:buFontTx/>
+                        <a:buNone/>
+                        <a:tabLst/>
+                        <a:defRPr/>
+                      </a:pPr>
+                      <a:r>
+                        <a:rPr lang="tr-TR" sz="1200" kern="1200" dirty="0" smtClean="0">
+                          <a:solidFill>
+                            <a:schemeClr val="dk1"/>
+                          </a:solidFill>
+                          <a:latin typeface="+mn-lt"/>
+                          <a:ea typeface="+mn-ea"/>
+                          <a:cs typeface="+mn-cs"/>
+                        </a:rPr>
+                        <a:t>6.Tasarımın Denetimi</a:t>
+                      </a:r>
+                      <a:endParaRPr lang="tr-TR" sz="1200" kern="1200" dirty="0">
+                        <a:solidFill>
+                          <a:schemeClr val="dk1"/>
+                        </a:solidFill>
+                        <a:latin typeface="+mn-lt"/>
+                        <a:ea typeface="+mn-ea"/>
+                        <a:cs typeface="+mn-cs"/>
+                      </a:endParaRPr>
                     </a:p>
                   </a:txBody>
                   <a:tcPr/>
@@ -7954,11 +8367,514 @@
                   </a:txBody>
                   <a:tcPr/>
                 </a:tc>
-                <a:extLst>
-                  <a:ext uri="{0D108BD9-81ED-4DB2-BD59-A6C34878D82A}">
-                    <a16:rowId xmlns="" xmlns:a16="http://schemas.microsoft.com/office/drawing/2014/main" val="10007"/>
-                  </a:ext>
-                </a:extLst>
+              </a:tr>
+              <a:tr h="320250">
+                <a:tc>
+                  <a:txBody>
+                    <a:bodyPr/>
+                    <a:lstStyle/>
+                    <a:p>
+                      <a:pPr marL="0" marR="0" indent="0" algn="l" defTabSz="457200" rtl="0" eaLnBrk="1" fontAlgn="auto" latinLnBrk="0" hangingPunct="1">
+                        <a:lnSpc>
+                          <a:spcPct val="100000"/>
+                        </a:lnSpc>
+                        <a:spcBef>
+                          <a:spcPts val="0"/>
+                        </a:spcBef>
+                        <a:spcAft>
+                          <a:spcPts val="0"/>
+                        </a:spcAft>
+                        <a:buClrTx/>
+                        <a:buSzTx/>
+                        <a:buFontTx/>
+                        <a:buNone/>
+                        <a:tabLst/>
+                        <a:defRPr/>
+                      </a:pPr>
+                      <a:r>
+                        <a:rPr lang="tr-TR" sz="1200" kern="1200" dirty="0" smtClean="0">
+                          <a:solidFill>
+                            <a:schemeClr val="dk1"/>
+                          </a:solidFill>
+                          <a:latin typeface="+mn-lt"/>
+                          <a:ea typeface="+mn-ea"/>
+                          <a:cs typeface="+mn-cs"/>
+                        </a:rPr>
+                        <a:t>7.Kodlama</a:t>
+                      </a:r>
+                      <a:endParaRPr lang="tr-TR" sz="1200" kern="1200" dirty="0">
+                        <a:solidFill>
+                          <a:schemeClr val="dk1"/>
+                        </a:solidFill>
+                        <a:latin typeface="+mn-lt"/>
+                        <a:ea typeface="+mn-ea"/>
+                        <a:cs typeface="+mn-cs"/>
+                      </a:endParaRPr>
+                    </a:p>
+                  </a:txBody>
+                  <a:tcPr/>
+                </a:tc>
+                <a:tc>
+                  <a:txBody>
+                    <a:bodyPr/>
+                    <a:lstStyle/>
+                    <a:p>
+                      <a:endParaRPr lang="en-US" dirty="0"/>
+                    </a:p>
+                  </a:txBody>
+                  <a:tcPr/>
+                </a:tc>
+                <a:tc>
+                  <a:txBody>
+                    <a:bodyPr/>
+                    <a:lstStyle/>
+                    <a:p>
+                      <a:endParaRPr lang="en-US" dirty="0"/>
+                    </a:p>
+                  </a:txBody>
+                  <a:tcPr/>
+                </a:tc>
+                <a:tc>
+                  <a:txBody>
+                    <a:bodyPr/>
+                    <a:lstStyle/>
+                    <a:p>
+                      <a:endParaRPr lang="en-US" dirty="0"/>
+                    </a:p>
+                  </a:txBody>
+                  <a:tcPr/>
+                </a:tc>
+                <a:tc>
+                  <a:txBody>
+                    <a:bodyPr/>
+                    <a:lstStyle/>
+                    <a:p>
+                      <a:endParaRPr lang="en-US" dirty="0"/>
+                    </a:p>
+                  </a:txBody>
+                  <a:tcPr/>
+                </a:tc>
+                <a:tc>
+                  <a:txBody>
+                    <a:bodyPr/>
+                    <a:lstStyle/>
+                    <a:p>
+                      <a:endParaRPr lang="en-US" dirty="0"/>
+                    </a:p>
+                  </a:txBody>
+                  <a:tcPr/>
+                </a:tc>
+                <a:tc>
+                  <a:txBody>
+                    <a:bodyPr/>
+                    <a:lstStyle/>
+                    <a:p>
+                      <a:endParaRPr lang="en-US" dirty="0"/>
+                    </a:p>
+                  </a:txBody>
+                  <a:tcPr/>
+                </a:tc>
+                <a:tc>
+                  <a:txBody>
+                    <a:bodyPr/>
+                    <a:lstStyle/>
+                    <a:p>
+                      <a:endParaRPr lang="en-US" dirty="0"/>
+                    </a:p>
+                  </a:txBody>
+                  <a:tcPr/>
+                </a:tc>
+                <a:tc>
+                  <a:txBody>
+                    <a:bodyPr/>
+                    <a:lstStyle/>
+                    <a:p>
+                      <a:endParaRPr lang="en-US" dirty="0"/>
+                    </a:p>
+                  </a:txBody>
+                  <a:tcPr/>
+                </a:tc>
+              </a:tr>
+              <a:tr h="313509">
+                <a:tc>
+                  <a:txBody>
+                    <a:bodyPr/>
+                    <a:lstStyle/>
+                    <a:p>
+                      <a:pPr marL="0" marR="0" indent="0" algn="l" defTabSz="457200" rtl="0" eaLnBrk="1" fontAlgn="auto" latinLnBrk="0" hangingPunct="1">
+                        <a:lnSpc>
+                          <a:spcPct val="100000"/>
+                        </a:lnSpc>
+                        <a:spcBef>
+                          <a:spcPts val="0"/>
+                        </a:spcBef>
+                        <a:spcAft>
+                          <a:spcPts val="0"/>
+                        </a:spcAft>
+                        <a:buClrTx/>
+                        <a:buSzTx/>
+                        <a:buFontTx/>
+                        <a:buNone/>
+                        <a:tabLst/>
+                        <a:defRPr/>
+                      </a:pPr>
+                      <a:r>
+                        <a:rPr lang="tr-TR" sz="1200" kern="1200" dirty="0" smtClean="0">
+                          <a:solidFill>
+                            <a:schemeClr val="dk1"/>
+                          </a:solidFill>
+                          <a:latin typeface="+mn-lt"/>
+                          <a:ea typeface="+mn-ea"/>
+                          <a:cs typeface="+mn-cs"/>
+                        </a:rPr>
+                        <a:t>8.Test aşaması</a:t>
+                      </a:r>
+                      <a:endParaRPr lang="tr-TR" sz="1200" kern="1200" dirty="0">
+                        <a:solidFill>
+                          <a:schemeClr val="dk1"/>
+                        </a:solidFill>
+                        <a:latin typeface="+mn-lt"/>
+                        <a:ea typeface="+mn-ea"/>
+                        <a:cs typeface="+mn-cs"/>
+                      </a:endParaRPr>
+                    </a:p>
+                  </a:txBody>
+                  <a:tcPr/>
+                </a:tc>
+                <a:tc>
+                  <a:txBody>
+                    <a:bodyPr/>
+                    <a:lstStyle/>
+                    <a:p>
+                      <a:endParaRPr lang="en-US" dirty="0"/>
+                    </a:p>
+                  </a:txBody>
+                  <a:tcPr/>
+                </a:tc>
+                <a:tc>
+                  <a:txBody>
+                    <a:bodyPr/>
+                    <a:lstStyle/>
+                    <a:p>
+                      <a:endParaRPr lang="en-US" dirty="0"/>
+                    </a:p>
+                  </a:txBody>
+                  <a:tcPr/>
+                </a:tc>
+                <a:tc>
+                  <a:txBody>
+                    <a:bodyPr/>
+                    <a:lstStyle/>
+                    <a:p>
+                      <a:endParaRPr lang="en-US" dirty="0"/>
+                    </a:p>
+                  </a:txBody>
+                  <a:tcPr/>
+                </a:tc>
+                <a:tc>
+                  <a:txBody>
+                    <a:bodyPr/>
+                    <a:lstStyle/>
+                    <a:p>
+                      <a:endParaRPr lang="en-US" dirty="0"/>
+                    </a:p>
+                  </a:txBody>
+                  <a:tcPr/>
+                </a:tc>
+                <a:tc>
+                  <a:txBody>
+                    <a:bodyPr/>
+                    <a:lstStyle/>
+                    <a:p>
+                      <a:endParaRPr lang="en-US" dirty="0"/>
+                    </a:p>
+                  </a:txBody>
+                  <a:tcPr/>
+                </a:tc>
+                <a:tc>
+                  <a:txBody>
+                    <a:bodyPr/>
+                    <a:lstStyle/>
+                    <a:p>
+                      <a:endParaRPr lang="en-US" dirty="0"/>
+                    </a:p>
+                  </a:txBody>
+                  <a:tcPr/>
+                </a:tc>
+                <a:tc>
+                  <a:txBody>
+                    <a:bodyPr/>
+                    <a:lstStyle/>
+                    <a:p>
+                      <a:endParaRPr lang="en-US" dirty="0"/>
+                    </a:p>
+                  </a:txBody>
+                  <a:tcPr/>
+                </a:tc>
+                <a:tc>
+                  <a:txBody>
+                    <a:bodyPr/>
+                    <a:lstStyle/>
+                    <a:p>
+                      <a:endParaRPr lang="en-US" dirty="0"/>
+                    </a:p>
+                  </a:txBody>
+                  <a:tcPr/>
+                </a:tc>
+              </a:tr>
+              <a:tr h="365760">
+                <a:tc>
+                  <a:txBody>
+                    <a:bodyPr/>
+                    <a:lstStyle/>
+                    <a:p>
+                      <a:pPr marL="0" marR="0" indent="0" algn="l" defTabSz="457200" rtl="0" eaLnBrk="1" fontAlgn="auto" latinLnBrk="0" hangingPunct="1">
+                        <a:lnSpc>
+                          <a:spcPct val="100000"/>
+                        </a:lnSpc>
+                        <a:spcBef>
+                          <a:spcPts val="0"/>
+                        </a:spcBef>
+                        <a:spcAft>
+                          <a:spcPts val="0"/>
+                        </a:spcAft>
+                        <a:buClrTx/>
+                        <a:buSzTx/>
+                        <a:buFontTx/>
+                        <a:buNone/>
+                        <a:tabLst/>
+                        <a:defRPr/>
+                      </a:pPr>
+                      <a:r>
+                        <a:rPr lang="tr-TR" sz="1200" kern="1200" dirty="0" smtClean="0">
+                          <a:solidFill>
+                            <a:schemeClr val="dk1"/>
+                          </a:solidFill>
+                          <a:latin typeface="+mn-lt"/>
+                          <a:ea typeface="+mn-ea"/>
+                          <a:cs typeface="+mn-cs"/>
+                        </a:rPr>
+                        <a:t> 9.Belgelendirme</a:t>
+                      </a:r>
+                      <a:endParaRPr lang="tr-TR" sz="1200" kern="1200" dirty="0">
+                        <a:solidFill>
+                          <a:schemeClr val="dk1"/>
+                        </a:solidFill>
+                        <a:latin typeface="+mn-lt"/>
+                        <a:ea typeface="+mn-ea"/>
+                        <a:cs typeface="+mn-cs"/>
+                      </a:endParaRPr>
+                    </a:p>
+                  </a:txBody>
+                  <a:tcPr/>
+                </a:tc>
+                <a:tc>
+                  <a:txBody>
+                    <a:bodyPr/>
+                    <a:lstStyle/>
+                    <a:p>
+                      <a:endParaRPr lang="en-US" dirty="0"/>
+                    </a:p>
+                  </a:txBody>
+                  <a:tcPr/>
+                </a:tc>
+                <a:tc>
+                  <a:txBody>
+                    <a:bodyPr/>
+                    <a:lstStyle/>
+                    <a:p>
+                      <a:endParaRPr lang="en-US" dirty="0"/>
+                    </a:p>
+                  </a:txBody>
+                  <a:tcPr/>
+                </a:tc>
+                <a:tc>
+                  <a:txBody>
+                    <a:bodyPr/>
+                    <a:lstStyle/>
+                    <a:p>
+                      <a:endParaRPr lang="en-US" dirty="0"/>
+                    </a:p>
+                  </a:txBody>
+                  <a:tcPr/>
+                </a:tc>
+                <a:tc>
+                  <a:txBody>
+                    <a:bodyPr/>
+                    <a:lstStyle/>
+                    <a:p>
+                      <a:endParaRPr lang="en-US" dirty="0"/>
+                    </a:p>
+                  </a:txBody>
+                  <a:tcPr/>
+                </a:tc>
+                <a:tc>
+                  <a:txBody>
+                    <a:bodyPr/>
+                    <a:lstStyle/>
+                    <a:p>
+                      <a:endParaRPr lang="en-US" dirty="0"/>
+                    </a:p>
+                  </a:txBody>
+                  <a:tcPr/>
+                </a:tc>
+                <a:tc>
+                  <a:txBody>
+                    <a:bodyPr/>
+                    <a:lstStyle/>
+                    <a:p>
+                      <a:endParaRPr lang="en-US" dirty="0"/>
+                    </a:p>
+                  </a:txBody>
+                  <a:tcPr/>
+                </a:tc>
+                <a:tc>
+                  <a:txBody>
+                    <a:bodyPr/>
+                    <a:lstStyle/>
+                    <a:p>
+                      <a:endParaRPr lang="en-US" dirty="0"/>
+                    </a:p>
+                  </a:txBody>
+                  <a:tcPr/>
+                </a:tc>
+                <a:tc>
+                  <a:txBody>
+                    <a:bodyPr/>
+                    <a:lstStyle/>
+                    <a:p>
+                      <a:endParaRPr lang="en-US" dirty="0"/>
+                    </a:p>
+                  </a:txBody>
+                  <a:tcPr/>
+                </a:tc>
+              </a:tr>
+              <a:tr h="320250">
+                <a:tc>
+                  <a:txBody>
+                    <a:bodyPr/>
+                    <a:lstStyle/>
+                    <a:p>
+                      <a:pPr marL="0" marR="0" indent="0" algn="l" defTabSz="457200" rtl="0" eaLnBrk="1" fontAlgn="auto" latinLnBrk="0" hangingPunct="1">
+                        <a:lnSpc>
+                          <a:spcPct val="100000"/>
+                        </a:lnSpc>
+                        <a:spcBef>
+                          <a:spcPts val="0"/>
+                        </a:spcBef>
+                        <a:spcAft>
+                          <a:spcPts val="0"/>
+                        </a:spcAft>
+                        <a:buClrTx/>
+                        <a:buSzTx/>
+                        <a:buFontTx/>
+                        <a:buNone/>
+                        <a:tabLst/>
+                        <a:defRPr/>
+                      </a:pPr>
+                      <a:r>
+                        <a:rPr lang="tr-TR" sz="1200" kern="1200" dirty="0" smtClean="0">
+                          <a:solidFill>
+                            <a:schemeClr val="dk1"/>
+                          </a:solidFill>
+                          <a:latin typeface="+mn-lt"/>
+                          <a:ea typeface="+mn-ea"/>
+                          <a:cs typeface="+mn-cs"/>
+                        </a:rPr>
+                        <a:t>10.Sonuçlandırma</a:t>
+                      </a:r>
+                      <a:endParaRPr lang="en-US" sz="1200" kern="1200" dirty="0">
+                        <a:solidFill>
+                          <a:schemeClr val="dk1"/>
+                        </a:solidFill>
+                        <a:latin typeface="+mn-lt"/>
+                        <a:ea typeface="+mn-ea"/>
+                        <a:cs typeface="+mn-cs"/>
+                      </a:endParaRPr>
+                    </a:p>
+                  </a:txBody>
+                  <a:tcPr/>
+                </a:tc>
+                <a:tc>
+                  <a:txBody>
+                    <a:bodyPr/>
+                    <a:lstStyle/>
+                    <a:p>
+                      <a:endParaRPr lang="en-US" dirty="0"/>
+                    </a:p>
+                  </a:txBody>
+                  <a:tcPr/>
+                </a:tc>
+                <a:tc>
+                  <a:txBody>
+                    <a:bodyPr/>
+                    <a:lstStyle/>
+                    <a:p>
+                      <a:endParaRPr lang="en-US" dirty="0"/>
+                    </a:p>
+                  </a:txBody>
+                  <a:tcPr/>
+                </a:tc>
+                <a:tc>
+                  <a:txBody>
+                    <a:bodyPr/>
+                    <a:lstStyle/>
+                    <a:p>
+                      <a:endParaRPr lang="en-US" dirty="0"/>
+                    </a:p>
+                  </a:txBody>
+                  <a:tcPr/>
+                </a:tc>
+                <a:tc>
+                  <a:txBody>
+                    <a:bodyPr/>
+                    <a:lstStyle/>
+                    <a:p>
+                      <a:endParaRPr lang="en-US" dirty="0"/>
+                    </a:p>
+                  </a:txBody>
+                  <a:tcPr/>
+                </a:tc>
+                <a:tc>
+                  <a:txBody>
+                    <a:bodyPr/>
+                    <a:lstStyle/>
+                    <a:p>
+                      <a:endParaRPr lang="en-US" dirty="0"/>
+                    </a:p>
+                  </a:txBody>
+                  <a:tcPr/>
+                </a:tc>
+                <a:tc>
+                  <a:txBody>
+                    <a:bodyPr/>
+                    <a:lstStyle/>
+                    <a:p>
+                      <a:endParaRPr lang="en-US" dirty="0"/>
+                    </a:p>
+                  </a:txBody>
+                  <a:tcPr/>
+                </a:tc>
+                <a:tc>
+                  <a:txBody>
+                    <a:bodyPr/>
+                    <a:lstStyle/>
+                    <a:p>
+                      <a:endParaRPr lang="en-US" dirty="0"/>
+                    </a:p>
+                  </a:txBody>
+                  <a:tcPr/>
+                </a:tc>
+                <a:tc>
+                  <a:txBody>
+                    <a:bodyPr/>
+                    <a:lstStyle/>
+                    <a:p>
+                      <a:endParaRPr lang="en-US" dirty="0"/>
+                    </a:p>
+                  </a:txBody>
+                  <a:tcPr/>
+                </a:tc>
               </a:tr>
             </a:tbl>
           </a:graphicData>
@@ -7972,8 +8888,8 @@
         </p:nvCxnSpPr>
         <p:spPr>
           <a:xfrm flipV="1">
-            <a:off x="3271234" y="2331075"/>
-            <a:ext cx="746975" cy="1"/>
+            <a:off x="3622741" y="2717686"/>
+            <a:ext cx="746975" cy="2"/>
           </a:xfrm>
           <a:prstGeom prst="straightConnector1">
             <a:avLst/>
@@ -8006,8 +8922,8 @@
         </p:nvCxnSpPr>
         <p:spPr>
           <a:xfrm>
-            <a:off x="9255770" y="4043966"/>
-            <a:ext cx="682580" cy="0"/>
+            <a:off x="9025618" y="5957830"/>
+            <a:ext cx="1167954" cy="0"/>
           </a:xfrm>
           <a:prstGeom prst="straightConnector1">
             <a:avLst/>
@@ -8040,7 +8956,7 @@
         </p:nvCxnSpPr>
         <p:spPr>
           <a:xfrm>
-            <a:off x="5628067" y="2910625"/>
+            <a:off x="5628067" y="3849459"/>
             <a:ext cx="579550" cy="0"/>
           </a:xfrm>
           <a:prstGeom prst="straightConnector1">
@@ -8074,8 +8990,8 @@
         </p:nvCxnSpPr>
         <p:spPr>
           <a:xfrm>
-            <a:off x="4114643" y="2485622"/>
-            <a:ext cx="682580" cy="0"/>
+            <a:off x="4369716" y="3078051"/>
+            <a:ext cx="1003835" cy="0"/>
           </a:xfrm>
           <a:prstGeom prst="straightConnector1">
             <a:avLst/>
@@ -8108,7 +9024,7 @@
         </p:nvCxnSpPr>
         <p:spPr>
           <a:xfrm>
-            <a:off x="5917842" y="3078051"/>
+            <a:off x="5894499" y="4215158"/>
             <a:ext cx="1275008" cy="0"/>
           </a:xfrm>
           <a:prstGeom prst="straightConnector1">
@@ -8142,7 +9058,7 @@
         </p:nvCxnSpPr>
         <p:spPr>
           <a:xfrm>
-            <a:off x="4913290" y="2665927"/>
+            <a:off x="4916813" y="3450931"/>
             <a:ext cx="566670" cy="0"/>
           </a:xfrm>
           <a:prstGeom prst="straightConnector1">
@@ -8176,7 +9092,7 @@
         </p:nvCxnSpPr>
         <p:spPr>
           <a:xfrm>
-            <a:off x="6886172" y="3330800"/>
+            <a:off x="6928835" y="4547125"/>
             <a:ext cx="566670" cy="0"/>
           </a:xfrm>
           <a:prstGeom prst="straightConnector1">
@@ -8210,7 +9126,7 @@
         </p:nvCxnSpPr>
         <p:spPr>
           <a:xfrm>
-            <a:off x="7495505" y="3528812"/>
+            <a:off x="7377985" y="4917665"/>
             <a:ext cx="708338" cy="0"/>
           </a:xfrm>
           <a:prstGeom prst="straightConnector1">
@@ -8244,7 +9160,7 @@
         </p:nvCxnSpPr>
         <p:spPr>
           <a:xfrm flipV="1">
-            <a:off x="7972023" y="3654321"/>
+            <a:off x="7956958" y="5267460"/>
             <a:ext cx="502276" cy="3278"/>
           </a:xfrm>
           <a:prstGeom prst="straightConnector1">
@@ -8324,7 +9240,7 @@
         </p:nvCxnSpPr>
         <p:spPr>
           <a:xfrm>
-            <a:off x="8086323" y="3849459"/>
+            <a:off x="8086323" y="5678259"/>
             <a:ext cx="1004552" cy="12879"/>
           </a:xfrm>
           <a:prstGeom prst="straightConnector1">
@@ -8353,7 +9269,7 @@
     </p:spTree>
     <p:extLst>
       <p:ext uri="{BB962C8B-B14F-4D97-AF65-F5344CB8AC3E}">
-        <p14:creationId xmlns:p14="http://schemas.microsoft.com/office/powerpoint/2010/main" val="3847398733"/>
+        <p14:creationId xmlns:p14="http://schemas.microsoft.com/office/powerpoint/2010/main" val="3771054001"/>
       </p:ext>
     </p:extLst>
   </p:cSld>
@@ -8623,6 +9539,13 @@
   <p:clrMapOvr>
     <a:masterClrMapping/>
   </p:clrMapOvr>
+  <p:timing>
+    <p:tnLst>
+      <p:par>
+        <p:cTn id="1" dur="indefinite" restart="never" nodeType="tmRoot"/>
+      </p:par>
+    </p:tnLst>
+  </p:timing>
 </p:sld>
 </file>
 
@@ -8855,14 +9778,14 @@
           <p:nvPr>
             <p:extLst>
               <p:ext uri="{D42A27DB-BD31-4B8C-83A1-F6EECF244321}">
-                <p14:modId xmlns:p14="http://schemas.microsoft.com/office/powerpoint/2010/main" val="903022259"/>
+                <p14:modId xmlns:p14="http://schemas.microsoft.com/office/powerpoint/2010/main" val="1556491316"/>
               </p:ext>
             </p:extLst>
           </p:nvPr>
         </p:nvGraphicFramePr>
         <p:xfrm>
-          <a:off x="610742" y="282759"/>
-          <a:ext cx="8036371" cy="6098836"/>
+          <a:off x="1183236" y="362272"/>
+          <a:ext cx="8036371" cy="6225787"/>
         </p:xfrm>
         <a:graphic>
           <a:graphicData uri="http://schemas.openxmlformats.org/drawingml/2006/table">
@@ -8907,7 +9830,7 @@
                   </a:extLst>
                 </a:gridCol>
               </a:tblGrid>
-              <a:tr h="357376">
+              <a:tr h="407354">
                 <a:tc>
                   <a:txBody>
                     <a:bodyPr/>
@@ -8946,14 +9869,52 @@
                       <a:r>
                         <a:rPr lang="tr-TR" sz="1200" kern="50" dirty="0" smtClean="0">
                           <a:effectLst/>
-                          <a:latin typeface="+mn-lt"/>
+                          <a:latin typeface="Century Gothic (Gövde)"/>
                           <a:ea typeface="+mn-ea"/>
                         </a:rPr>
                         <a:t>Ağırlık</a:t>
                       </a:r>
                       <a:endParaRPr lang="en-US" sz="1200" kern="50" dirty="0">
                         <a:effectLst/>
-                        <a:latin typeface="Times New Roman" panose="02020603050405020304" pitchFamily="18" charset="0"/>
+                        <a:latin typeface="Century Gothic (Gövde)"/>
+                        <a:ea typeface="Arial Unicode MS" panose="020B0604020202020204" pitchFamily="34" charset="-128"/>
+                      </a:endParaRPr>
+                    </a:p>
+                  </a:txBody>
+                  <a:tcPr marL="68580" marR="68580" marT="0" marB="0" anchor="ctr"/>
+                </a:tc>
+                <a:tc>
+                  <a:txBody>
+                    <a:bodyPr/>
+                    <a:lstStyle/>
+                    <a:p>
+                      <a:pPr marL="0" marR="0" algn="l">
+                        <a:spcBef>
+                          <a:spcPts val="0"/>
+                        </a:spcBef>
+                        <a:spcAft>
+                          <a:spcPts val="0"/>
+                        </a:spcAft>
+                      </a:pPr>
+                      <a:r>
+                        <a:rPr lang="tr-TR" sz="1200" kern="50" dirty="0" smtClean="0">
+                          <a:effectLst/>
+                          <a:latin typeface="Century Gothic (Gövde)"/>
+                          <a:ea typeface="+mn-ea"/>
+                        </a:rPr>
+                        <a:t>Önerilen</a:t>
+                      </a:r>
+                      <a:r>
+                        <a:rPr lang="tr-TR" sz="1200" kern="50" baseline="0" dirty="0" smtClean="0">
+                          <a:effectLst/>
+                          <a:latin typeface="Century Gothic (Gövde)"/>
+                          <a:ea typeface="+mn-ea"/>
+                        </a:rPr>
+                        <a:t>   Sistem1</a:t>
+                      </a:r>
+                      <a:endParaRPr lang="en-US" sz="1200" kern="50" dirty="0">
+                        <a:effectLst/>
+                        <a:latin typeface="Century Gothic (Gövde)"/>
                         <a:ea typeface="Arial Unicode MS" panose="020B0604020202020204" pitchFamily="34" charset="-128"/>
                       </a:endParaRPr>
                     </a:p>
@@ -8976,7 +9937,7 @@
                       <a:r>
                         <a:rPr lang="tr-TR" sz="1200" kern="50" dirty="0" smtClean="0">
                           <a:effectLst/>
-                          <a:latin typeface="+mn-lt"/>
+                          <a:latin typeface="Century Gothic (Gövde)"/>
                           <a:ea typeface="+mn-ea"/>
                         </a:rPr>
                         <a:t>Önerilen</a:t>
@@ -8984,14 +9945,14 @@
                       <a:r>
                         <a:rPr lang="tr-TR" sz="1200" kern="50" baseline="0" dirty="0" smtClean="0">
                           <a:effectLst/>
-                          <a:latin typeface="+mn-lt"/>
+                          <a:latin typeface="Century Gothic (Gövde)"/>
                           <a:ea typeface="+mn-ea"/>
                         </a:rPr>
-                        <a:t>   Sistem1</a:t>
+                        <a:t> Sistem2</a:t>
                       </a:r>
                       <a:endParaRPr lang="en-US" sz="1200" kern="50" dirty="0">
                         <a:effectLst/>
-                        <a:latin typeface="Times New Roman" panose="02020603050405020304" pitchFamily="18" charset="0"/>
+                        <a:latin typeface="Century Gothic (Gövde)"/>
                         <a:ea typeface="Arial Unicode MS" panose="020B0604020202020204" pitchFamily="34" charset="-128"/>
                       </a:endParaRPr>
                     </a:p>
@@ -9014,60 +9975,22 @@
                       <a:r>
                         <a:rPr lang="tr-TR" sz="1200" kern="50" dirty="0" smtClean="0">
                           <a:effectLst/>
-                          <a:latin typeface="+mn-lt"/>
-                          <a:ea typeface="+mn-ea"/>
+                          <a:latin typeface="Century Gothic (Gövde)"/>
+                          <a:ea typeface="Arial Unicode MS" panose="020B0604020202020204" pitchFamily="34" charset="-128"/>
                         </a:rPr>
                         <a:t>Önerilen</a:t>
                       </a:r>
                       <a:r>
                         <a:rPr lang="tr-TR" sz="1200" kern="50" baseline="0" dirty="0" smtClean="0">
                           <a:effectLst/>
-                          <a:latin typeface="+mn-lt"/>
-                          <a:ea typeface="+mn-ea"/>
-                        </a:rPr>
-                        <a:t> Sistem2</a:t>
-                      </a:r>
-                      <a:endParaRPr lang="en-US" sz="1200" kern="50" dirty="0">
-                        <a:effectLst/>
-                        <a:latin typeface="Times New Roman" panose="02020603050405020304" pitchFamily="18" charset="0"/>
-                        <a:ea typeface="Arial Unicode MS" panose="020B0604020202020204" pitchFamily="34" charset="-128"/>
-                      </a:endParaRPr>
-                    </a:p>
-                  </a:txBody>
-                  <a:tcPr marL="68580" marR="68580" marT="0" marB="0"/>
-                </a:tc>
-                <a:tc>
-                  <a:txBody>
-                    <a:bodyPr/>
-                    <a:lstStyle/>
-                    <a:p>
-                      <a:pPr marL="0" marR="0" algn="l">
-                        <a:spcBef>
-                          <a:spcPts val="0"/>
-                        </a:spcBef>
-                        <a:spcAft>
-                          <a:spcPts val="0"/>
-                        </a:spcAft>
-                      </a:pPr>
-                      <a:r>
-                        <a:rPr lang="tr-TR" sz="1400" kern="50" dirty="0" smtClean="0">
-                          <a:effectLst/>
-                          <a:latin typeface="Times New Roman" panose="02020603050405020304" pitchFamily="18" charset="0"/>
-                          <a:ea typeface="Arial Unicode MS" panose="020B0604020202020204" pitchFamily="34" charset="-128"/>
-                        </a:rPr>
-                        <a:t>Önerilen</a:t>
-                      </a:r>
-                      <a:r>
-                        <a:rPr lang="tr-TR" sz="1400" kern="50" baseline="0" dirty="0" smtClean="0">
-                          <a:effectLst/>
-                          <a:latin typeface="Times New Roman" panose="02020603050405020304" pitchFamily="18" charset="0"/>
+                          <a:latin typeface="Century Gothic (Gövde)"/>
                           <a:ea typeface="Arial Unicode MS" panose="020B0604020202020204" pitchFamily="34" charset="-128"/>
                         </a:rPr>
                         <a:t> Sistem 3</a:t>
                       </a:r>
-                      <a:endParaRPr lang="en-US" sz="1400" kern="50" dirty="0">
+                      <a:endParaRPr lang="en-US" sz="1200" kern="50" dirty="0">
                         <a:effectLst/>
-                        <a:latin typeface="Times New Roman" panose="02020603050405020304" pitchFamily="18" charset="0"/>
+                        <a:latin typeface="Century Gothic (Gövde)"/>
                         <a:ea typeface="Arial Unicode MS" panose="020B0604020202020204" pitchFamily="34" charset="-128"/>
                       </a:endParaRPr>
                     </a:p>
@@ -9080,7 +10003,7 @@
                   </a:ext>
                 </a:extLst>
               </a:tr>
-              <a:tr h="1787958">
+              <a:tr h="1447457">
                 <a:tc>
                   <a:txBody>
                     <a:bodyPr/>
@@ -9151,6 +10074,7 @@
                         <a:effectLst/>
                         <a:latin typeface="Times New Roman" panose="02020603050405020304" pitchFamily="18" charset="0"/>
                         <a:ea typeface="Arial Unicode MS" panose="020B0604020202020204" pitchFamily="34" charset="-128"/>
+                        <a:cs typeface="Times New Roman" pitchFamily="18" charset="0"/>
                       </a:endParaRPr>
                     </a:p>
                     <a:p>
@@ -9166,6 +10090,7 @@
                         <a:effectLst/>
                         <a:latin typeface="Times New Roman" panose="02020603050405020304" pitchFamily="18" charset="0"/>
                         <a:ea typeface="Arial Unicode MS" panose="020B0604020202020204" pitchFamily="34" charset="-128"/>
+                        <a:cs typeface="Times New Roman" pitchFamily="18" charset="0"/>
                       </a:endParaRPr>
                     </a:p>
                     <a:p>
@@ -9181,6 +10106,7 @@
                         <a:effectLst/>
                         <a:latin typeface="Times New Roman" panose="02020603050405020304" pitchFamily="18" charset="0"/>
                         <a:ea typeface="Arial Unicode MS" panose="020B0604020202020204" pitchFamily="34" charset="-128"/>
+                        <a:cs typeface="Times New Roman" pitchFamily="18" charset="0"/>
                       </a:endParaRPr>
                     </a:p>
                     <a:p>
@@ -9196,6 +10122,7 @@
                         <a:effectLst/>
                         <a:latin typeface="Times New Roman" panose="02020603050405020304" pitchFamily="18" charset="0"/>
                         <a:ea typeface="Arial Unicode MS" panose="020B0604020202020204" pitchFamily="34" charset="-128"/>
+                        <a:cs typeface="Times New Roman" pitchFamily="18" charset="0"/>
                       </a:endParaRPr>
                     </a:p>
                     <a:p>
@@ -9211,6 +10138,7 @@
                         <a:effectLst/>
                         <a:latin typeface="Times New Roman" panose="02020603050405020304" pitchFamily="18" charset="0"/>
                         <a:ea typeface="Arial Unicode MS" panose="020B0604020202020204" pitchFamily="34" charset="-128"/>
+                        <a:cs typeface="Times New Roman" pitchFamily="18" charset="0"/>
                       </a:endParaRPr>
                     </a:p>
                     <a:p>
@@ -9226,6 +10154,7 @@
                         <a:effectLst/>
                         <a:latin typeface="Times New Roman" panose="02020603050405020304" pitchFamily="18" charset="0"/>
                         <a:ea typeface="Arial Unicode MS" panose="020B0604020202020204" pitchFamily="34" charset="-128"/>
+                        <a:cs typeface="Times New Roman" pitchFamily="18" charset="0"/>
                       </a:endParaRPr>
                     </a:p>
                     <a:p>
@@ -9242,6 +10171,7 @@
                           <a:effectLst/>
                           <a:latin typeface="Times New Roman" panose="02020603050405020304" pitchFamily="18" charset="0"/>
                           <a:ea typeface="Arial Unicode MS" panose="020B0604020202020204" pitchFamily="34" charset="-128"/>
+                          <a:cs typeface="Times New Roman" pitchFamily="18" charset="0"/>
                         </a:rPr>
                         <a:t>%30</a:t>
                       </a:r>
@@ -9249,6 +10179,7 @@
                         <a:effectLst/>
                         <a:latin typeface="Times New Roman" panose="02020603050405020304" pitchFamily="18" charset="0"/>
                         <a:ea typeface="Arial Unicode MS" panose="020B0604020202020204" pitchFamily="34" charset="-128"/>
+                        <a:cs typeface="Times New Roman" pitchFamily="18" charset="0"/>
                       </a:endParaRPr>
                     </a:p>
                   </a:txBody>
@@ -9281,6 +10212,7 @@
                           <a:effectLst/>
                           <a:latin typeface="Times New Roman" panose="02020603050405020304" pitchFamily="18" charset="0"/>
                           <a:ea typeface="Arial Unicode MS" panose="020B0604020202020204" pitchFamily="34" charset="-128"/>
+                          <a:cs typeface="Times New Roman" pitchFamily="18" charset="0"/>
                         </a:rPr>
                         <a:t>Doğrudan .Net kullanarak </a:t>
                       </a:r>
@@ -9289,6 +10221,7 @@
                           <a:effectLst/>
                           <a:latin typeface="Times New Roman" panose="02020603050405020304" pitchFamily="18" charset="0"/>
                           <a:ea typeface="Arial Unicode MS" panose="020B0604020202020204" pitchFamily="34" charset="-128"/>
+                          <a:cs typeface="Times New Roman" pitchFamily="18" charset="0"/>
                         </a:rPr>
                         <a:t>Blog</a:t>
                       </a:r>
@@ -9297,6 +10230,7 @@
                           <a:effectLst/>
                           <a:latin typeface="Times New Roman" panose="02020603050405020304" pitchFamily="18" charset="0"/>
                           <a:ea typeface="Arial Unicode MS" panose="020B0604020202020204" pitchFamily="34" charset="-128"/>
+                          <a:cs typeface="Times New Roman" pitchFamily="18" charset="0"/>
                         </a:rPr>
                         <a:t> sitesinde</a:t>
                       </a:r>
@@ -9305,6 +10239,7 @@
                           <a:effectLst/>
                           <a:latin typeface="Times New Roman" panose="02020603050405020304" pitchFamily="18" charset="0"/>
                           <a:ea typeface="Arial Unicode MS" panose="020B0604020202020204" pitchFamily="34" charset="-128"/>
+                          <a:cs typeface="Times New Roman" pitchFamily="18" charset="0"/>
                         </a:rPr>
                         <a:t> </a:t>
                       </a:r>
@@ -9313,6 +10248,7 @@
                           <a:effectLst/>
                           <a:latin typeface="Times New Roman" panose="02020603050405020304" pitchFamily="18" charset="0"/>
                           <a:ea typeface="Arial Unicode MS" panose="020B0604020202020204" pitchFamily="34" charset="-128"/>
+                          <a:cs typeface="Times New Roman" pitchFamily="18" charset="0"/>
                         </a:rPr>
                         <a:t>veritabanı</a:t>
                       </a:r>
@@ -9321,6 +10257,7 @@
                           <a:effectLst/>
                           <a:latin typeface="Times New Roman" panose="02020603050405020304" pitchFamily="18" charset="0"/>
                           <a:ea typeface="Arial Unicode MS" panose="020B0604020202020204" pitchFamily="34" charset="-128"/>
+                          <a:cs typeface="Times New Roman" pitchFamily="18" charset="0"/>
                         </a:rPr>
                         <a:t> kurulup kodlanmaya ve temayı kendimiz yazarak kodlamaya başlamaktı.</a:t>
                       </a:r>
@@ -9347,30 +10284,7 @@
                         <a:effectLst/>
                         <a:latin typeface="Times New Roman" panose="02020603050405020304" pitchFamily="18" charset="0"/>
                         <a:ea typeface="Arial Unicode MS" panose="020B0604020202020204" pitchFamily="34" charset="-128"/>
-                      </a:endParaRPr>
-                    </a:p>
-                    <a:p>
-                      <a:pPr marL="0" marR="0" indent="0" algn="l" defTabSz="457200" rtl="0" eaLnBrk="1" fontAlgn="auto" latinLnBrk="0" hangingPunct="1">
-                        <a:lnSpc>
-                          <a:spcPct val="100000"/>
-                        </a:lnSpc>
-                        <a:spcBef>
-                          <a:spcPts val="0"/>
-                        </a:spcBef>
-                        <a:spcAft>
-                          <a:spcPts val="0"/>
-                        </a:spcAft>
-                        <a:buClrTx/>
-                        <a:buSzTx/>
-                        <a:buFontTx/>
-                        <a:buNone/>
-                        <a:tabLst/>
-                        <a:defRPr/>
-                      </a:pPr>
-                      <a:endParaRPr lang="tr-TR" sz="1200" kern="50" baseline="0" dirty="0" smtClean="0">
-                        <a:effectLst/>
-                        <a:latin typeface="Times New Roman" panose="02020603050405020304" pitchFamily="18" charset="0"/>
-                        <a:ea typeface="Arial Unicode MS" panose="020B0604020202020204" pitchFamily="34" charset="-128"/>
+                        <a:cs typeface="Times New Roman" pitchFamily="18" charset="0"/>
                       </a:endParaRPr>
                     </a:p>
                     <a:p>
@@ -9396,13 +10310,15 @@
                           <a:effectLst/>
                           <a:latin typeface="Times New Roman" panose="02020603050405020304" pitchFamily="18" charset="0"/>
                           <a:ea typeface="Arial Unicode MS" panose="020B0604020202020204" pitchFamily="34" charset="-128"/>
+                          <a:cs typeface="Times New Roman" pitchFamily="18" charset="0"/>
                         </a:rPr>
-                        <a:t>Puan:75</a:t>
+                        <a:t>Puan: 75</a:t>
                       </a:r>
                       <a:endParaRPr lang="en-US" sz="1200" kern="50" dirty="0">
                         <a:effectLst/>
                         <a:latin typeface="Times New Roman" panose="02020603050405020304" pitchFamily="18" charset="0"/>
                         <a:ea typeface="Arial Unicode MS" panose="020B0604020202020204" pitchFamily="34" charset="-128"/>
+                        <a:cs typeface="Times New Roman" pitchFamily="18" charset="0"/>
                       </a:endParaRPr>
                     </a:p>
                   </a:txBody>
@@ -9424,40 +10340,45 @@
                       <a:r>
                         <a:rPr lang="tr-TR" sz="1200" kern="50" baseline="0" dirty="0" smtClean="0">
                           <a:effectLst/>
-                          <a:latin typeface="Calibri" panose="020F0502020204030204" pitchFamily="34" charset="0"/>
+                          <a:latin typeface="Times New Roman" pitchFamily="18" charset="0"/>
                           <a:ea typeface="Arial Unicode MS" panose="020B0604020202020204" pitchFamily="34" charset="-128"/>
+                          <a:cs typeface="Times New Roman" pitchFamily="18" charset="0"/>
                         </a:rPr>
                         <a:t>Uygulama </a:t>
                       </a:r>
                       <a:r>
                         <a:rPr lang="tr-TR" sz="1200" kern="50" baseline="0" dirty="0" err="1" smtClean="0">
                           <a:effectLst/>
-                          <a:latin typeface="Calibri" panose="020F0502020204030204" pitchFamily="34" charset="0"/>
+                          <a:latin typeface="Times New Roman" pitchFamily="18" charset="0"/>
                           <a:ea typeface="Arial Unicode MS" panose="020B0604020202020204" pitchFamily="34" charset="-128"/>
+                          <a:cs typeface="Times New Roman" pitchFamily="18" charset="0"/>
                         </a:rPr>
                         <a:t>Php</a:t>
                       </a:r>
                       <a:r>
                         <a:rPr lang="tr-TR" sz="1200" kern="50" baseline="0" dirty="0" smtClean="0">
                           <a:effectLst/>
-                          <a:latin typeface="Calibri" panose="020F0502020204030204" pitchFamily="34" charset="0"/>
+                          <a:latin typeface="Times New Roman" pitchFamily="18" charset="0"/>
                           <a:ea typeface="Arial Unicode MS" panose="020B0604020202020204" pitchFamily="34" charset="-128"/>
+                          <a:cs typeface="Times New Roman" pitchFamily="18" charset="0"/>
                         </a:rPr>
                         <a:t> dili ile yazılıp bir </a:t>
                       </a:r>
                       <a:r>
                         <a:rPr lang="tr-TR" sz="1200" kern="50" baseline="0" dirty="0" err="1" smtClean="0">
                           <a:effectLst/>
-                          <a:latin typeface="Calibri" panose="020F0502020204030204" pitchFamily="34" charset="0"/>
+                          <a:latin typeface="Times New Roman" pitchFamily="18" charset="0"/>
                           <a:ea typeface="Arial Unicode MS" panose="020B0604020202020204" pitchFamily="34" charset="-128"/>
+                          <a:cs typeface="Times New Roman" pitchFamily="18" charset="0"/>
                         </a:rPr>
                         <a:t>localhostta</a:t>
                       </a:r>
                       <a:r>
                         <a:rPr lang="tr-TR" sz="1200" kern="50" baseline="0" dirty="0" smtClean="0">
                           <a:effectLst/>
-                          <a:latin typeface="Calibri" panose="020F0502020204030204" pitchFamily="34" charset="0"/>
+                          <a:latin typeface="Times New Roman" pitchFamily="18" charset="0"/>
                           <a:ea typeface="Arial Unicode MS" panose="020B0604020202020204" pitchFamily="34" charset="-128"/>
+                          <a:cs typeface="Times New Roman" pitchFamily="18" charset="0"/>
                         </a:rPr>
                         <a:t> uygulaması geliştirilmesi amaçlanmaktadır.</a:t>
                       </a:r>
@@ -9473,8 +10394,9 @@
                       </a:pPr>
                       <a:endParaRPr lang="tr-TR" sz="1200" kern="50" baseline="0" dirty="0" smtClean="0">
                         <a:effectLst/>
-                        <a:latin typeface="Calibri" panose="020F0502020204030204" pitchFamily="34" charset="0"/>
+                        <a:latin typeface="Times New Roman" pitchFamily="18" charset="0"/>
                         <a:ea typeface="Arial Unicode MS" panose="020B0604020202020204" pitchFamily="34" charset="-128"/>
+                        <a:cs typeface="Times New Roman" pitchFamily="18" charset="0"/>
                       </a:endParaRPr>
                     </a:p>
                     <a:p>
@@ -9488,23 +10410,9 @@
                       </a:pPr>
                       <a:endParaRPr lang="tr-TR" sz="1200" kern="50" baseline="0" dirty="0" smtClean="0">
                         <a:effectLst/>
-                        <a:latin typeface="Calibri" panose="020F0502020204030204" pitchFamily="34" charset="0"/>
+                        <a:latin typeface="Times New Roman" pitchFamily="18" charset="0"/>
                         <a:ea typeface="Arial Unicode MS" panose="020B0604020202020204" pitchFamily="34" charset="-128"/>
-                      </a:endParaRPr>
-                    </a:p>
-                    <a:p>
-                      <a:pPr marL="0" marR="0" algn="l">
-                        <a:spcBef>
-                          <a:spcPts val="0"/>
-                        </a:spcBef>
-                        <a:spcAft>
-                          <a:spcPts val="0"/>
-                        </a:spcAft>
-                      </a:pPr>
-                      <a:endParaRPr lang="tr-TR" sz="1200" kern="50" baseline="0" dirty="0" smtClean="0">
-                        <a:effectLst/>
-                        <a:latin typeface="Times New Roman" panose="02020603050405020304" pitchFamily="18" charset="0"/>
-                        <a:ea typeface="Arial Unicode MS" panose="020B0604020202020204" pitchFamily="34" charset="-128"/>
+                        <a:cs typeface="Times New Roman" pitchFamily="18" charset="0"/>
                       </a:endParaRPr>
                     </a:p>
                     <a:p>
@@ -9519,10 +10427,11 @@
                       <a:r>
                         <a:rPr lang="tr-TR" sz="1200" kern="50" baseline="0" dirty="0" smtClean="0">
                           <a:effectLst/>
-                          <a:latin typeface="Times New Roman" panose="02020603050405020304" pitchFamily="18" charset="0"/>
+                          <a:latin typeface="Times New Roman" pitchFamily="18" charset="0"/>
                           <a:ea typeface="Arial Unicode MS" panose="020B0604020202020204" pitchFamily="34" charset="-128"/>
+                          <a:cs typeface="Times New Roman" pitchFamily="18" charset="0"/>
                         </a:rPr>
-                        <a:t>Puan:65</a:t>
+                        <a:t>Puan: 65</a:t>
                       </a:r>
                     </a:p>
                   </a:txBody>
@@ -9546,6 +10455,7 @@
                           <a:effectLst/>
                           <a:latin typeface="Times New Roman" panose="02020603050405020304" pitchFamily="18" charset="0"/>
                           <a:ea typeface="Arial Unicode MS" panose="020B0604020202020204" pitchFamily="34" charset="-128"/>
+                          <a:cs typeface="Times New Roman" pitchFamily="18" charset="0"/>
                         </a:rPr>
                         <a:t>Wordpress</a:t>
                       </a:r>
@@ -9554,6 +10464,7 @@
                           <a:effectLst/>
                           <a:latin typeface="Times New Roman" panose="02020603050405020304" pitchFamily="18" charset="0"/>
                           <a:ea typeface="Arial Unicode MS" panose="020B0604020202020204" pitchFamily="34" charset="-128"/>
+                          <a:cs typeface="Times New Roman" pitchFamily="18" charset="0"/>
                         </a:rPr>
                         <a:t> ile otomatik kurulum ve zaman kaybı olmadan direkt internet ortamında sitenin hazır olunması.</a:t>
                       </a:r>
@@ -9571,21 +10482,7 @@
                         <a:effectLst/>
                         <a:latin typeface="Times New Roman" panose="02020603050405020304" pitchFamily="18" charset="0"/>
                         <a:ea typeface="Arial Unicode MS" panose="020B0604020202020204" pitchFamily="34" charset="-128"/>
-                      </a:endParaRPr>
-                    </a:p>
-                    <a:p>
-                      <a:pPr marL="0" marR="0" algn="l">
-                        <a:spcBef>
-                          <a:spcPts val="0"/>
-                        </a:spcBef>
-                        <a:spcAft>
-                          <a:spcPts val="0"/>
-                        </a:spcAft>
-                      </a:pPr>
-                      <a:endParaRPr lang="tr-TR" sz="1200" kern="50" baseline="0" dirty="0" smtClean="0">
-                        <a:effectLst/>
-                        <a:latin typeface="Times New Roman" panose="02020603050405020304" pitchFamily="18" charset="0"/>
-                        <a:ea typeface="Arial Unicode MS" panose="020B0604020202020204" pitchFamily="34" charset="-128"/>
+                        <a:cs typeface="Times New Roman" pitchFamily="18" charset="0"/>
                       </a:endParaRPr>
                     </a:p>
                     <a:p>
@@ -9602,13 +10499,15 @@
                           <a:effectLst/>
                           <a:latin typeface="Times New Roman" panose="02020603050405020304" pitchFamily="18" charset="0"/>
                           <a:ea typeface="Arial Unicode MS" panose="020B0604020202020204" pitchFamily="34" charset="-128"/>
+                          <a:cs typeface="Times New Roman" pitchFamily="18" charset="0"/>
                         </a:rPr>
-                        <a:t>Puan:95</a:t>
+                        <a:t>Puan: 95</a:t>
                       </a:r>
                       <a:endParaRPr lang="en-US" sz="1200" kern="50" dirty="0">
                         <a:effectLst/>
                         <a:latin typeface="Times New Roman" panose="02020603050405020304" pitchFamily="18" charset="0"/>
                         <a:ea typeface="Arial Unicode MS" panose="020B0604020202020204" pitchFamily="34" charset="-128"/>
+                        <a:cs typeface="Times New Roman" pitchFamily="18" charset="0"/>
                       </a:endParaRPr>
                     </a:p>
                   </a:txBody>
@@ -9672,11 +10571,108 @@
                           <a:spcPts val="0"/>
                         </a:spcAft>
                       </a:pPr>
+                      <a:endParaRPr lang="tr-TR" sz="1200" kern="50" dirty="0" smtClean="0">
+                        <a:effectLst/>
+                        <a:latin typeface="Times New Roman" panose="02020603050405020304" pitchFamily="18" charset="0"/>
+                        <a:ea typeface="Arial Unicode MS" panose="020B0604020202020204" pitchFamily="34" charset="-128"/>
+                        <a:cs typeface="Times New Roman" pitchFamily="18" charset="0"/>
+                      </a:endParaRPr>
+                    </a:p>
+                    <a:p>
+                      <a:pPr marL="0" marR="0" algn="l">
+                        <a:spcBef>
+                          <a:spcPts val="0"/>
+                        </a:spcBef>
+                        <a:spcAft>
+                          <a:spcPts val="0"/>
+                        </a:spcAft>
+                      </a:pPr>
+                      <a:endParaRPr lang="tr-TR" sz="1200" kern="50" dirty="0" smtClean="0">
+                        <a:effectLst/>
+                        <a:latin typeface="Times New Roman" panose="02020603050405020304" pitchFamily="18" charset="0"/>
+                        <a:ea typeface="Arial Unicode MS" panose="020B0604020202020204" pitchFamily="34" charset="-128"/>
+                        <a:cs typeface="Times New Roman" pitchFamily="18" charset="0"/>
+                      </a:endParaRPr>
+                    </a:p>
+                    <a:p>
+                      <a:pPr marL="0" marR="0" algn="l">
+                        <a:spcBef>
+                          <a:spcPts val="0"/>
+                        </a:spcBef>
+                        <a:spcAft>
+                          <a:spcPts val="0"/>
+                        </a:spcAft>
+                      </a:pPr>
+                      <a:endParaRPr lang="tr-TR" sz="1200" kern="50" dirty="0" smtClean="0">
+                        <a:effectLst/>
+                        <a:latin typeface="Times New Roman" panose="02020603050405020304" pitchFamily="18" charset="0"/>
+                        <a:ea typeface="Arial Unicode MS" panose="020B0604020202020204" pitchFamily="34" charset="-128"/>
+                        <a:cs typeface="Times New Roman" pitchFamily="18" charset="0"/>
+                      </a:endParaRPr>
+                    </a:p>
+                    <a:p>
+                      <a:pPr marL="0" marR="0" algn="l">
+                        <a:spcBef>
+                          <a:spcPts val="0"/>
+                        </a:spcBef>
+                        <a:spcAft>
+                          <a:spcPts val="0"/>
+                        </a:spcAft>
+                      </a:pPr>
+                      <a:endParaRPr lang="tr-TR" sz="1200" kern="50" dirty="0" smtClean="0">
+                        <a:effectLst/>
+                        <a:latin typeface="Times New Roman" panose="02020603050405020304" pitchFamily="18" charset="0"/>
+                        <a:ea typeface="Arial Unicode MS" panose="020B0604020202020204" pitchFamily="34" charset="-128"/>
+                        <a:cs typeface="Times New Roman" pitchFamily="18" charset="0"/>
+                      </a:endParaRPr>
+                    </a:p>
+                    <a:p>
+                      <a:pPr marL="0" marR="0" algn="l">
+                        <a:spcBef>
+                          <a:spcPts val="0"/>
+                        </a:spcBef>
+                        <a:spcAft>
+                          <a:spcPts val="0"/>
+                        </a:spcAft>
+                      </a:pPr>
+                      <a:endParaRPr lang="tr-TR" sz="1200" kern="50" dirty="0" smtClean="0">
+                        <a:effectLst/>
+                        <a:latin typeface="Times New Roman" panose="02020603050405020304" pitchFamily="18" charset="0"/>
+                        <a:ea typeface="Arial Unicode MS" panose="020B0604020202020204" pitchFamily="34" charset="-128"/>
+                        <a:cs typeface="Times New Roman" pitchFamily="18" charset="0"/>
+                      </a:endParaRPr>
+                    </a:p>
+                    <a:p>
+                      <a:pPr marL="0" marR="0" algn="l">
+                        <a:spcBef>
+                          <a:spcPts val="0"/>
+                        </a:spcBef>
+                        <a:spcAft>
+                          <a:spcPts val="0"/>
+                        </a:spcAft>
+                      </a:pPr>
+                      <a:endParaRPr lang="tr-TR" sz="1200" kern="50" dirty="0" smtClean="0">
+                        <a:effectLst/>
+                        <a:latin typeface="Times New Roman" panose="02020603050405020304" pitchFamily="18" charset="0"/>
+                        <a:ea typeface="Arial Unicode MS" panose="020B0604020202020204" pitchFamily="34" charset="-128"/>
+                        <a:cs typeface="Times New Roman" pitchFamily="18" charset="0"/>
+                      </a:endParaRPr>
+                    </a:p>
+                    <a:p>
+                      <a:pPr marL="0" marR="0" algn="l">
+                        <a:spcBef>
+                          <a:spcPts val="0"/>
+                        </a:spcBef>
+                        <a:spcAft>
+                          <a:spcPts val="0"/>
+                        </a:spcAft>
+                      </a:pPr>
                       <a:r>
                         <a:rPr lang="tr-TR" sz="1200" kern="50" dirty="0" smtClean="0">
                           <a:effectLst/>
                           <a:latin typeface="Times New Roman" panose="02020603050405020304" pitchFamily="18" charset="0"/>
                           <a:ea typeface="Arial Unicode MS" panose="020B0604020202020204" pitchFamily="34" charset="-128"/>
+                          <a:cs typeface="Times New Roman" pitchFamily="18" charset="0"/>
                         </a:rPr>
                         <a:t>%30</a:t>
                       </a:r>
@@ -9684,6 +10680,7 @@
                         <a:effectLst/>
                         <a:latin typeface="Times New Roman" panose="02020603050405020304" pitchFamily="18" charset="0"/>
                         <a:ea typeface="Arial Unicode MS" panose="020B0604020202020204" pitchFamily="34" charset="-128"/>
+                        <a:cs typeface="Times New Roman" pitchFamily="18" charset="0"/>
                       </a:endParaRPr>
                     </a:p>
                   </a:txBody>
@@ -9707,14 +10704,16 @@
                           <a:effectLst/>
                           <a:latin typeface="Times New Roman" panose="02020603050405020304" pitchFamily="18" charset="0"/>
                           <a:ea typeface="Arial Unicode MS" panose="020B0604020202020204" pitchFamily="34" charset="-128"/>
+                          <a:cs typeface="Times New Roman" pitchFamily="18" charset="0"/>
                         </a:rPr>
-                        <a:t>Yaklaşık 19.000</a:t>
+                        <a:t>Yaklaşık 65.500</a:t>
                       </a:r>
                       <a:r>
                         <a:rPr lang="tr-TR" sz="1200" u="none" kern="50" baseline="0" dirty="0" smtClean="0">
                           <a:effectLst/>
                           <a:latin typeface="Times New Roman" panose="02020603050405020304" pitchFamily="18" charset="0"/>
                           <a:ea typeface="Arial Unicode MS" panose="020B0604020202020204" pitchFamily="34" charset="-128"/>
+                          <a:cs typeface="Times New Roman" pitchFamily="18" charset="0"/>
                         </a:rPr>
                         <a:t> </a:t>
                       </a:r>
@@ -9723,6 +10722,7 @@
                           <a:effectLst/>
                           <a:latin typeface="Times New Roman" panose="02020603050405020304" pitchFamily="18" charset="0"/>
                           <a:ea typeface="Arial Unicode MS" panose="020B0604020202020204" pitchFamily="34" charset="-128"/>
+                          <a:cs typeface="Times New Roman" pitchFamily="18" charset="0"/>
                         </a:rPr>
                         <a:t>TL’ye mal olan ve geri dönüşümü 5 ay</a:t>
                       </a:r>
@@ -9731,6 +10731,7 @@
                           <a:effectLst/>
                           <a:latin typeface="Times New Roman" panose="02020603050405020304" pitchFamily="18" charset="0"/>
                           <a:ea typeface="Arial Unicode MS" panose="020B0604020202020204" pitchFamily="34" charset="-128"/>
+                          <a:cs typeface="Times New Roman" pitchFamily="18" charset="0"/>
                         </a:rPr>
                         <a:t> olan sistemin net getirisi </a:t>
                       </a:r>
@@ -9739,14 +10740,16 @@
                           <a:effectLst/>
                           <a:latin typeface="Times New Roman" panose="02020603050405020304" pitchFamily="18" charset="0"/>
                           <a:ea typeface="Arial Unicode MS" panose="020B0604020202020204" pitchFamily="34" charset="-128"/>
+                          <a:cs typeface="Times New Roman" pitchFamily="18" charset="0"/>
                         </a:rPr>
-                        <a:t> 18.000</a:t>
+                        <a:t> 72.000</a:t>
                       </a:r>
                       <a:r>
                         <a:rPr lang="tr-TR" sz="1200" u="none" kern="50" baseline="0" dirty="0" smtClean="0">
                           <a:effectLst/>
                           <a:latin typeface="Times New Roman" panose="02020603050405020304" pitchFamily="18" charset="0"/>
                           <a:ea typeface="Arial Unicode MS" panose="020B0604020202020204" pitchFamily="34" charset="-128"/>
+                          <a:cs typeface="Times New Roman" pitchFamily="18" charset="0"/>
                         </a:rPr>
                         <a:t> </a:t>
                       </a:r>
@@ -9755,9 +10758,26 @@
                           <a:effectLst/>
                           <a:latin typeface="Times New Roman" panose="02020603050405020304" pitchFamily="18" charset="0"/>
                           <a:ea typeface="Arial Unicode MS" panose="020B0604020202020204" pitchFamily="34" charset="-128"/>
+                          <a:cs typeface="Times New Roman" pitchFamily="18" charset="0"/>
                         </a:rPr>
                         <a:t>TL’dir</a:t>
                       </a:r>
+                    </a:p>
+                    <a:p>
+                      <a:pPr marL="0" marR="0" algn="l">
+                        <a:spcBef>
+                          <a:spcPts val="0"/>
+                        </a:spcBef>
+                        <a:spcAft>
+                          <a:spcPts val="0"/>
+                        </a:spcAft>
+                      </a:pPr>
+                      <a:endParaRPr lang="tr-TR" sz="1200" u="none" kern="50" dirty="0" smtClean="0">
+                        <a:effectLst/>
+                        <a:latin typeface="Times New Roman" panose="02020603050405020304" pitchFamily="18" charset="0"/>
+                        <a:ea typeface="Arial Unicode MS" panose="020B0604020202020204" pitchFamily="34" charset="-128"/>
+                        <a:cs typeface="Times New Roman" pitchFamily="18" charset="0"/>
+                      </a:endParaRPr>
                     </a:p>
                     <a:p>
                       <a:pPr marL="0" marR="0" algn="l">
@@ -9773,32 +10793,15 @@
                           <a:effectLst/>
                           <a:latin typeface="Times New Roman" panose="02020603050405020304" pitchFamily="18" charset="0"/>
                           <a:ea typeface="Arial Unicode MS" panose="020B0604020202020204" pitchFamily="34" charset="-128"/>
+                          <a:cs typeface="Times New Roman" pitchFamily="18" charset="0"/>
                         </a:rPr>
                         <a:t>Puan:75</a:t>
                       </a:r>
-                    </a:p>
-                    <a:p>
-                      <a:pPr marL="0" marR="0" indent="0" algn="l" defTabSz="457200" rtl="0" eaLnBrk="1" fontAlgn="auto" latinLnBrk="0" hangingPunct="1">
-                        <a:lnSpc>
-                          <a:spcPct val="100000"/>
-                        </a:lnSpc>
-                        <a:spcBef>
-                          <a:spcPts val="0"/>
-                        </a:spcBef>
-                        <a:spcAft>
-                          <a:spcPts val="0"/>
-                        </a:spcAft>
-                        <a:buClrTx/>
-                        <a:buSzTx/>
-                        <a:buFontTx/>
-                        <a:buNone/>
-                        <a:tabLst/>
-                        <a:defRPr/>
-                      </a:pPr>
                       <a:endParaRPr lang="en-US" sz="1200" kern="50" dirty="0">
                         <a:effectLst/>
                         <a:latin typeface="Times New Roman" panose="02020603050405020304" pitchFamily="18" charset="0"/>
                         <a:ea typeface="Arial Unicode MS" panose="020B0604020202020204" pitchFamily="34" charset="-128"/>
+                        <a:cs typeface="Times New Roman" pitchFamily="18" charset="0"/>
                       </a:endParaRPr>
                     </a:p>
                   </a:txBody>
@@ -9822,14 +10825,16 @@
                           <a:effectLst/>
                           <a:latin typeface="Times New Roman" panose="02020603050405020304" pitchFamily="18" charset="0"/>
                           <a:ea typeface="Arial Unicode MS" panose="020B0604020202020204" pitchFamily="34" charset="-128"/>
+                          <a:cs typeface="Times New Roman" pitchFamily="18" charset="0"/>
                         </a:rPr>
-                        <a:t>Yaklaşık 16,500 TL’ye mal olan ve geri dönüşümü 4 ay</a:t>
+                        <a:t>Yaklaşık 55.500 TL’ye mal olan ve geri dönüşümü 4 ay</a:t>
                       </a:r>
                       <a:r>
                         <a:rPr lang="tr-TR" sz="1200" u="none" kern="50" baseline="0" dirty="0" smtClean="0">
                           <a:effectLst/>
                           <a:latin typeface="Times New Roman" panose="02020603050405020304" pitchFamily="18" charset="0"/>
                           <a:ea typeface="Arial Unicode MS" panose="020B0604020202020204" pitchFamily="34" charset="-128"/>
+                          <a:cs typeface="Times New Roman" pitchFamily="18" charset="0"/>
                         </a:rPr>
                         <a:t> olan sistemin net getirisi </a:t>
                       </a:r>
@@ -9838,9 +10843,26 @@
                           <a:effectLst/>
                           <a:latin typeface="Times New Roman" panose="02020603050405020304" pitchFamily="18" charset="0"/>
                           <a:ea typeface="Arial Unicode MS" panose="020B0604020202020204" pitchFamily="34" charset="-128"/>
+                          <a:cs typeface="Times New Roman" pitchFamily="18" charset="0"/>
                         </a:rPr>
-                        <a:t>24,000 TL’dir</a:t>
+                        <a:t>75,000 TL’dir</a:t>
                       </a:r>
+                    </a:p>
+                    <a:p>
+                      <a:pPr marL="0" marR="0" algn="l">
+                        <a:spcBef>
+                          <a:spcPts val="0"/>
+                        </a:spcBef>
+                        <a:spcAft>
+                          <a:spcPts val="0"/>
+                        </a:spcAft>
+                      </a:pPr>
+                      <a:endParaRPr lang="tr-TR" sz="1200" u="none" kern="50" dirty="0" smtClean="0">
+                        <a:effectLst/>
+                        <a:latin typeface="Times New Roman" panose="02020603050405020304" pitchFamily="18" charset="0"/>
+                        <a:ea typeface="Arial Unicode MS" panose="020B0604020202020204" pitchFamily="34" charset="-128"/>
+                        <a:cs typeface="Times New Roman" pitchFamily="18" charset="0"/>
+                      </a:endParaRPr>
                     </a:p>
                     <a:p>
                       <a:pPr marL="0" marR="0" algn="l">
@@ -9856,24 +10878,10 @@
                           <a:effectLst/>
                           <a:latin typeface="Times New Roman" panose="02020603050405020304" pitchFamily="18" charset="0"/>
                           <a:ea typeface="Arial Unicode MS" panose="020B0604020202020204" pitchFamily="34" charset="-128"/>
+                          <a:cs typeface="Times New Roman" pitchFamily="18" charset="0"/>
                         </a:rPr>
                         <a:t>Puan:85</a:t>
                       </a:r>
-                    </a:p>
-                    <a:p>
-                      <a:pPr marL="0" marR="0" algn="l">
-                        <a:spcBef>
-                          <a:spcPts val="0"/>
-                        </a:spcBef>
-                        <a:spcAft>
-                          <a:spcPts val="0"/>
-                        </a:spcAft>
-                      </a:pPr>
-                      <a:endParaRPr lang="tr-TR" sz="1200" u="none" kern="50" dirty="0" smtClean="0">
-                        <a:effectLst/>
-                        <a:latin typeface="Times New Roman" panose="02020603050405020304" pitchFamily="18" charset="0"/>
-                        <a:ea typeface="Arial Unicode MS" panose="020B0604020202020204" pitchFamily="34" charset="-128"/>
-                      </a:endParaRPr>
                     </a:p>
                   </a:txBody>
                   <a:tcPr marL="68580" marR="68580" marT="0" marB="0"/>
@@ -9896,14 +10904,16 @@
                           <a:effectLst/>
                           <a:latin typeface="Times New Roman" panose="02020603050405020304" pitchFamily="18" charset="0"/>
                           <a:ea typeface="Arial Unicode MS" panose="020B0604020202020204" pitchFamily="34" charset="-128"/>
+                          <a:cs typeface="Times New Roman" pitchFamily="18" charset="0"/>
                         </a:rPr>
-                        <a:t>Yaklaşık 18,570</a:t>
+                        <a:t>Yaklaşık 58.100</a:t>
                       </a:r>
                       <a:r>
                         <a:rPr lang="tr-TR" sz="1200" u="none" kern="50" baseline="0" dirty="0" smtClean="0">
                           <a:effectLst/>
                           <a:latin typeface="Times New Roman" panose="02020603050405020304" pitchFamily="18" charset="0"/>
                           <a:ea typeface="Arial Unicode MS" panose="020B0604020202020204" pitchFamily="34" charset="-128"/>
+                          <a:cs typeface="Times New Roman" pitchFamily="18" charset="0"/>
                         </a:rPr>
                         <a:t> </a:t>
                       </a:r>
@@ -9912,14 +10922,16 @@
                           <a:effectLst/>
                           <a:latin typeface="Times New Roman" panose="02020603050405020304" pitchFamily="18" charset="0"/>
                           <a:ea typeface="Arial Unicode MS" panose="020B0604020202020204" pitchFamily="34" charset="-128"/>
+                          <a:cs typeface="Times New Roman" pitchFamily="18" charset="0"/>
                         </a:rPr>
-                        <a:t>TL’ye mal olan ve geri dönüşümü 4,5 ay</a:t>
+                        <a:t>TL’ye mal olan ve geri dönüşümü 3 ay</a:t>
                       </a:r>
                       <a:r>
                         <a:rPr lang="tr-TR" sz="1200" u="none" kern="50" baseline="0" dirty="0" smtClean="0">
                           <a:effectLst/>
                           <a:latin typeface="Times New Roman" panose="02020603050405020304" pitchFamily="18" charset="0"/>
                           <a:ea typeface="Arial Unicode MS" panose="020B0604020202020204" pitchFamily="34" charset="-128"/>
+                          <a:cs typeface="Times New Roman" pitchFamily="18" charset="0"/>
                         </a:rPr>
                         <a:t> olan sistemin net getirisi </a:t>
                       </a:r>
@@ -9928,9 +10940,42 @@
                           <a:effectLst/>
                           <a:latin typeface="Times New Roman" panose="02020603050405020304" pitchFamily="18" charset="0"/>
                           <a:ea typeface="Arial Unicode MS" panose="020B0604020202020204" pitchFamily="34" charset="-128"/>
+                          <a:cs typeface="Times New Roman" pitchFamily="18" charset="0"/>
                         </a:rPr>
-                        <a:t>30,000 TL’dir</a:t>
+                        <a:t>87.150 TL’dir</a:t>
                       </a:r>
+                    </a:p>
+                    <a:p>
+                      <a:pPr marL="0" marR="0" algn="l">
+                        <a:spcBef>
+                          <a:spcPts val="0"/>
+                        </a:spcBef>
+                        <a:spcAft>
+                          <a:spcPts val="0"/>
+                        </a:spcAft>
+                      </a:pPr>
+                      <a:endParaRPr lang="tr-TR" sz="1200" u="none" kern="50" dirty="0" smtClean="0">
+                        <a:effectLst/>
+                        <a:latin typeface="Times New Roman" panose="02020603050405020304" pitchFamily="18" charset="0"/>
+                        <a:ea typeface="Arial Unicode MS" panose="020B0604020202020204" pitchFamily="34" charset="-128"/>
+                        <a:cs typeface="Times New Roman" pitchFamily="18" charset="0"/>
+                      </a:endParaRPr>
+                    </a:p>
+                    <a:p>
+                      <a:pPr marL="0" marR="0" algn="l">
+                        <a:spcBef>
+                          <a:spcPts val="0"/>
+                        </a:spcBef>
+                        <a:spcAft>
+                          <a:spcPts val="0"/>
+                        </a:spcAft>
+                      </a:pPr>
+                      <a:endParaRPr lang="tr-TR" sz="1200" u="none" kern="50" dirty="0" smtClean="0">
+                        <a:effectLst/>
+                        <a:latin typeface="Times New Roman" panose="02020603050405020304" pitchFamily="18" charset="0"/>
+                        <a:ea typeface="Arial Unicode MS" panose="020B0604020202020204" pitchFamily="34" charset="-128"/>
+                        <a:cs typeface="Times New Roman" pitchFamily="18" charset="0"/>
+                      </a:endParaRPr>
                     </a:p>
                     <a:p>
                       <a:pPr marL="0" marR="0" algn="l">
@@ -9946,23 +10991,15 @@
                           <a:effectLst/>
                           <a:latin typeface="Times New Roman" panose="02020603050405020304" pitchFamily="18" charset="0"/>
                           <a:ea typeface="Arial Unicode MS" panose="020B0604020202020204" pitchFamily="34" charset="-128"/>
+                          <a:cs typeface="Times New Roman" pitchFamily="18" charset="0"/>
                         </a:rPr>
                         <a:t>Puan:80</a:t>
                       </a:r>
-                    </a:p>
-                    <a:p>
-                      <a:pPr marL="0" marR="0" algn="l">
-                        <a:spcBef>
-                          <a:spcPts val="0"/>
-                        </a:spcBef>
-                        <a:spcAft>
-                          <a:spcPts val="0"/>
-                        </a:spcAft>
-                      </a:pPr>
                       <a:endParaRPr lang="en-US" sz="1200" u="none" kern="50" dirty="0">
                         <a:effectLst/>
                         <a:latin typeface="Times New Roman" panose="02020603050405020304" pitchFamily="18" charset="0"/>
                         <a:ea typeface="Arial Unicode MS" panose="020B0604020202020204" pitchFamily="34" charset="-128"/>
+                        <a:cs typeface="Times New Roman" pitchFamily="18" charset="0"/>
                       </a:endParaRPr>
                     </a:p>
                   </a:txBody>
@@ -9974,7 +11011,7 @@
                   </a:ext>
                 </a:extLst>
               </a:tr>
-              <a:tr h="575546">
+              <a:tr h="640835">
                 <a:tc>
                   <a:txBody>
                     <a:bodyPr/>
@@ -10018,16 +11055,25 @@
                     <a:bodyPr/>
                     <a:lstStyle/>
                     <a:p>
-                      <a:endParaRPr lang="tr-TR" sz="1200" dirty="0" smtClean="0"/>
+                      <a:endParaRPr lang="tr-TR" sz="1200" dirty="0" smtClean="0">
+                        <a:latin typeface="Times New Roman" pitchFamily="18" charset="0"/>
+                        <a:cs typeface="Times New Roman" pitchFamily="18" charset="0"/>
+                      </a:endParaRPr>
+                    </a:p>
+                    <a:p>
+                      <a:endParaRPr lang="tr-TR" sz="1200" dirty="0" smtClean="0">
+                        <a:latin typeface="Times New Roman" pitchFamily="18" charset="0"/>
+                        <a:cs typeface="Times New Roman" pitchFamily="18" charset="0"/>
+                      </a:endParaRPr>
                     </a:p>
                     <a:p>
                       <a:r>
-                        <a:rPr lang="tr-TR" sz="1200" dirty="0" smtClean="0"/>
+                        <a:rPr lang="tr-TR" sz="1200" dirty="0" smtClean="0">
+                          <a:latin typeface="Times New Roman" pitchFamily="18" charset="0"/>
+                          <a:cs typeface="Times New Roman" pitchFamily="18" charset="0"/>
+                        </a:rPr>
                         <a:t>%10</a:t>
                       </a:r>
-                    </a:p>
-                    <a:p>
-                      <a:endParaRPr lang="en-US" sz="1200" dirty="0"/>
                     </a:p>
                   </a:txBody>
                   <a:tcPr marL="68580" marR="68580" marT="0" marB="0"/>
@@ -10046,10 +11092,11 @@
                         </a:spcAft>
                       </a:pPr>
                       <a:r>
-                        <a:rPr lang="tr-TR" sz="1000" b="0" i="0" kern="50" baseline="0" dirty="0" smtClean="0">
+                        <a:rPr lang="tr-TR" sz="1200" b="0" i="0" kern="50" baseline="0" dirty="0" smtClean="0">
                           <a:effectLst/>
-                          <a:latin typeface="+mn-lt"/>
+                          <a:latin typeface="Times New Roman" pitchFamily="18" charset="0"/>
                           <a:ea typeface="+mn-ea"/>
+                          <a:cs typeface="Times New Roman" pitchFamily="18" charset="0"/>
                         </a:rPr>
                         <a:t>5 ay</a:t>
                       </a:r>
@@ -10065,8 +11112,9 @@
                       </a:pPr>
                       <a:endParaRPr lang="tr-TR" sz="1200" kern="50" baseline="0" dirty="0" smtClean="0">
                         <a:effectLst/>
-                        <a:latin typeface="+mn-lt"/>
+                        <a:latin typeface="Times New Roman" pitchFamily="18" charset="0"/>
                         <a:ea typeface="+mn-ea"/>
+                        <a:cs typeface="Times New Roman" pitchFamily="18" charset="0"/>
                       </a:endParaRPr>
                     </a:p>
                     <a:p>
@@ -10079,10 +11127,11 @@
                         </a:spcAft>
                       </a:pPr>
                       <a:r>
-                        <a:rPr lang="tr-TR" sz="1100" kern="50" baseline="0" dirty="0" smtClean="0">
+                        <a:rPr lang="tr-TR" sz="1200" kern="50" baseline="0" dirty="0" smtClean="0">
                           <a:effectLst/>
                           <a:latin typeface="Times New Roman" panose="02020603050405020304" pitchFamily="18" charset="0"/>
                           <a:ea typeface="Arial Unicode MS" panose="020B0604020202020204" pitchFamily="34" charset="-128"/>
+                          <a:cs typeface="Times New Roman" pitchFamily="18" charset="0"/>
                         </a:rPr>
                         <a:t>Puan:85</a:t>
                       </a:r>
@@ -10108,6 +11157,7 @@
                           <a:effectLst/>
                           <a:latin typeface="Times New Roman" panose="02020603050405020304" pitchFamily="18" charset="0"/>
                           <a:ea typeface="Arial Unicode MS" panose="020B0604020202020204" pitchFamily="34" charset="-128"/>
+                          <a:cs typeface="Times New Roman" pitchFamily="18" charset="0"/>
                         </a:rPr>
                         <a:t>3,5 ay</a:t>
                       </a:r>
@@ -10125,6 +11175,7 @@
                         <a:effectLst/>
                         <a:latin typeface="Times New Roman" panose="02020603050405020304" pitchFamily="18" charset="0"/>
                         <a:ea typeface="Arial Unicode MS" panose="020B0604020202020204" pitchFamily="34" charset="-128"/>
+                        <a:cs typeface="Times New Roman" pitchFamily="18" charset="0"/>
                       </a:endParaRPr>
                     </a:p>
                     <a:p>
@@ -10141,6 +11192,7 @@
                           <a:effectLst/>
                           <a:latin typeface="Times New Roman" panose="02020603050405020304" pitchFamily="18" charset="0"/>
                           <a:ea typeface="Arial Unicode MS" panose="020B0604020202020204" pitchFamily="34" charset="-128"/>
+                          <a:cs typeface="Times New Roman" pitchFamily="18" charset="0"/>
                         </a:rPr>
                         <a:t>Puan:80</a:t>
                       </a:r>
@@ -10148,6 +11200,7 @@
                         <a:effectLst/>
                         <a:latin typeface="Times New Roman" panose="02020603050405020304" pitchFamily="18" charset="0"/>
                         <a:ea typeface="Arial Unicode MS" panose="020B0604020202020204" pitchFamily="34" charset="-128"/>
+                        <a:cs typeface="Times New Roman" pitchFamily="18" charset="0"/>
                       </a:endParaRPr>
                     </a:p>
                   </a:txBody>
@@ -10157,57 +11210,6 @@
                   <a:txBody>
                     <a:bodyPr/>
                     <a:lstStyle/>
-                    <a:p>
-                      <a:pPr marL="0" marR="0" indent="0" algn="l">
-                        <a:spcBef>
-                          <a:spcPts val="0"/>
-                        </a:spcBef>
-                        <a:spcAft>
-                          <a:spcPts val="0"/>
-                        </a:spcAft>
-                        <a:buNone/>
-                      </a:pPr>
-                      <a:r>
-                        <a:rPr lang="tr-TR" sz="1200" kern="50" smtClean="0">
-                          <a:effectLst/>
-                          <a:latin typeface="Times New Roman" panose="02020603050405020304" pitchFamily="18" charset="0"/>
-                          <a:ea typeface="Arial Unicode MS" panose="020B0604020202020204" pitchFamily="34" charset="-128"/>
-                        </a:rPr>
-                        <a:t>2,5</a:t>
-                      </a:r>
-                      <a:r>
-                        <a:rPr lang="tr-TR" sz="1200" kern="50" baseline="0" smtClean="0">
-                          <a:effectLst/>
-                          <a:latin typeface="Times New Roman" panose="02020603050405020304" pitchFamily="18" charset="0"/>
-                          <a:ea typeface="Arial Unicode MS" panose="020B0604020202020204" pitchFamily="34" charset="-128"/>
-                        </a:rPr>
-                        <a:t> </a:t>
-                      </a:r>
-                      <a:r>
-                        <a:rPr lang="tr-TR" sz="1200" kern="50" baseline="0" dirty="0" smtClean="0">
-                          <a:effectLst/>
-                          <a:latin typeface="Times New Roman" panose="02020603050405020304" pitchFamily="18" charset="0"/>
-                          <a:ea typeface="Arial Unicode MS" panose="020B0604020202020204" pitchFamily="34" charset="-128"/>
-                        </a:rPr>
-                        <a:t>ay </a:t>
-                      </a:r>
-                    </a:p>
-                    <a:p>
-                      <a:pPr marL="0" marR="0" indent="0" algn="l">
-                        <a:spcBef>
-                          <a:spcPts val="0"/>
-                        </a:spcBef>
-                        <a:spcAft>
-                          <a:spcPts val="0"/>
-                        </a:spcAft>
-                        <a:buNone/>
-                      </a:pPr>
-                      <a:endParaRPr lang="tr-TR" sz="1200" kern="50" dirty="0" smtClean="0">
-                        <a:effectLst/>
-                        <a:latin typeface="Times New Roman" panose="02020603050405020304" pitchFamily="18" charset="0"/>
-                        <a:ea typeface="Arial Unicode MS" panose="020B0604020202020204" pitchFamily="34" charset="-128"/>
-                      </a:endParaRPr>
-                    </a:p>
                     <a:p>
                       <a:pPr marL="0" marR="0" indent="0" algn="l">
                         <a:spcBef>
@@ -10223,6 +11225,53 @@
                           <a:effectLst/>
                           <a:latin typeface="Times New Roman" panose="02020603050405020304" pitchFamily="18" charset="0"/>
                           <a:ea typeface="Arial Unicode MS" panose="020B0604020202020204" pitchFamily="34" charset="-128"/>
+                          <a:cs typeface="Times New Roman" pitchFamily="18" charset="0"/>
+                        </a:rPr>
+                        <a:t>2,5</a:t>
+                      </a:r>
+                      <a:r>
+                        <a:rPr lang="tr-TR" sz="1200" kern="50" baseline="0" dirty="0" smtClean="0">
+                          <a:effectLst/>
+                          <a:latin typeface="Times New Roman" panose="02020603050405020304" pitchFamily="18" charset="0"/>
+                          <a:ea typeface="Arial Unicode MS" panose="020B0604020202020204" pitchFamily="34" charset="-128"/>
+                          <a:cs typeface="Times New Roman" pitchFamily="18" charset="0"/>
+                        </a:rPr>
+                        <a:t> ay </a:t>
+                      </a:r>
+                    </a:p>
+                    <a:p>
+                      <a:pPr marL="0" marR="0" indent="0" algn="l">
+                        <a:spcBef>
+                          <a:spcPts val="0"/>
+                        </a:spcBef>
+                        <a:spcAft>
+                          <a:spcPts val="0"/>
+                        </a:spcAft>
+                        <a:buNone/>
+                      </a:pPr>
+                      <a:endParaRPr lang="tr-TR" sz="1200" kern="50" dirty="0" smtClean="0">
+                        <a:effectLst/>
+                        <a:latin typeface="Times New Roman" panose="02020603050405020304" pitchFamily="18" charset="0"/>
+                        <a:ea typeface="Arial Unicode MS" panose="020B0604020202020204" pitchFamily="34" charset="-128"/>
+                        <a:cs typeface="Times New Roman" pitchFamily="18" charset="0"/>
+                      </a:endParaRPr>
+                    </a:p>
+                    <a:p>
+                      <a:pPr marL="0" marR="0" indent="0" algn="l">
+                        <a:spcBef>
+                          <a:spcPts val="0"/>
+                        </a:spcBef>
+                        <a:spcAft>
+                          <a:spcPts val="0"/>
+                        </a:spcAft>
+                        <a:buNone/>
+                      </a:pPr>
+                      <a:r>
+                        <a:rPr lang="tr-TR" sz="1200" kern="50" dirty="0" smtClean="0">
+                          <a:effectLst/>
+                          <a:latin typeface="Times New Roman" panose="02020603050405020304" pitchFamily="18" charset="0"/>
+                          <a:ea typeface="Arial Unicode MS" panose="020B0604020202020204" pitchFamily="34" charset="-128"/>
+                          <a:cs typeface="Times New Roman" pitchFamily="18" charset="0"/>
                         </a:rPr>
                         <a:t>Puan:85</a:t>
                       </a:r>
@@ -10236,7 +11285,7 @@
                   </a:ext>
                 </a:extLst>
               </a:tr>
-              <a:tr h="1948451">
+              <a:tr h="1751996">
                 <a:tc>
                   <a:txBody>
                     <a:bodyPr/>
@@ -10357,6 +11406,13 @@
                         <a:ea typeface="+mn-ea"/>
                       </a:endParaRPr>
                     </a:p>
+                  </a:txBody>
+                  <a:tcPr marL="68580" marR="68580" marT="0" marB="0"/>
+                </a:tc>
+                <a:tc>
+                  <a:txBody>
+                    <a:bodyPr/>
+                    <a:lstStyle/>
                     <a:p>
                       <a:pPr marL="0" marR="0" algn="l">
                         <a:spcBef>
@@ -10365,6 +11421,520 @@
                         <a:spcAft>
                           <a:spcPts val="0"/>
                         </a:spcAft>
+                      </a:pPr>
+                      <a:endParaRPr lang="tr-TR" sz="1200" kern="50" dirty="0" smtClean="0">
+                        <a:effectLst/>
+                        <a:latin typeface="Times New Roman" panose="02020603050405020304" pitchFamily="18" charset="0"/>
+                        <a:ea typeface="Arial Unicode MS" panose="020B0604020202020204" pitchFamily="34" charset="-128"/>
+                        <a:cs typeface="Times New Roman" pitchFamily="18" charset="0"/>
+                      </a:endParaRPr>
+                    </a:p>
+                    <a:p>
+                      <a:pPr marL="0" marR="0" algn="l">
+                        <a:spcBef>
+                          <a:spcPts val="0"/>
+                        </a:spcBef>
+                        <a:spcAft>
+                          <a:spcPts val="0"/>
+                        </a:spcAft>
+                      </a:pPr>
+                      <a:endParaRPr lang="tr-TR" sz="1200" kern="50" dirty="0" smtClean="0">
+                        <a:effectLst/>
+                        <a:latin typeface="Times New Roman" panose="02020603050405020304" pitchFamily="18" charset="0"/>
+                        <a:ea typeface="Arial Unicode MS" panose="020B0604020202020204" pitchFamily="34" charset="-128"/>
+                        <a:cs typeface="Times New Roman" pitchFamily="18" charset="0"/>
+                      </a:endParaRPr>
+                    </a:p>
+                    <a:p>
+                      <a:pPr marL="0" marR="0" algn="l">
+                        <a:spcBef>
+                          <a:spcPts val="0"/>
+                        </a:spcBef>
+                        <a:spcAft>
+                          <a:spcPts val="0"/>
+                        </a:spcAft>
+                      </a:pPr>
+                      <a:r>
+                        <a:rPr lang="tr-TR" sz="1200" kern="50" dirty="0" smtClean="0">
+                          <a:effectLst/>
+                          <a:latin typeface="Times New Roman" panose="02020603050405020304" pitchFamily="18" charset="0"/>
+                          <a:ea typeface="Arial Unicode MS" panose="020B0604020202020204" pitchFamily="34" charset="-128"/>
+                          <a:cs typeface="Times New Roman" pitchFamily="18" charset="0"/>
+                        </a:rPr>
+                        <a:t>%30</a:t>
+                      </a:r>
+                      <a:endParaRPr lang="en-US" sz="1200" kern="50" dirty="0">
+                        <a:effectLst/>
+                        <a:latin typeface="Times New Roman" panose="02020603050405020304" pitchFamily="18" charset="0"/>
+                        <a:ea typeface="Arial Unicode MS" panose="020B0604020202020204" pitchFamily="34" charset="-128"/>
+                        <a:cs typeface="Times New Roman" pitchFamily="18" charset="0"/>
+                      </a:endParaRPr>
+                    </a:p>
+                    <a:p>
+                      <a:pPr marL="0" marR="0" algn="l">
+                        <a:spcBef>
+                          <a:spcPts val="0"/>
+                        </a:spcBef>
+                        <a:spcAft>
+                          <a:spcPts val="0"/>
+                        </a:spcAft>
+                      </a:pPr>
+                      <a:endParaRPr lang="tr-TR" sz="1200" kern="50" dirty="0" smtClean="0">
+                        <a:effectLst/>
+                        <a:latin typeface="Times New Roman" panose="02020603050405020304" pitchFamily="18" charset="0"/>
+                        <a:ea typeface="Arial Unicode MS" panose="020B0604020202020204" pitchFamily="34" charset="-128"/>
+                        <a:cs typeface="Times New Roman" pitchFamily="18" charset="0"/>
+                      </a:endParaRPr>
+                    </a:p>
+                    <a:p>
+                      <a:pPr marL="0" marR="0" algn="l">
+                        <a:spcBef>
+                          <a:spcPts val="0"/>
+                        </a:spcBef>
+                        <a:spcAft>
+                          <a:spcPts val="0"/>
+                        </a:spcAft>
+                      </a:pPr>
+                      <a:endParaRPr lang="tr-TR" sz="1200" kern="50" dirty="0" smtClean="0">
+                        <a:effectLst/>
+                        <a:latin typeface="Times New Roman" panose="02020603050405020304" pitchFamily="18" charset="0"/>
+                        <a:ea typeface="Arial Unicode MS" panose="020B0604020202020204" pitchFamily="34" charset="-128"/>
+                        <a:cs typeface="Times New Roman" pitchFamily="18" charset="0"/>
+                      </a:endParaRPr>
+                    </a:p>
+                    <a:p>
+                      <a:pPr marL="0" marR="0" algn="l">
+                        <a:spcBef>
+                          <a:spcPts val="0"/>
+                        </a:spcBef>
+                        <a:spcAft>
+                          <a:spcPts val="0"/>
+                        </a:spcAft>
+                      </a:pPr>
+                      <a:endParaRPr lang="tr-TR" sz="1200" kern="50" dirty="0" smtClean="0">
+                        <a:effectLst/>
+                        <a:latin typeface="Times New Roman" panose="02020603050405020304" pitchFamily="18" charset="0"/>
+                        <a:ea typeface="Arial Unicode MS" panose="020B0604020202020204" pitchFamily="34" charset="-128"/>
+                        <a:cs typeface="Times New Roman" pitchFamily="18" charset="0"/>
+                      </a:endParaRPr>
+                    </a:p>
+                    <a:p>
+                      <a:pPr marL="0" marR="0" algn="l">
+                        <a:spcBef>
+                          <a:spcPts val="0"/>
+                        </a:spcBef>
+                        <a:spcAft>
+                          <a:spcPts val="0"/>
+                        </a:spcAft>
+                      </a:pPr>
+                      <a:endParaRPr lang="tr-TR" sz="1200" kern="50" dirty="0" smtClean="0">
+                        <a:effectLst/>
+                        <a:latin typeface="Times New Roman" panose="02020603050405020304" pitchFamily="18" charset="0"/>
+                        <a:ea typeface="Arial Unicode MS" panose="020B0604020202020204" pitchFamily="34" charset="-128"/>
+                        <a:cs typeface="Times New Roman" pitchFamily="18" charset="0"/>
+                      </a:endParaRPr>
+                    </a:p>
+                    <a:p>
+                      <a:pPr marL="0" marR="0" algn="l">
+                        <a:spcBef>
+                          <a:spcPts val="0"/>
+                        </a:spcBef>
+                        <a:spcAft>
+                          <a:spcPts val="0"/>
+                        </a:spcAft>
+                      </a:pPr>
+                      <a:endParaRPr lang="tr-TR" sz="1200" kern="50" dirty="0" smtClean="0">
+                        <a:effectLst/>
+                        <a:latin typeface="Times New Roman" panose="02020603050405020304" pitchFamily="18" charset="0"/>
+                        <a:ea typeface="Arial Unicode MS" panose="020B0604020202020204" pitchFamily="34" charset="-128"/>
+                        <a:cs typeface="Times New Roman" pitchFamily="18" charset="0"/>
+                      </a:endParaRPr>
+                    </a:p>
+                  </a:txBody>
+                  <a:tcPr marL="68580" marR="68580" marT="0" marB="0"/>
+                </a:tc>
+                <a:tc>
+                  <a:txBody>
+                    <a:bodyPr/>
+                    <a:lstStyle/>
+                    <a:p>
+                      <a:pPr marL="0" marR="0" algn="l">
+                        <a:spcBef>
+                          <a:spcPts val="0"/>
+                        </a:spcBef>
+                        <a:spcAft>
+                          <a:spcPts val="0"/>
+                        </a:spcAft>
+                      </a:pPr>
+                      <a:r>
+                        <a:rPr lang="tr-TR" sz="1200" kern="50" baseline="0" dirty="0" smtClean="0">
+                          <a:effectLst/>
+                          <a:latin typeface="Times New Roman" panose="02020603050405020304" pitchFamily="18" charset="0"/>
+                          <a:ea typeface="Arial Unicode MS" panose="020B0604020202020204" pitchFamily="34" charset="-128"/>
+                          <a:cs typeface="Times New Roman" pitchFamily="18" charset="0"/>
+                        </a:rPr>
+                        <a:t>İstenen programlama dilinde uygulama geliştirmek zaman alacaktır.</a:t>
+                      </a:r>
+                    </a:p>
+                    <a:p>
+                      <a:pPr marL="0" marR="0" algn="l">
+                        <a:spcBef>
+                          <a:spcPts val="0"/>
+                        </a:spcBef>
+                        <a:spcAft>
+                          <a:spcPts val="0"/>
+                        </a:spcAft>
+                      </a:pPr>
+                      <a:endParaRPr lang="tr-TR" sz="1200" kern="50" baseline="0" dirty="0" smtClean="0">
+                        <a:effectLst/>
+                        <a:latin typeface="Times New Roman" panose="02020603050405020304" pitchFamily="18" charset="0"/>
+                        <a:ea typeface="Arial Unicode MS" panose="020B0604020202020204" pitchFamily="34" charset="-128"/>
+                        <a:cs typeface="Times New Roman" pitchFamily="18" charset="0"/>
+                      </a:endParaRPr>
+                    </a:p>
+                    <a:p>
+                      <a:pPr marL="0" marR="0" algn="l">
+                        <a:spcBef>
+                          <a:spcPts val="0"/>
+                        </a:spcBef>
+                        <a:spcAft>
+                          <a:spcPts val="0"/>
+                        </a:spcAft>
+                      </a:pPr>
+                      <a:endParaRPr lang="tr-TR" sz="1200" kern="50" baseline="0" dirty="0" smtClean="0">
+                        <a:effectLst/>
+                        <a:latin typeface="Times New Roman" panose="02020603050405020304" pitchFamily="18" charset="0"/>
+                        <a:ea typeface="Arial Unicode MS" panose="020B0604020202020204" pitchFamily="34" charset="-128"/>
+                        <a:cs typeface="Times New Roman" pitchFamily="18" charset="0"/>
+                      </a:endParaRPr>
+                    </a:p>
+                    <a:p>
+                      <a:pPr marL="0" marR="0" algn="l">
+                        <a:spcBef>
+                          <a:spcPts val="0"/>
+                        </a:spcBef>
+                        <a:spcAft>
+                          <a:spcPts val="0"/>
+                        </a:spcAft>
+                      </a:pPr>
+                      <a:endParaRPr lang="tr-TR" sz="1200" kern="50" baseline="0" dirty="0" smtClean="0">
+                        <a:effectLst/>
+                        <a:latin typeface="Times New Roman" panose="02020603050405020304" pitchFamily="18" charset="0"/>
+                        <a:ea typeface="Arial Unicode MS" panose="020B0604020202020204" pitchFamily="34" charset="-128"/>
+                        <a:cs typeface="Times New Roman" pitchFamily="18" charset="0"/>
+                      </a:endParaRPr>
+                    </a:p>
+                    <a:p>
+                      <a:pPr marL="0" marR="0" algn="l">
+                        <a:spcBef>
+                          <a:spcPts val="0"/>
+                        </a:spcBef>
+                        <a:spcAft>
+                          <a:spcPts val="0"/>
+                        </a:spcAft>
+                      </a:pPr>
+                      <a:endParaRPr lang="tr-TR" sz="1200" kern="50" baseline="0" dirty="0" smtClean="0">
+                        <a:effectLst/>
+                        <a:latin typeface="Times New Roman" panose="02020603050405020304" pitchFamily="18" charset="0"/>
+                        <a:ea typeface="Arial Unicode MS" panose="020B0604020202020204" pitchFamily="34" charset="-128"/>
+                        <a:cs typeface="Times New Roman" pitchFamily="18" charset="0"/>
+                      </a:endParaRPr>
+                    </a:p>
+                    <a:p>
+                      <a:pPr marL="0" marR="0" algn="l">
+                        <a:spcBef>
+                          <a:spcPts val="0"/>
+                        </a:spcBef>
+                        <a:spcAft>
+                          <a:spcPts val="0"/>
+                        </a:spcAft>
+                      </a:pPr>
+                      <a:r>
+                        <a:rPr lang="tr-TR" sz="1200" kern="50" baseline="0" dirty="0" smtClean="0">
+                          <a:effectLst/>
+                          <a:latin typeface="Times New Roman" panose="02020603050405020304" pitchFamily="18" charset="0"/>
+                          <a:ea typeface="Arial Unicode MS" panose="020B0604020202020204" pitchFamily="34" charset="-128"/>
+                          <a:cs typeface="Times New Roman" pitchFamily="18" charset="0"/>
+                        </a:rPr>
+                        <a:t>Puan:60</a:t>
+                      </a:r>
+                    </a:p>
+                  </a:txBody>
+                  <a:tcPr marL="68580" marR="68580" marT="0" marB="0"/>
+                </a:tc>
+                <a:tc>
+                  <a:txBody>
+                    <a:bodyPr/>
+                    <a:lstStyle/>
+                    <a:p>
+                      <a:pPr marL="0" marR="0" algn="l">
+                        <a:spcBef>
+                          <a:spcPts val="0"/>
+                        </a:spcBef>
+                        <a:spcAft>
+                          <a:spcPts val="0"/>
+                        </a:spcAft>
+                      </a:pPr>
+                      <a:r>
+                        <a:rPr lang="tr-TR" sz="1200" kern="50" dirty="0" smtClean="0">
+                          <a:effectLst/>
+                          <a:latin typeface="Times New Roman" panose="02020603050405020304" pitchFamily="18" charset="0"/>
+                          <a:ea typeface="Arial Unicode MS" panose="020B0604020202020204" pitchFamily="34" charset="-128"/>
+                          <a:cs typeface="Times New Roman" pitchFamily="18" charset="0"/>
+                        </a:rPr>
+                        <a:t>Kullanıcıya</a:t>
+                      </a:r>
+                      <a:r>
+                        <a:rPr lang="tr-TR" sz="1200" kern="50" baseline="0" dirty="0" smtClean="0">
+                          <a:effectLst/>
+                          <a:latin typeface="Times New Roman" panose="02020603050405020304" pitchFamily="18" charset="0"/>
+                          <a:ea typeface="Arial Unicode MS" panose="020B0604020202020204" pitchFamily="34" charset="-128"/>
+                          <a:cs typeface="Times New Roman" pitchFamily="18" charset="0"/>
+                        </a:rPr>
+                        <a:t> hitap eden ve tüm ihtiyaçlarını karşılayan, kullanım alanı veya kullanıcı grubu olarak daha etkin kullanılabilecek sistemdir.</a:t>
+                      </a:r>
+                    </a:p>
+                    <a:p>
+                      <a:pPr marL="0" marR="0" algn="l">
+                        <a:spcBef>
+                          <a:spcPts val="0"/>
+                        </a:spcBef>
+                        <a:spcAft>
+                          <a:spcPts val="0"/>
+                        </a:spcAft>
+                      </a:pPr>
+                      <a:endParaRPr lang="tr-TR" sz="1200" kern="50" baseline="0" dirty="0" smtClean="0">
+                        <a:effectLst/>
+                        <a:latin typeface="Times New Roman" panose="02020603050405020304" pitchFamily="18" charset="0"/>
+                        <a:ea typeface="Arial Unicode MS" panose="020B0604020202020204" pitchFamily="34" charset="-128"/>
+                        <a:cs typeface="Times New Roman" pitchFamily="18" charset="0"/>
+                      </a:endParaRPr>
+                    </a:p>
+                    <a:p>
+                      <a:pPr marL="0" marR="0" algn="l">
+                        <a:spcBef>
+                          <a:spcPts val="0"/>
+                        </a:spcBef>
+                        <a:spcAft>
+                          <a:spcPts val="0"/>
+                        </a:spcAft>
+                      </a:pPr>
+                      <a:r>
+                        <a:rPr lang="tr-TR" sz="1200" kern="50" baseline="0" dirty="0" smtClean="0">
+                          <a:effectLst/>
+                          <a:latin typeface="Times New Roman" panose="02020603050405020304" pitchFamily="18" charset="0"/>
+                          <a:ea typeface="Arial Unicode MS" panose="020B0604020202020204" pitchFamily="34" charset="-128"/>
+                          <a:cs typeface="Times New Roman" pitchFamily="18" charset="0"/>
+                        </a:rPr>
+                        <a:t>Puan:100</a:t>
+                      </a:r>
+                    </a:p>
+                  </a:txBody>
+                  <a:tcPr marL="68580" marR="68580" marT="0" marB="0"/>
+                </a:tc>
+                <a:tc>
+                  <a:txBody>
+                    <a:bodyPr/>
+                    <a:lstStyle/>
+                    <a:p>
+                      <a:pPr marL="0" marR="0" algn="l">
+                        <a:spcBef>
+                          <a:spcPts val="0"/>
+                        </a:spcBef>
+                        <a:spcAft>
+                          <a:spcPts val="0"/>
+                        </a:spcAft>
+                      </a:pPr>
+                      <a:r>
+                        <a:rPr lang="tr-TR" sz="1200" kern="50" dirty="0" err="1" smtClean="0">
+                          <a:effectLst/>
+                          <a:latin typeface="Times New Roman" panose="02020603050405020304" pitchFamily="18" charset="0"/>
+                          <a:ea typeface="Arial Unicode MS" panose="020B0604020202020204" pitchFamily="34" charset="-128"/>
+                          <a:cs typeface="Times New Roman" pitchFamily="18" charset="0"/>
+                        </a:rPr>
+                        <a:t>Wordpress</a:t>
+                      </a:r>
+                      <a:r>
+                        <a:rPr lang="tr-TR" sz="1200" kern="50" dirty="0" smtClean="0">
+                          <a:effectLst/>
+                          <a:latin typeface="Times New Roman" panose="02020603050405020304" pitchFamily="18" charset="0"/>
+                          <a:ea typeface="Arial Unicode MS" panose="020B0604020202020204" pitchFamily="34" charset="-128"/>
+                          <a:cs typeface="Times New Roman" pitchFamily="18" charset="0"/>
+                        </a:rPr>
+                        <a:t> teknolojisi</a:t>
+                      </a:r>
+                      <a:r>
+                        <a:rPr lang="tr-TR" sz="1200" kern="50" baseline="0" dirty="0" smtClean="0">
+                          <a:effectLst/>
+                          <a:latin typeface="Times New Roman" panose="02020603050405020304" pitchFamily="18" charset="0"/>
+                          <a:ea typeface="Arial Unicode MS" panose="020B0604020202020204" pitchFamily="34" charset="-128"/>
+                          <a:cs typeface="Times New Roman" pitchFamily="18" charset="0"/>
+                        </a:rPr>
+                        <a:t> hakkında</a:t>
+                      </a:r>
+                      <a:r>
+                        <a:rPr lang="tr-TR" sz="1200" kern="50" dirty="0" smtClean="0">
+                          <a:effectLst/>
+                          <a:latin typeface="Times New Roman" panose="02020603050405020304" pitchFamily="18" charset="0"/>
+                          <a:ea typeface="Arial Unicode MS" panose="020B0604020202020204" pitchFamily="34" charset="-128"/>
+                          <a:cs typeface="Times New Roman" pitchFamily="18" charset="0"/>
+                        </a:rPr>
+                        <a:t> tam</a:t>
+                      </a:r>
+                      <a:r>
+                        <a:rPr lang="tr-TR" sz="1200" kern="50" baseline="0" dirty="0" smtClean="0">
+                          <a:effectLst/>
+                          <a:latin typeface="Times New Roman" panose="02020603050405020304" pitchFamily="18" charset="0"/>
+                          <a:ea typeface="Arial Unicode MS" panose="020B0604020202020204" pitchFamily="34" charset="-128"/>
+                          <a:cs typeface="Times New Roman" pitchFamily="18" charset="0"/>
+                        </a:rPr>
+                        <a:t> anlamıyla bilgi sahibi olunmaması nedeniyle tercih edilmemiştir. </a:t>
+                      </a:r>
+                    </a:p>
+                    <a:p>
+                      <a:pPr marL="0" marR="0" algn="l">
+                        <a:spcBef>
+                          <a:spcPts val="0"/>
+                        </a:spcBef>
+                        <a:spcAft>
+                          <a:spcPts val="0"/>
+                        </a:spcAft>
+                      </a:pPr>
+                      <a:endParaRPr lang="tr-TR" sz="1200" kern="50" baseline="0" dirty="0" smtClean="0">
+                        <a:effectLst/>
+                        <a:latin typeface="Times New Roman" panose="02020603050405020304" pitchFamily="18" charset="0"/>
+                        <a:ea typeface="Arial Unicode MS" panose="020B0604020202020204" pitchFamily="34" charset="-128"/>
+                        <a:cs typeface="Times New Roman" pitchFamily="18" charset="0"/>
+                      </a:endParaRPr>
+                    </a:p>
+                    <a:p>
+                      <a:pPr marL="0" marR="0" algn="l">
+                        <a:spcBef>
+                          <a:spcPts val="0"/>
+                        </a:spcBef>
+                        <a:spcAft>
+                          <a:spcPts val="0"/>
+                        </a:spcAft>
+                      </a:pPr>
+                      <a:endParaRPr lang="tr-TR" sz="1200" kern="50" baseline="0" dirty="0" smtClean="0">
+                        <a:effectLst/>
+                        <a:latin typeface="Times New Roman" panose="02020603050405020304" pitchFamily="18" charset="0"/>
+                        <a:ea typeface="Arial Unicode MS" panose="020B0604020202020204" pitchFamily="34" charset="-128"/>
+                        <a:cs typeface="Times New Roman" pitchFamily="18" charset="0"/>
+                      </a:endParaRPr>
+                    </a:p>
+                    <a:p>
+                      <a:pPr marL="0" marR="0" algn="l">
+                        <a:spcBef>
+                          <a:spcPts val="0"/>
+                        </a:spcBef>
+                        <a:spcAft>
+                          <a:spcPts val="0"/>
+                        </a:spcAft>
+                      </a:pPr>
+                      <a:endParaRPr lang="tr-TR" sz="1200" kern="50" baseline="0" dirty="0" smtClean="0">
+                        <a:effectLst/>
+                        <a:latin typeface="Times New Roman" panose="02020603050405020304" pitchFamily="18" charset="0"/>
+                        <a:ea typeface="Arial Unicode MS" panose="020B0604020202020204" pitchFamily="34" charset="-128"/>
+                        <a:cs typeface="Times New Roman" pitchFamily="18" charset="0"/>
+                      </a:endParaRPr>
+                    </a:p>
+                    <a:p>
+                      <a:pPr marL="0" marR="0" algn="l">
+                        <a:spcBef>
+                          <a:spcPts val="0"/>
+                        </a:spcBef>
+                        <a:spcAft>
+                          <a:spcPts val="0"/>
+                        </a:spcAft>
+                      </a:pPr>
+                      <a:endParaRPr lang="tr-TR" sz="1200" kern="50" baseline="0" dirty="0" smtClean="0">
+                        <a:effectLst/>
+                        <a:latin typeface="Times New Roman" panose="02020603050405020304" pitchFamily="18" charset="0"/>
+                        <a:ea typeface="Arial Unicode MS" panose="020B0604020202020204" pitchFamily="34" charset="-128"/>
+                        <a:cs typeface="Times New Roman" pitchFamily="18" charset="0"/>
+                      </a:endParaRPr>
+                    </a:p>
+                    <a:p>
+                      <a:pPr marL="0" marR="0" algn="l">
+                        <a:spcBef>
+                          <a:spcPts val="0"/>
+                        </a:spcBef>
+                        <a:spcAft>
+                          <a:spcPts val="0"/>
+                        </a:spcAft>
+                      </a:pPr>
+                      <a:r>
+                        <a:rPr lang="tr-TR" sz="1200" kern="50" baseline="0" dirty="0" smtClean="0">
+                          <a:effectLst/>
+                          <a:latin typeface="Times New Roman" panose="02020603050405020304" pitchFamily="18" charset="0"/>
+                          <a:ea typeface="Arial Unicode MS" panose="020B0604020202020204" pitchFamily="34" charset="-128"/>
+                          <a:cs typeface="Times New Roman" pitchFamily="18" charset="0"/>
+                        </a:rPr>
+                        <a:t>Puan:65</a:t>
+                      </a:r>
+                      <a:endParaRPr lang="tr-TR" sz="1200" kern="50" dirty="0" smtClean="0">
+                        <a:effectLst/>
+                        <a:latin typeface="Times New Roman" panose="02020603050405020304" pitchFamily="18" charset="0"/>
+                        <a:ea typeface="Arial Unicode MS" panose="020B0604020202020204" pitchFamily="34" charset="-128"/>
+                        <a:cs typeface="Times New Roman" pitchFamily="18" charset="0"/>
+                      </a:endParaRPr>
+                    </a:p>
+                  </a:txBody>
+                  <a:tcPr marL="68580" marR="68580" marT="0" marB="0"/>
+                </a:tc>
+                <a:extLst>
+                  <a:ext uri="{0D108BD9-81ED-4DB2-BD59-A6C34878D82A}">
+                    <a16:rowId xmlns="" xmlns:a16="http://schemas.microsoft.com/office/drawing/2014/main" val="10004"/>
+                  </a:ext>
+                </a:extLst>
+              </a:tr>
+              <a:tr h="541719">
+                <a:tc>
+                  <a:txBody>
+                    <a:bodyPr/>
+                    <a:lstStyle/>
+                    <a:p>
+                      <a:pPr marL="0" marR="0" indent="0" algn="l" defTabSz="457200" rtl="0" eaLnBrk="1" fontAlgn="auto" latinLnBrk="0" hangingPunct="1">
+                        <a:lnSpc>
+                          <a:spcPct val="100000"/>
+                        </a:lnSpc>
+                        <a:spcBef>
+                          <a:spcPts val="0"/>
+                        </a:spcBef>
+                        <a:spcAft>
+                          <a:spcPts val="0"/>
+                        </a:spcAft>
+                        <a:buClrTx/>
+                        <a:buSzTx/>
+                        <a:buFontTx/>
+                        <a:buNone/>
+                        <a:tabLst/>
+                        <a:defRPr/>
+                      </a:pPr>
+                      <a:endParaRPr lang="tr-TR" sz="1200" kern="50" baseline="0" dirty="0" smtClean="0">
+                        <a:effectLst/>
+                        <a:latin typeface="+mn-lt"/>
+                        <a:ea typeface="+mn-ea"/>
+                      </a:endParaRPr>
+                    </a:p>
+                    <a:p>
+                      <a:pPr marL="0" marR="0" indent="0" algn="l" defTabSz="457200" rtl="0" eaLnBrk="1" fontAlgn="auto" latinLnBrk="0" hangingPunct="1">
+                        <a:lnSpc>
+                          <a:spcPct val="100000"/>
+                        </a:lnSpc>
+                        <a:spcBef>
+                          <a:spcPts val="0"/>
+                        </a:spcBef>
+                        <a:spcAft>
+                          <a:spcPts val="0"/>
+                        </a:spcAft>
+                        <a:buClrTx/>
+                        <a:buSzTx/>
+                        <a:buFontTx/>
+                        <a:buNone/>
+                        <a:tabLst/>
+                        <a:defRPr/>
                       </a:pPr>
                       <a:r>
                         <a:rPr lang="tr-TR" sz="1200" kern="50" baseline="0" dirty="0" smtClean="0">
@@ -10383,154 +11953,78 @@
                     <a:bodyPr/>
                     <a:lstStyle/>
                     <a:p>
-                      <a:pPr marL="0" marR="0" algn="l">
+                      <a:pPr marL="0" marR="0" indent="0" algn="l" defTabSz="457200" rtl="0" eaLnBrk="1" fontAlgn="auto" latinLnBrk="0" hangingPunct="1">
+                        <a:lnSpc>
+                          <a:spcPct val="100000"/>
+                        </a:lnSpc>
                         <a:spcBef>
                           <a:spcPts val="0"/>
                         </a:spcBef>
                         <a:spcAft>
                           <a:spcPts val="0"/>
                         </a:spcAft>
+                        <a:buClrTx/>
+                        <a:buSzTx/>
+                        <a:buFontTx/>
+                        <a:buNone/>
+                        <a:tabLst/>
+                        <a:defRPr/>
                       </a:pPr>
                       <a:endParaRPr lang="tr-TR" sz="1200" kern="50" dirty="0" smtClean="0">
                         <a:effectLst/>
                         <a:latin typeface="Times New Roman" panose="02020603050405020304" pitchFamily="18" charset="0"/>
                         <a:ea typeface="Arial Unicode MS" panose="020B0604020202020204" pitchFamily="34" charset="-128"/>
+                        <a:cs typeface="Times New Roman" pitchFamily="18" charset="0"/>
                       </a:endParaRPr>
                     </a:p>
                     <a:p>
-                      <a:pPr marL="0" marR="0" algn="l">
+                      <a:pPr marL="0" marR="0" indent="0" algn="l" defTabSz="457200" rtl="0" eaLnBrk="1" fontAlgn="auto" latinLnBrk="0" hangingPunct="1">
+                        <a:lnSpc>
+                          <a:spcPct val="100000"/>
+                        </a:lnSpc>
                         <a:spcBef>
                           <a:spcPts val="0"/>
                         </a:spcBef>
                         <a:spcAft>
                           <a:spcPts val="0"/>
                         </a:spcAft>
-                      </a:pPr>
-                      <a:endParaRPr lang="tr-TR" sz="1200" kern="50" dirty="0" smtClean="0">
-                        <a:effectLst/>
-                        <a:latin typeface="Times New Roman" panose="02020603050405020304" pitchFamily="18" charset="0"/>
-                        <a:ea typeface="Arial Unicode MS" panose="020B0604020202020204" pitchFamily="34" charset="-128"/>
-                      </a:endParaRPr>
-                    </a:p>
-                    <a:p>
-                      <a:pPr marL="0" marR="0" algn="l">
-                        <a:spcBef>
-                          <a:spcPts val="0"/>
-                        </a:spcBef>
-                        <a:spcAft>
-                          <a:spcPts val="0"/>
-                        </a:spcAft>
+                        <a:buClrTx/>
+                        <a:buSzTx/>
+                        <a:buFontTx/>
+                        <a:buNone/>
+                        <a:tabLst/>
+                        <a:defRPr/>
                       </a:pPr>
                       <a:r>
                         <a:rPr lang="tr-TR" sz="1200" kern="50" dirty="0" smtClean="0">
                           <a:effectLst/>
                           <a:latin typeface="Times New Roman" panose="02020603050405020304" pitchFamily="18" charset="0"/>
                           <a:ea typeface="Arial Unicode MS" panose="020B0604020202020204" pitchFamily="34" charset="-128"/>
+                          <a:cs typeface="Times New Roman" pitchFamily="18" charset="0"/>
                         </a:rPr>
-                        <a:t>%30</a:t>
+                        <a:t>%100</a:t>
                       </a:r>
+                      <a:endParaRPr lang="en-US" sz="1200" kern="50" dirty="0" smtClean="0">
+                        <a:effectLst/>
+                        <a:latin typeface="Times New Roman" panose="02020603050405020304" pitchFamily="18" charset="0"/>
+                        <a:ea typeface="Arial Unicode MS" panose="020B0604020202020204" pitchFamily="34" charset="-128"/>
+                        <a:cs typeface="Times New Roman" pitchFamily="18" charset="0"/>
+                      </a:endParaRPr>
+                    </a:p>
+                    <a:p>
+                      <a:pPr marL="0" marR="0" algn="l">
+                        <a:spcBef>
+                          <a:spcPts val="0"/>
+                        </a:spcBef>
+                        <a:spcAft>
+                          <a:spcPts val="0"/>
+                        </a:spcAft>
+                      </a:pPr>
                       <a:endParaRPr lang="en-US" sz="1200" kern="50" dirty="0">
                         <a:effectLst/>
                         <a:latin typeface="Times New Roman" panose="02020603050405020304" pitchFamily="18" charset="0"/>
                         <a:ea typeface="Arial Unicode MS" panose="020B0604020202020204" pitchFamily="34" charset="-128"/>
-                      </a:endParaRPr>
-                    </a:p>
-                    <a:p>
-                      <a:pPr marL="0" marR="0" algn="l">
-                        <a:spcBef>
-                          <a:spcPts val="0"/>
-                        </a:spcBef>
-                        <a:spcAft>
-                          <a:spcPts val="0"/>
-                        </a:spcAft>
-                      </a:pPr>
-                      <a:endParaRPr lang="tr-TR" sz="1200" kern="50" dirty="0" smtClean="0">
-                        <a:effectLst/>
-                        <a:latin typeface="Times New Roman" panose="02020603050405020304" pitchFamily="18" charset="0"/>
-                        <a:ea typeface="Arial Unicode MS" panose="020B0604020202020204" pitchFamily="34" charset="-128"/>
-                      </a:endParaRPr>
-                    </a:p>
-                    <a:p>
-                      <a:pPr marL="0" marR="0" algn="l">
-                        <a:spcBef>
-                          <a:spcPts val="0"/>
-                        </a:spcBef>
-                        <a:spcAft>
-                          <a:spcPts val="0"/>
-                        </a:spcAft>
-                      </a:pPr>
-                      <a:endParaRPr lang="tr-TR" sz="1200" kern="50" dirty="0" smtClean="0">
-                        <a:effectLst/>
-                        <a:latin typeface="Times New Roman" panose="02020603050405020304" pitchFamily="18" charset="0"/>
-                        <a:ea typeface="Arial Unicode MS" panose="020B0604020202020204" pitchFamily="34" charset="-128"/>
-                      </a:endParaRPr>
-                    </a:p>
-                    <a:p>
-                      <a:pPr marL="0" marR="0" algn="l">
-                        <a:spcBef>
-                          <a:spcPts val="0"/>
-                        </a:spcBef>
-                        <a:spcAft>
-                          <a:spcPts val="0"/>
-                        </a:spcAft>
-                      </a:pPr>
-                      <a:endParaRPr lang="tr-TR" sz="1200" kern="50" dirty="0" smtClean="0">
-                        <a:effectLst/>
-                        <a:latin typeface="Times New Roman" panose="02020603050405020304" pitchFamily="18" charset="0"/>
-                        <a:ea typeface="Arial Unicode MS" panose="020B0604020202020204" pitchFamily="34" charset="-128"/>
-                      </a:endParaRPr>
-                    </a:p>
-                    <a:p>
-                      <a:pPr marL="0" marR="0" algn="l">
-                        <a:spcBef>
-                          <a:spcPts val="0"/>
-                        </a:spcBef>
-                        <a:spcAft>
-                          <a:spcPts val="0"/>
-                        </a:spcAft>
-                      </a:pPr>
-                      <a:endParaRPr lang="tr-TR" sz="1200" kern="50" dirty="0" smtClean="0">
-                        <a:effectLst/>
-                        <a:latin typeface="Times New Roman" panose="02020603050405020304" pitchFamily="18" charset="0"/>
-                        <a:ea typeface="Arial Unicode MS" panose="020B0604020202020204" pitchFamily="34" charset="-128"/>
-                      </a:endParaRPr>
-                    </a:p>
-                    <a:p>
-                      <a:pPr marL="0" marR="0" algn="l">
-                        <a:spcBef>
-                          <a:spcPts val="0"/>
-                        </a:spcBef>
-                        <a:spcAft>
-                          <a:spcPts val="0"/>
-                        </a:spcAft>
-                      </a:pPr>
-                      <a:endParaRPr lang="tr-TR" sz="1200" kern="50" dirty="0" smtClean="0">
-                        <a:effectLst/>
-                        <a:latin typeface="Times New Roman" panose="02020603050405020304" pitchFamily="18" charset="0"/>
-                        <a:ea typeface="Arial Unicode MS" panose="020B0604020202020204" pitchFamily="34" charset="-128"/>
-                      </a:endParaRPr>
-                    </a:p>
-                    <a:p>
-                      <a:pPr marL="0" marR="0" algn="l">
-                        <a:spcBef>
-                          <a:spcPts val="0"/>
-                        </a:spcBef>
-                        <a:spcAft>
-                          <a:spcPts val="0"/>
-                        </a:spcAft>
-                      </a:pPr>
-                      <a:r>
-                        <a:rPr lang="tr-TR" sz="1200" kern="50" dirty="0" smtClean="0">
-                          <a:effectLst/>
-                          <a:latin typeface="Times New Roman" panose="02020603050405020304" pitchFamily="18" charset="0"/>
-                          <a:ea typeface="Arial Unicode MS" panose="020B0604020202020204" pitchFamily="34" charset="-128"/>
-                        </a:rPr>
-                        <a:t>%100</a:t>
-                      </a:r>
-                      <a:endParaRPr lang="en-US" sz="1200" kern="50" dirty="0">
-                        <a:effectLst/>
-                        <a:latin typeface="Times New Roman" panose="02020603050405020304" pitchFamily="18" charset="0"/>
-                        <a:ea typeface="Arial Unicode MS" panose="020B0604020202020204" pitchFamily="34" charset="-128"/>
+                        <a:cs typeface="Times New Roman" pitchFamily="18" charset="0"/>
                       </a:endParaRPr>
                     </a:p>
                   </a:txBody>
@@ -10541,59 +12035,60 @@
                     <a:bodyPr/>
                     <a:lstStyle/>
                     <a:p>
-                      <a:pPr marL="0" marR="0" algn="ctr">
+                      <a:pPr marL="0" marR="0" indent="0" algn="l" defTabSz="457200" rtl="0" eaLnBrk="1" fontAlgn="auto" latinLnBrk="0" hangingPunct="1">
+                        <a:lnSpc>
+                          <a:spcPct val="100000"/>
+                        </a:lnSpc>
                         <a:spcBef>
                           <a:spcPts val="0"/>
                         </a:spcBef>
                         <a:spcAft>
                           <a:spcPts val="0"/>
                         </a:spcAft>
+                        <a:buClrTx/>
+                        <a:buSzTx/>
+                        <a:buFontTx/>
+                        <a:buNone/>
+                        <a:tabLst/>
+                        <a:defRPr/>
+                      </a:pPr>
+                      <a:endParaRPr lang="tr-TR" sz="1200" kern="50" baseline="0" dirty="0" smtClean="0">
+                        <a:effectLst/>
+                        <a:latin typeface="Times New Roman" panose="02020603050405020304" pitchFamily="18" charset="0"/>
+                        <a:ea typeface="Arial Unicode MS" panose="020B0604020202020204" pitchFamily="34" charset="-128"/>
+                        <a:cs typeface="Times New Roman" pitchFamily="18" charset="0"/>
+                      </a:endParaRPr>
+                    </a:p>
+                    <a:p>
+                      <a:pPr marL="0" marR="0" indent="0" algn="l" defTabSz="457200" rtl="0" eaLnBrk="1" fontAlgn="auto" latinLnBrk="0" hangingPunct="1">
+                        <a:lnSpc>
+                          <a:spcPct val="100000"/>
+                        </a:lnSpc>
+                        <a:spcBef>
+                          <a:spcPts val="0"/>
+                        </a:spcBef>
+                        <a:spcAft>
+                          <a:spcPts val="0"/>
+                        </a:spcAft>
+                        <a:buClrTx/>
+                        <a:buSzTx/>
+                        <a:buFontTx/>
+                        <a:buNone/>
+                        <a:tabLst/>
+                        <a:defRPr/>
                       </a:pPr>
                       <a:r>
                         <a:rPr lang="tr-TR" sz="1200" kern="50" baseline="0" dirty="0" smtClean="0">
                           <a:effectLst/>
                           <a:latin typeface="Times New Roman" panose="02020603050405020304" pitchFamily="18" charset="0"/>
                           <a:ea typeface="Arial Unicode MS" panose="020B0604020202020204" pitchFamily="34" charset="-128"/>
+                          <a:cs typeface="Times New Roman" pitchFamily="18" charset="0"/>
                         </a:rPr>
-                        <a:t>İstenen programlama dilinde uygulama geliştirmek zaman </a:t>
+                        <a:t>71,5</a:t>
                       </a:r>
-                      <a:r>
-                        <a:rPr lang="tr-TR" sz="1200" kern="50" baseline="0" dirty="0" err="1" smtClean="0">
-                          <a:effectLst/>
-                          <a:latin typeface="Times New Roman" panose="02020603050405020304" pitchFamily="18" charset="0"/>
-                          <a:ea typeface="Arial Unicode MS" panose="020B0604020202020204" pitchFamily="34" charset="-128"/>
-                        </a:rPr>
-                        <a:t>alıcaktır</a:t>
-                      </a:r>
-                      <a:r>
-                        <a:rPr lang="tr-TR" sz="1200" kern="50" baseline="0" dirty="0" smtClean="0">
-                          <a:effectLst/>
-                          <a:latin typeface="Times New Roman" panose="02020603050405020304" pitchFamily="18" charset="0"/>
-                          <a:ea typeface="Arial Unicode MS" panose="020B0604020202020204" pitchFamily="34" charset="-128"/>
-                        </a:rPr>
-                        <a:t>.</a:t>
-                      </a:r>
-                    </a:p>
-                    <a:p>
-                      <a:pPr marL="0" marR="0" algn="ctr">
-                        <a:spcBef>
-                          <a:spcPts val="0"/>
-                        </a:spcBef>
-                        <a:spcAft>
-                          <a:spcPts val="0"/>
-                        </a:spcAft>
-                      </a:pPr>
-                      <a:r>
-                        <a:rPr lang="tr-TR" sz="1200" kern="50" baseline="0" dirty="0" smtClean="0">
-                          <a:effectLst/>
-                          <a:latin typeface="Times New Roman" panose="02020603050405020304" pitchFamily="18" charset="0"/>
-                          <a:ea typeface="Arial Unicode MS" panose="020B0604020202020204" pitchFamily="34" charset="-128"/>
-                        </a:rPr>
-                        <a:t>Puan:60</a:t>
-                      </a:r>
-                    </a:p>
-                    <a:p>
-                      <a:pPr marL="0" marR="0" algn="ctr">
+                    </a:p>
+                    <a:p>
+                      <a:pPr marL="0" marR="0" algn="l">
                         <a:spcBef>
                           <a:spcPts val="0"/>
                         </a:spcBef>
@@ -10605,55 +12100,8 @@
                         <a:effectLst/>
                         <a:latin typeface="Times New Roman" panose="02020603050405020304" pitchFamily="18" charset="0"/>
                         <a:ea typeface="Arial Unicode MS" panose="020B0604020202020204" pitchFamily="34" charset="-128"/>
+                        <a:cs typeface="Times New Roman" pitchFamily="18" charset="0"/>
                       </a:endParaRPr>
-                    </a:p>
-                    <a:p>
-                      <a:pPr marL="0" marR="0" algn="ctr">
-                        <a:spcBef>
-                          <a:spcPts val="0"/>
-                        </a:spcBef>
-                        <a:spcAft>
-                          <a:spcPts val="0"/>
-                        </a:spcAft>
-                      </a:pPr>
-                      <a:endParaRPr lang="tr-TR" sz="1200" kern="50" baseline="0" dirty="0" smtClean="0">
-                        <a:effectLst/>
-                        <a:latin typeface="Times New Roman" panose="02020603050405020304" pitchFamily="18" charset="0"/>
-                        <a:ea typeface="Arial Unicode MS" panose="020B0604020202020204" pitchFamily="34" charset="-128"/>
-                      </a:endParaRPr>
-                    </a:p>
-                    <a:p>
-                      <a:pPr marL="0" marR="0" algn="ctr">
-                        <a:spcBef>
-                          <a:spcPts val="0"/>
-                        </a:spcBef>
-                        <a:spcAft>
-                          <a:spcPts val="0"/>
-                        </a:spcAft>
-                      </a:pPr>
-                      <a:endParaRPr lang="tr-TR" sz="1200" kern="50" baseline="0" dirty="0" smtClean="0">
-                        <a:effectLst/>
-                        <a:latin typeface="Times New Roman" panose="02020603050405020304" pitchFamily="18" charset="0"/>
-                        <a:ea typeface="Arial Unicode MS" panose="020B0604020202020204" pitchFamily="34" charset="-128"/>
-                      </a:endParaRPr>
-                    </a:p>
-                    <a:p>
-                      <a:pPr marL="0" marR="0" algn="ctr">
-                        <a:spcBef>
-                          <a:spcPts val="0"/>
-                        </a:spcBef>
-                        <a:spcAft>
-                          <a:spcPts val="0"/>
-                        </a:spcAft>
-                      </a:pPr>
-                      <a:r>
-                        <a:rPr lang="tr-TR" sz="1200" kern="50" baseline="0" dirty="0" smtClean="0">
-                          <a:effectLst/>
-                          <a:latin typeface="Times New Roman" panose="02020603050405020304" pitchFamily="18" charset="0"/>
-                          <a:ea typeface="Arial Unicode MS" panose="020B0604020202020204" pitchFamily="34" charset="-128"/>
-                        </a:rPr>
-                        <a:t>71,5</a:t>
-                      </a:r>
                     </a:p>
                   </a:txBody>
                   <a:tcPr marL="68580" marR="68580" marT="0" marB="0"/>
@@ -10663,118 +12111,78 @@
                     <a:bodyPr/>
                     <a:lstStyle/>
                     <a:p>
-                      <a:pPr marL="0" marR="0" algn="l">
+                      <a:pPr marL="0" marR="0" indent="0" algn="l" defTabSz="457200" rtl="0" eaLnBrk="1" fontAlgn="auto" latinLnBrk="0" hangingPunct="1">
+                        <a:lnSpc>
+                          <a:spcPct val="100000"/>
+                        </a:lnSpc>
                         <a:spcBef>
                           <a:spcPts val="0"/>
                         </a:spcBef>
                         <a:spcAft>
                           <a:spcPts val="0"/>
                         </a:spcAft>
+                        <a:buClrTx/>
+                        <a:buSzTx/>
+                        <a:buFontTx/>
+                        <a:buNone/>
+                        <a:tabLst/>
+                        <a:defRPr/>
                       </a:pPr>
-                      <a:r>
-                        <a:rPr lang="tr-TR" sz="1200" kern="50" dirty="0" smtClean="0">
-                          <a:effectLst/>
-                          <a:latin typeface="Times New Roman" panose="02020603050405020304" pitchFamily="18" charset="0"/>
-                          <a:ea typeface="Arial Unicode MS" panose="020B0604020202020204" pitchFamily="34" charset="-128"/>
-                        </a:rPr>
-                        <a:t>Kullanıcıya</a:t>
-                      </a:r>
-                      <a:r>
-                        <a:rPr lang="tr-TR" sz="1200" kern="50" baseline="0" dirty="0" smtClean="0">
-                          <a:effectLst/>
-                          <a:latin typeface="Times New Roman" panose="02020603050405020304" pitchFamily="18" charset="0"/>
-                          <a:ea typeface="Arial Unicode MS" panose="020B0604020202020204" pitchFamily="34" charset="-128"/>
-                        </a:rPr>
-                        <a:t> hitap eden ve tüm ihtiyaçlarını karşılayan, </a:t>
-                      </a:r>
-                      <a:r>
-                        <a:rPr lang="tr-TR" sz="1200" kern="50" baseline="0" dirty="0" err="1" smtClean="0">
-                          <a:effectLst/>
-                          <a:latin typeface="Times New Roman" panose="02020603050405020304" pitchFamily="18" charset="0"/>
-                          <a:ea typeface="Arial Unicode MS" panose="020B0604020202020204" pitchFamily="34" charset="-128"/>
-                        </a:rPr>
-                        <a:t>kullanim</a:t>
-                      </a:r>
-                      <a:r>
-                        <a:rPr lang="tr-TR" sz="1200" kern="50" baseline="0" dirty="0" smtClean="0">
-                          <a:effectLst/>
-                          <a:latin typeface="Times New Roman" panose="02020603050405020304" pitchFamily="18" charset="0"/>
-                          <a:ea typeface="Arial Unicode MS" panose="020B0604020202020204" pitchFamily="34" charset="-128"/>
-                        </a:rPr>
-                        <a:t> </a:t>
-                      </a:r>
-                      <a:r>
-                        <a:rPr lang="tr-TR" sz="1200" kern="50" baseline="0" dirty="0" err="1" smtClean="0">
-                          <a:effectLst/>
-                          <a:latin typeface="Times New Roman" panose="02020603050405020304" pitchFamily="18" charset="0"/>
-                          <a:ea typeface="Arial Unicode MS" panose="020B0604020202020204" pitchFamily="34" charset="-128"/>
-                        </a:rPr>
-                        <a:t>alani</a:t>
-                      </a:r>
-                      <a:r>
-                        <a:rPr lang="tr-TR" sz="1200" kern="50" baseline="0" dirty="0" smtClean="0">
-                          <a:effectLst/>
-                          <a:latin typeface="Times New Roman" panose="02020603050405020304" pitchFamily="18" charset="0"/>
-                          <a:ea typeface="Arial Unicode MS" panose="020B0604020202020204" pitchFamily="34" charset="-128"/>
-                        </a:rPr>
-                        <a:t> veya </a:t>
-                      </a:r>
-                      <a:r>
-                        <a:rPr lang="tr-TR" sz="1200" kern="50" baseline="0" dirty="0" err="1" smtClean="0">
-                          <a:effectLst/>
-                          <a:latin typeface="Times New Roman" panose="02020603050405020304" pitchFamily="18" charset="0"/>
-                          <a:ea typeface="Arial Unicode MS" panose="020B0604020202020204" pitchFamily="34" charset="-128"/>
-                        </a:rPr>
-                        <a:t>kullanici</a:t>
-                      </a:r>
-                      <a:r>
-                        <a:rPr lang="tr-TR" sz="1200" kern="50" baseline="0" dirty="0" smtClean="0">
-                          <a:effectLst/>
-                          <a:latin typeface="Times New Roman" panose="02020603050405020304" pitchFamily="18" charset="0"/>
-                          <a:ea typeface="Arial Unicode MS" panose="020B0604020202020204" pitchFamily="34" charset="-128"/>
-                        </a:rPr>
-                        <a:t> grubu olarak daha etkin kullanılabilecek sistemdir.</a:t>
-                      </a:r>
-                    </a:p>
-                    <a:p>
-                      <a:pPr marL="0" marR="0" algn="l">
+                      <a:endParaRPr lang="tr-TR" sz="1200" kern="50" baseline="0" dirty="0" smtClean="0">
+                        <a:effectLst/>
+                        <a:latin typeface="Times New Roman" panose="02020603050405020304" pitchFamily="18" charset="0"/>
+                        <a:ea typeface="Arial Unicode MS" panose="020B0604020202020204" pitchFamily="34" charset="-128"/>
+                        <a:cs typeface="Times New Roman" pitchFamily="18" charset="0"/>
+                      </a:endParaRPr>
+                    </a:p>
+                    <a:p>
+                      <a:pPr marL="0" marR="0" indent="0" algn="l" defTabSz="457200" rtl="0" eaLnBrk="1" fontAlgn="auto" latinLnBrk="0" hangingPunct="1">
+                        <a:lnSpc>
+                          <a:spcPct val="100000"/>
+                        </a:lnSpc>
                         <a:spcBef>
                           <a:spcPts val="0"/>
                         </a:spcBef>
                         <a:spcAft>
                           <a:spcPts val="0"/>
                         </a:spcAft>
+                        <a:buClrTx/>
+                        <a:buSzTx/>
+                        <a:buFontTx/>
+                        <a:buNone/>
+                        <a:tabLst/>
+                        <a:defRPr/>
                       </a:pPr>
                       <a:r>
                         <a:rPr lang="tr-TR" sz="1200" kern="50" baseline="0" dirty="0" smtClean="0">
                           <a:effectLst/>
                           <a:latin typeface="Times New Roman" panose="02020603050405020304" pitchFamily="18" charset="0"/>
                           <a:ea typeface="Arial Unicode MS" panose="020B0604020202020204" pitchFamily="34" charset="-128"/>
-                        </a:rPr>
-                        <a:t>Puan:100</a:t>
-                      </a:r>
-                    </a:p>
-                    <a:p>
-                      <a:pPr marL="0" marR="0" algn="l">
-                        <a:spcBef>
-                          <a:spcPts val="0"/>
-                        </a:spcBef>
-                        <a:spcAft>
-                          <a:spcPts val="0"/>
-                        </a:spcAft>
-                      </a:pPr>
-                      <a:r>
-                        <a:rPr lang="tr-TR" sz="1200" kern="50" baseline="0" dirty="0" smtClean="0">
-                          <a:effectLst/>
-                          <a:latin typeface="Times New Roman" panose="02020603050405020304" pitchFamily="18" charset="0"/>
-                          <a:ea typeface="Arial Unicode MS" panose="020B0604020202020204" pitchFamily="34" charset="-128"/>
+                          <a:cs typeface="Times New Roman" pitchFamily="18" charset="0"/>
                         </a:rPr>
                         <a:t>83</a:t>
                       </a:r>
+                      <a:endParaRPr lang="en-US" sz="1200" kern="50" dirty="0" smtClean="0">
+                        <a:effectLst/>
+                        <a:latin typeface="Times New Roman" panose="02020603050405020304" pitchFamily="18" charset="0"/>
+                        <a:ea typeface="Arial Unicode MS" panose="020B0604020202020204" pitchFamily="34" charset="-128"/>
+                        <a:cs typeface="Times New Roman" pitchFamily="18" charset="0"/>
+                      </a:endParaRPr>
+                    </a:p>
+                    <a:p>
+                      <a:pPr marL="0" marR="0" algn="l">
+                        <a:spcBef>
+                          <a:spcPts val="0"/>
+                        </a:spcBef>
+                        <a:spcAft>
+                          <a:spcPts val="0"/>
+                        </a:spcAft>
+                      </a:pPr>
                       <a:endParaRPr lang="en-US" sz="1200" kern="50" dirty="0">
                         <a:effectLst/>
                         <a:latin typeface="Times New Roman" panose="02020603050405020304" pitchFamily="18" charset="0"/>
                         <a:ea typeface="Arial Unicode MS" panose="020B0604020202020204" pitchFamily="34" charset="-128"/>
+                        <a:cs typeface="Times New Roman" pitchFamily="18" charset="0"/>
                       </a:endParaRPr>
                     </a:p>
                   </a:txBody>
@@ -10785,86 +12193,56 @@
                     <a:bodyPr/>
                     <a:lstStyle/>
                     <a:p>
-                      <a:pPr marL="0" marR="0" algn="l">
+                      <a:pPr marL="0" marR="0" indent="0" algn="l" defTabSz="457200" rtl="0" eaLnBrk="1" fontAlgn="auto" latinLnBrk="0" hangingPunct="1">
+                        <a:lnSpc>
+                          <a:spcPct val="100000"/>
+                        </a:lnSpc>
                         <a:spcBef>
                           <a:spcPts val="0"/>
                         </a:spcBef>
                         <a:spcAft>
                           <a:spcPts val="0"/>
                         </a:spcAft>
+                        <a:buClrTx/>
+                        <a:buSzTx/>
+                        <a:buFontTx/>
+                        <a:buNone/>
+                        <a:tabLst/>
+                        <a:defRPr/>
                       </a:pPr>
-                      <a:r>
-                        <a:rPr lang="tr-TR" sz="1200" kern="50" dirty="0" err="1" smtClean="0">
-                          <a:effectLst/>
-                          <a:latin typeface="Times New Roman" panose="02020603050405020304" pitchFamily="18" charset="0"/>
-                          <a:ea typeface="Arial Unicode MS" panose="020B0604020202020204" pitchFamily="34" charset="-128"/>
-                        </a:rPr>
-                        <a:t>Wordpress</a:t>
-                      </a:r>
+                      <a:endParaRPr lang="tr-TR" sz="1200" kern="50" dirty="0" smtClean="0">
+                        <a:effectLst/>
+                        <a:latin typeface="Times New Roman" panose="02020603050405020304" pitchFamily="18" charset="0"/>
+                        <a:ea typeface="Arial Unicode MS" panose="020B0604020202020204" pitchFamily="34" charset="-128"/>
+                        <a:cs typeface="Times New Roman" pitchFamily="18" charset="0"/>
+                      </a:endParaRPr>
+                    </a:p>
+                    <a:p>
+                      <a:pPr marL="0" marR="0" indent="0" algn="l" defTabSz="457200" rtl="0" eaLnBrk="1" fontAlgn="auto" latinLnBrk="0" hangingPunct="1">
+                        <a:lnSpc>
+                          <a:spcPct val="100000"/>
+                        </a:lnSpc>
+                        <a:spcBef>
+                          <a:spcPts val="0"/>
+                        </a:spcBef>
+                        <a:spcAft>
+                          <a:spcPts val="0"/>
+                        </a:spcAft>
+                        <a:buClrTx/>
+                        <a:buSzTx/>
+                        <a:buFontTx/>
+                        <a:buNone/>
+                        <a:tabLst/>
+                        <a:defRPr/>
+                      </a:pPr>
                       <a:r>
                         <a:rPr lang="tr-TR" sz="1200" kern="50" dirty="0" smtClean="0">
                           <a:effectLst/>
                           <a:latin typeface="Times New Roman" panose="02020603050405020304" pitchFamily="18" charset="0"/>
                           <a:ea typeface="Arial Unicode MS" panose="020B0604020202020204" pitchFamily="34" charset="-128"/>
+                          <a:cs typeface="Times New Roman" pitchFamily="18" charset="0"/>
                         </a:rPr>
-                        <a:t> teknolojisi</a:t>
-                      </a:r>
-                      <a:r>
-                        <a:rPr lang="tr-TR" sz="1200" kern="50" baseline="0" dirty="0" smtClean="0">
-                          <a:effectLst/>
-                          <a:latin typeface="Times New Roman" panose="02020603050405020304" pitchFamily="18" charset="0"/>
-                          <a:ea typeface="Arial Unicode MS" panose="020B0604020202020204" pitchFamily="34" charset="-128"/>
-                        </a:rPr>
-                        <a:t> hakkında</a:t>
-                      </a:r>
-                      <a:r>
-                        <a:rPr lang="tr-TR" sz="1200" kern="50" dirty="0" smtClean="0">
-                          <a:effectLst/>
-                          <a:latin typeface="Times New Roman" panose="02020603050405020304" pitchFamily="18" charset="0"/>
-                          <a:ea typeface="Arial Unicode MS" panose="020B0604020202020204" pitchFamily="34" charset="-128"/>
-                        </a:rPr>
-                        <a:t> tam</a:t>
-                      </a:r>
-                      <a:r>
-                        <a:rPr lang="tr-TR" sz="1200" kern="50" baseline="0" dirty="0" smtClean="0">
-                          <a:effectLst/>
-                          <a:latin typeface="Times New Roman" panose="02020603050405020304" pitchFamily="18" charset="0"/>
-                          <a:ea typeface="Arial Unicode MS" panose="020B0604020202020204" pitchFamily="34" charset="-128"/>
-                        </a:rPr>
-                        <a:t> anlamıyla bilgi sahibi olunmaması nedeniyle tercih edilmemiştir. </a:t>
-                      </a:r>
-                    </a:p>
-                    <a:p>
-                      <a:pPr marL="0" marR="0" algn="l">
-                        <a:spcBef>
-                          <a:spcPts val="0"/>
-                        </a:spcBef>
-                        <a:spcAft>
-                          <a:spcPts val="0"/>
-                        </a:spcAft>
-                      </a:pPr>
-                      <a:endParaRPr lang="tr-TR" sz="1200" kern="50" baseline="0" dirty="0" smtClean="0">
-                        <a:effectLst/>
-                        <a:latin typeface="Times New Roman" panose="02020603050405020304" pitchFamily="18" charset="0"/>
-                        <a:ea typeface="Arial Unicode MS" panose="020B0604020202020204" pitchFamily="34" charset="-128"/>
-                      </a:endParaRPr>
-                    </a:p>
-                    <a:p>
-                      <a:pPr marL="0" marR="0" algn="l">
-                        <a:spcBef>
-                          <a:spcPts val="0"/>
-                        </a:spcBef>
-                        <a:spcAft>
-                          <a:spcPts val="0"/>
-                        </a:spcAft>
-                      </a:pPr>
-                      <a:r>
-                        <a:rPr lang="tr-TR" sz="1200" kern="50" baseline="0" dirty="0" smtClean="0">
-                          <a:effectLst/>
-                          <a:latin typeface="Times New Roman" panose="02020603050405020304" pitchFamily="18" charset="0"/>
-                          <a:ea typeface="Arial Unicode MS" panose="020B0604020202020204" pitchFamily="34" charset="-128"/>
-                        </a:rPr>
-                        <a:t>Puan:65</a:t>
+                        <a:t>80,5</a:t>
                       </a:r>
                     </a:p>
                     <a:p>
@@ -10880,49 +12258,12 @@
                         <a:effectLst/>
                         <a:latin typeface="Times New Roman" panose="02020603050405020304" pitchFamily="18" charset="0"/>
                         <a:ea typeface="Arial Unicode MS" panose="020B0604020202020204" pitchFamily="34" charset="-128"/>
+                        <a:cs typeface="Times New Roman" pitchFamily="18" charset="0"/>
                       </a:endParaRPr>
-                    </a:p>
-                    <a:p>
-                      <a:pPr marL="0" marR="0" algn="l">
-                        <a:spcBef>
-                          <a:spcPts val="0"/>
-                        </a:spcBef>
-                        <a:spcAft>
-                          <a:spcPts val="0"/>
-                        </a:spcAft>
-                      </a:pPr>
-                      <a:endParaRPr lang="tr-TR" sz="1200" kern="50" dirty="0" smtClean="0">
-                        <a:effectLst/>
-                        <a:latin typeface="Times New Roman" panose="02020603050405020304" pitchFamily="18" charset="0"/>
-                        <a:ea typeface="Arial Unicode MS" panose="020B0604020202020204" pitchFamily="34" charset="-128"/>
-                      </a:endParaRPr>
-                    </a:p>
-                    <a:p>
-                      <a:pPr marL="0" marR="0" algn="l">
-                        <a:spcBef>
-                          <a:spcPts val="0"/>
-                        </a:spcBef>
-                        <a:spcAft>
-                          <a:spcPts val="0"/>
-                        </a:spcAft>
-                      </a:pPr>
-                      <a:r>
-                        <a:rPr lang="tr-TR" sz="1200" kern="50" dirty="0" smtClean="0">
-                          <a:effectLst/>
-                          <a:latin typeface="Times New Roman" panose="02020603050405020304" pitchFamily="18" charset="0"/>
-                          <a:ea typeface="Arial Unicode MS" panose="020B0604020202020204" pitchFamily="34" charset="-128"/>
-                        </a:rPr>
-                        <a:t>80,5</a:t>
-                      </a:r>
                     </a:p>
                   </a:txBody>
                   <a:tcPr marL="68580" marR="68580" marT="0" marB="0"/>
                 </a:tc>
-                <a:extLst>
-                  <a:ext uri="{0D108BD9-81ED-4DB2-BD59-A6C34878D82A}">
-                    <a16:rowId xmlns="" xmlns:a16="http://schemas.microsoft.com/office/drawing/2014/main" val="10004"/>
-                  </a:ext>
-                </a:extLst>
               </a:tr>
             </a:tbl>
           </a:graphicData>
@@ -12143,14 +13484,7 @@
                 <a:latin typeface="Times New Roman" panose="02020603050405020304" pitchFamily="18" charset="0"/>
                 <a:ea typeface="Arial Unicode MS" panose="020B0604020202020204" pitchFamily="34" charset="-128"/>
               </a:rPr>
-              <a:t> yazarı olmanın diğer bir artısı da sayfa ziyaretçileriniz üzerinden elde edebileceğiniz gelirlerdir. Bu konudan ayrı bir başlık altında bahsedeceğimden şuan detaya girmiyorum</a:t>
-            </a:r>
-            <a:r>
-              <a:rPr lang="tr-TR" kern="50" dirty="0">
-                <a:latin typeface="Times New Roman" panose="02020603050405020304" pitchFamily="18" charset="0"/>
-                <a:ea typeface="Arial Unicode MS" panose="020B0604020202020204" pitchFamily="34" charset="-128"/>
-              </a:rPr>
-              <a:t>.</a:t>
+              <a:t> yazarı olmanın diğer bir artısı da sayfa ziyaretçileriniz üzerinden elde edebileceğiniz gelirlerdir. Bu konudan ayrı bir başlık altında bahsedeceğimden şuan detaya girmiyorum.</a:t>
             </a:r>
           </a:p>
           <a:p>
@@ -14454,6 +15788,13 @@
   <p:clrMapOvr>
     <a:masterClrMapping/>
   </p:clrMapOvr>
+  <p:timing>
+    <p:tnLst>
+      <p:par>
+        <p:cTn id="1" dur="indefinite" restart="never" nodeType="tmRoot"/>
+      </p:par>
+    </p:tnLst>
+  </p:timing>
 </p:sld>
 </file>
 
@@ -14622,6 +15963,13 @@
   <p:clrMapOvr>
     <a:masterClrMapping/>
   </p:clrMapOvr>
+  <p:timing>
+    <p:tnLst>
+      <p:par>
+        <p:cTn id="1" dur="indefinite" restart="never" nodeType="tmRoot"/>
+      </p:par>
+    </p:tnLst>
+  </p:timing>
 </p:sld>
 </file>
 
@@ -14837,6 +16185,13 @@
   <p:clrMapOvr>
     <a:masterClrMapping/>
   </p:clrMapOvr>
+  <p:timing>
+    <p:tnLst>
+      <p:par>
+        <p:cTn id="1" dur="indefinite" restart="never" nodeType="tmRoot"/>
+      </p:par>
+    </p:tnLst>
+  </p:timing>
 </p:sld>
 </file>
 

--- a/Sistem Analizi ve Tasarımı 1. Sunum.pptx
+++ b/Sistem Analizi ve Tasarımı 1. Sunum.pptx
@@ -124,7 +124,7 @@
   </p:defaultTextStyle>
   <p:extLst>
     <p:ext uri="{EFAFB233-063F-42B5-8137-9DF3F51BA10A}">
-      <p15:sldGuideLst xmlns="" xmlns:p15="http://schemas.microsoft.com/office/powerpoint/2012/main"/>
+      <p15:sldGuideLst xmlns:p15="http://schemas.microsoft.com/office/powerpoint/2012/main" xmlns=""/>
     </p:ext>
   </p:extLst>
 </p:presentation>
@@ -7196,63 +7196,63 @@
                 <a:gridCol w="2887353">
                   <a:extLst>
                     <a:ext uri="{9D8B030D-6E8A-4147-A177-3AD203B41FA5}">
-                      <a16:colId xmlns="" xmlns:a16="http://schemas.microsoft.com/office/drawing/2014/main" val="20000"/>
+                      <a16:colId xmlns:a16="http://schemas.microsoft.com/office/drawing/2014/main" xmlns="" val="20000"/>
                     </a:ext>
                   </a:extLst>
                 </a:gridCol>
                 <a:gridCol w="867662">
                   <a:extLst>
                     <a:ext uri="{9D8B030D-6E8A-4147-A177-3AD203B41FA5}">
-                      <a16:colId xmlns="" xmlns:a16="http://schemas.microsoft.com/office/drawing/2014/main" val="20001"/>
+                      <a16:colId xmlns:a16="http://schemas.microsoft.com/office/drawing/2014/main" xmlns="" val="20001"/>
                     </a:ext>
                   </a:extLst>
                 </a:gridCol>
                 <a:gridCol w="849809">
                   <a:extLst>
                     <a:ext uri="{9D8B030D-6E8A-4147-A177-3AD203B41FA5}">
-                      <a16:colId xmlns="" xmlns:a16="http://schemas.microsoft.com/office/drawing/2014/main" val="20002"/>
+                      <a16:colId xmlns:a16="http://schemas.microsoft.com/office/drawing/2014/main" xmlns="" val="20002"/>
                     </a:ext>
                   </a:extLst>
                 </a:gridCol>
                 <a:gridCol w="905573">
                   <a:extLst>
                     <a:ext uri="{9D8B030D-6E8A-4147-A177-3AD203B41FA5}">
-                      <a16:colId xmlns="" xmlns:a16="http://schemas.microsoft.com/office/drawing/2014/main" val="20003"/>
+                      <a16:colId xmlns:a16="http://schemas.microsoft.com/office/drawing/2014/main" xmlns="" val="20003"/>
                     </a:ext>
                   </a:extLst>
                 </a:gridCol>
                 <a:gridCol w="763325">
                   <a:extLst>
                     <a:ext uri="{9D8B030D-6E8A-4147-A177-3AD203B41FA5}">
-                      <a16:colId xmlns="" xmlns:a16="http://schemas.microsoft.com/office/drawing/2014/main" val="20004"/>
+                      <a16:colId xmlns:a16="http://schemas.microsoft.com/office/drawing/2014/main" xmlns="" val="20004"/>
                     </a:ext>
                   </a:extLst>
                 </a:gridCol>
                 <a:gridCol w="826936">
                   <a:extLst>
                     <a:ext uri="{9D8B030D-6E8A-4147-A177-3AD203B41FA5}">
-                      <a16:colId xmlns="" xmlns:a16="http://schemas.microsoft.com/office/drawing/2014/main" val="20005"/>
+                      <a16:colId xmlns:a16="http://schemas.microsoft.com/office/drawing/2014/main" xmlns="" val="20005"/>
                     </a:ext>
                   </a:extLst>
                 </a:gridCol>
                 <a:gridCol w="866692">
                   <a:extLst>
                     <a:ext uri="{9D8B030D-6E8A-4147-A177-3AD203B41FA5}">
-                      <a16:colId xmlns="" xmlns:a16="http://schemas.microsoft.com/office/drawing/2014/main" val="20006"/>
+                      <a16:colId xmlns:a16="http://schemas.microsoft.com/office/drawing/2014/main" xmlns="" val="20006"/>
                     </a:ext>
                   </a:extLst>
                 </a:gridCol>
                 <a:gridCol w="818984">
                   <a:extLst>
                     <a:ext uri="{9D8B030D-6E8A-4147-A177-3AD203B41FA5}">
-                      <a16:colId xmlns="" xmlns:a16="http://schemas.microsoft.com/office/drawing/2014/main" val="20007"/>
+                      <a16:colId xmlns:a16="http://schemas.microsoft.com/office/drawing/2014/main" xmlns="" val="20007"/>
                     </a:ext>
                   </a:extLst>
                 </a:gridCol>
                 <a:gridCol w="1343771">
                   <a:extLst>
                     <a:ext uri="{9D8B030D-6E8A-4147-A177-3AD203B41FA5}">
-                      <a16:colId xmlns="" xmlns:a16="http://schemas.microsoft.com/office/drawing/2014/main" val="20008"/>
+                      <a16:colId xmlns:a16="http://schemas.microsoft.com/office/drawing/2014/main" xmlns="" val="20008"/>
                     </a:ext>
                   </a:extLst>
                 </a:gridCol>
@@ -7362,7 +7362,7 @@
                 </a:tc>
                 <a:extLst>
                   <a:ext uri="{0D108BD9-81ED-4DB2-BD59-A6C34878D82A}">
-                    <a16:rowId xmlns="" xmlns:a16="http://schemas.microsoft.com/office/drawing/2014/main" val="10000"/>
+                    <a16:rowId xmlns:a16="http://schemas.microsoft.com/office/drawing/2014/main" xmlns="" val="10000"/>
                   </a:ext>
                 </a:extLst>
               </a:tr>
@@ -7596,7 +7596,7 @@
                 </a:tc>
                 <a:extLst>
                   <a:ext uri="{0D108BD9-81ED-4DB2-BD59-A6C34878D82A}">
-                    <a16:rowId xmlns="" xmlns:a16="http://schemas.microsoft.com/office/drawing/2014/main" val="10001"/>
+                    <a16:rowId xmlns:a16="http://schemas.microsoft.com/office/drawing/2014/main" xmlns="" val="10001"/>
                   </a:ext>
                 </a:extLst>
               </a:tr>
@@ -7717,7 +7717,7 @@
                 </a:tc>
                 <a:extLst>
                   <a:ext uri="{0D108BD9-81ED-4DB2-BD59-A6C34878D82A}">
-                    <a16:rowId xmlns="" xmlns:a16="http://schemas.microsoft.com/office/drawing/2014/main" val="10002"/>
+                    <a16:rowId xmlns:a16="http://schemas.microsoft.com/office/drawing/2014/main" xmlns="" val="10002"/>
                   </a:ext>
                 </a:extLst>
               </a:tr>
@@ -7841,7 +7841,7 @@
                 </a:tc>
                 <a:extLst>
                   <a:ext uri="{0D108BD9-81ED-4DB2-BD59-A6C34878D82A}">
-                    <a16:rowId xmlns="" xmlns:a16="http://schemas.microsoft.com/office/drawing/2014/main" val="10003"/>
+                    <a16:rowId xmlns:a16="http://schemas.microsoft.com/office/drawing/2014/main" xmlns="" val="10003"/>
                   </a:ext>
                 </a:extLst>
               </a:tr>
@@ -7973,7 +7973,7 @@
                 </a:tc>
                 <a:extLst>
                   <a:ext uri="{0D108BD9-81ED-4DB2-BD59-A6C34878D82A}">
-                    <a16:rowId xmlns="" xmlns:a16="http://schemas.microsoft.com/office/drawing/2014/main" val="10004"/>
+                    <a16:rowId xmlns:a16="http://schemas.microsoft.com/office/drawing/2014/main" xmlns="" val="10004"/>
                   </a:ext>
                 </a:extLst>
               </a:tr>
@@ -8105,7 +8105,7 @@
                 </a:tc>
                 <a:extLst>
                   <a:ext uri="{0D108BD9-81ED-4DB2-BD59-A6C34878D82A}">
-                    <a16:rowId xmlns="" xmlns:a16="http://schemas.microsoft.com/office/drawing/2014/main" val="10005"/>
+                    <a16:rowId xmlns:a16="http://schemas.microsoft.com/office/drawing/2014/main" xmlns="" val="10005"/>
                   </a:ext>
                 </a:extLst>
               </a:tr>
@@ -8237,7 +8237,7 @@
                 </a:tc>
                 <a:extLst>
                   <a:ext uri="{0D108BD9-81ED-4DB2-BD59-A6C34878D82A}">
-                    <a16:rowId xmlns="" xmlns:a16="http://schemas.microsoft.com/office/drawing/2014/main" val="10006"/>
+                    <a16:rowId xmlns:a16="http://schemas.microsoft.com/office/drawing/2014/main" xmlns="" val="10006"/>
                   </a:ext>
                 </a:extLst>
               </a:tr>
@@ -9778,7 +9778,7 @@
           <p:nvPr>
             <p:extLst>
               <p:ext uri="{D42A27DB-BD31-4B8C-83A1-F6EECF244321}">
-                <p14:modId xmlns:p14="http://schemas.microsoft.com/office/powerpoint/2010/main" val="1556491316"/>
+                <p14:modId xmlns:p14="http://schemas.microsoft.com/office/powerpoint/2010/main" val="599969767"/>
               </p:ext>
             </p:extLst>
           </p:nvPr>
@@ -9797,35 +9797,35 @@
                 <a:gridCol w="1604285">
                   <a:extLst>
                     <a:ext uri="{9D8B030D-6E8A-4147-A177-3AD203B41FA5}">
-                      <a16:colId xmlns="" xmlns:a16="http://schemas.microsoft.com/office/drawing/2014/main" val="20000"/>
+                      <a16:colId xmlns:a16="http://schemas.microsoft.com/office/drawing/2014/main" xmlns="" val="20000"/>
                     </a:ext>
                   </a:extLst>
                 </a:gridCol>
                 <a:gridCol w="961211">
                   <a:extLst>
                     <a:ext uri="{9D8B030D-6E8A-4147-A177-3AD203B41FA5}">
-                      <a16:colId xmlns="" xmlns:a16="http://schemas.microsoft.com/office/drawing/2014/main" val="20001"/>
+                      <a16:colId xmlns:a16="http://schemas.microsoft.com/office/drawing/2014/main" xmlns="" val="20001"/>
                     </a:ext>
                   </a:extLst>
                 </a:gridCol>
                 <a:gridCol w="1753861">
                   <a:extLst>
                     <a:ext uri="{9D8B030D-6E8A-4147-A177-3AD203B41FA5}">
-                      <a16:colId xmlns="" xmlns:a16="http://schemas.microsoft.com/office/drawing/2014/main" val="20002"/>
+                      <a16:colId xmlns:a16="http://schemas.microsoft.com/office/drawing/2014/main" xmlns="" val="20002"/>
                     </a:ext>
                   </a:extLst>
                 </a:gridCol>
                 <a:gridCol w="1694984">
                   <a:extLst>
                     <a:ext uri="{9D8B030D-6E8A-4147-A177-3AD203B41FA5}">
-                      <a16:colId xmlns="" xmlns:a16="http://schemas.microsoft.com/office/drawing/2014/main" val="20003"/>
+                      <a16:colId xmlns:a16="http://schemas.microsoft.com/office/drawing/2014/main" xmlns="" val="20003"/>
                     </a:ext>
                   </a:extLst>
                 </a:gridCol>
                 <a:gridCol w="2022030">
                   <a:extLst>
                     <a:ext uri="{9D8B030D-6E8A-4147-A177-3AD203B41FA5}">
-                      <a16:colId xmlns="" xmlns:a16="http://schemas.microsoft.com/office/drawing/2014/main" val="20004"/>
+                      <a16:colId xmlns:a16="http://schemas.microsoft.com/office/drawing/2014/main" xmlns="" val="20004"/>
                     </a:ext>
                   </a:extLst>
                 </a:gridCol>
@@ -9919,7 +9919,7 @@
                       </a:endParaRPr>
                     </a:p>
                   </a:txBody>
-                  <a:tcPr marL="68580" marR="68580" marT="0" marB="0"/>
+                  <a:tcPr marL="68580" marR="68580" marT="0" marB="0" anchor="ctr"/>
                 </a:tc>
                 <a:tc>
                   <a:txBody>
@@ -9957,7 +9957,7 @@
                       </a:endParaRPr>
                     </a:p>
                   </a:txBody>
-                  <a:tcPr marL="68580" marR="68580" marT="0" marB="0"/>
+                  <a:tcPr marL="68580" marR="68580" marT="0" marB="0" anchor="ctr"/>
                 </a:tc>
                 <a:tc>
                   <a:txBody>
@@ -9995,11 +9995,11 @@
                       </a:endParaRPr>
                     </a:p>
                   </a:txBody>
-                  <a:tcPr marL="68580" marR="68580" marT="0" marB="0"/>
+                  <a:tcPr marL="68580" marR="68580" marT="0" marB="0" anchor="ctr"/>
                 </a:tc>
                 <a:extLst>
                   <a:ext uri="{0D108BD9-81ED-4DB2-BD59-A6C34878D82A}">
-                    <a16:rowId xmlns="" xmlns:a16="http://schemas.microsoft.com/office/drawing/2014/main" val="10000"/>
+                    <a16:rowId xmlns:a16="http://schemas.microsoft.com/office/drawing/2014/main" xmlns="" val="10000"/>
                   </a:ext>
                 </a:extLst>
               </a:tr>
@@ -10515,7 +10515,7 @@
                 </a:tc>
                 <a:extLst>
                   <a:ext uri="{0D108BD9-81ED-4DB2-BD59-A6C34878D82A}">
-                    <a16:rowId xmlns="" xmlns:a16="http://schemas.microsoft.com/office/drawing/2014/main" val="10001"/>
+                    <a16:rowId xmlns:a16="http://schemas.microsoft.com/office/drawing/2014/main" xmlns="" val="10001"/>
                   </a:ext>
                 </a:extLst>
               </a:tr>
@@ -11007,7 +11007,7 @@
                 </a:tc>
                 <a:extLst>
                   <a:ext uri="{0D108BD9-81ED-4DB2-BD59-A6C34878D82A}">
-                    <a16:rowId xmlns="" xmlns:a16="http://schemas.microsoft.com/office/drawing/2014/main" val="10002"/>
+                    <a16:rowId xmlns:a16="http://schemas.microsoft.com/office/drawing/2014/main" xmlns="" val="10002"/>
                   </a:ext>
                 </a:extLst>
               </a:tr>
@@ -11281,7 +11281,7 @@
                 </a:tc>
                 <a:extLst>
                   <a:ext uri="{0D108BD9-81ED-4DB2-BD59-A6C34878D82A}">
-                    <a16:rowId xmlns="" xmlns:a16="http://schemas.microsoft.com/office/drawing/2014/main" val="10003"/>
+                    <a16:rowId xmlns:a16="http://schemas.microsoft.com/office/drawing/2014/main" xmlns="" val="10003"/>
                   </a:ext>
                 </a:extLst>
               </a:tr>
@@ -11885,7 +11885,7 @@
                 </a:tc>
                 <a:extLst>
                   <a:ext uri="{0D108BD9-81ED-4DB2-BD59-A6C34878D82A}">
-                    <a16:rowId xmlns="" xmlns:a16="http://schemas.microsoft.com/office/drawing/2014/main" val="10004"/>
+                    <a16:rowId xmlns:a16="http://schemas.microsoft.com/office/drawing/2014/main" xmlns="" val="10004"/>
                   </a:ext>
                 </a:extLst>
               </a:tr>
@@ -13900,21 +13900,21 @@
                 <a:gridCol w="1133918">
                   <a:extLst>
                     <a:ext uri="{9D8B030D-6E8A-4147-A177-3AD203B41FA5}">
-                      <a16:colId xmlns="" xmlns:a16="http://schemas.microsoft.com/office/drawing/2014/main" val="20000"/>
+                      <a16:colId xmlns:a16="http://schemas.microsoft.com/office/drawing/2014/main" xmlns="" val="20000"/>
                     </a:ext>
                   </a:extLst>
                 </a:gridCol>
                 <a:gridCol w="2260549">
                   <a:extLst>
                     <a:ext uri="{9D8B030D-6E8A-4147-A177-3AD203B41FA5}">
-                      <a16:colId xmlns="" xmlns:a16="http://schemas.microsoft.com/office/drawing/2014/main" val="20001"/>
+                      <a16:colId xmlns:a16="http://schemas.microsoft.com/office/drawing/2014/main" xmlns="" val="20001"/>
                     </a:ext>
                   </a:extLst>
                 </a:gridCol>
                 <a:gridCol w="4705185">
                   <a:extLst>
                     <a:ext uri="{9D8B030D-6E8A-4147-A177-3AD203B41FA5}">
-                      <a16:colId xmlns="" xmlns:a16="http://schemas.microsoft.com/office/drawing/2014/main" val="20002"/>
+                      <a16:colId xmlns:a16="http://schemas.microsoft.com/office/drawing/2014/main" xmlns="" val="20002"/>
                     </a:ext>
                   </a:extLst>
                 </a:gridCol>
@@ -14016,7 +14016,7 @@
                 </a:tc>
                 <a:extLst>
                   <a:ext uri="{0D108BD9-81ED-4DB2-BD59-A6C34878D82A}">
-                    <a16:rowId xmlns="" xmlns:a16="http://schemas.microsoft.com/office/drawing/2014/main" val="10000"/>
+                    <a16:rowId xmlns:a16="http://schemas.microsoft.com/office/drawing/2014/main" xmlns="" val="10000"/>
                   </a:ext>
                 </a:extLst>
               </a:tr>
@@ -14470,7 +14470,7 @@
                 </a:tc>
                 <a:extLst>
                   <a:ext uri="{0D108BD9-81ED-4DB2-BD59-A6C34878D82A}">
-                    <a16:rowId xmlns="" xmlns:a16="http://schemas.microsoft.com/office/drawing/2014/main" val="10001"/>
+                    <a16:rowId xmlns:a16="http://schemas.microsoft.com/office/drawing/2014/main" xmlns="" val="10001"/>
                   </a:ext>
                 </a:extLst>
               </a:tr>
@@ -14549,7 +14549,7 @@
                 </a:tc>
                 <a:extLst>
                   <a:ext uri="{0D108BD9-81ED-4DB2-BD59-A6C34878D82A}">
-                    <a16:rowId xmlns="" xmlns:a16="http://schemas.microsoft.com/office/drawing/2014/main" val="10002"/>
+                    <a16:rowId xmlns:a16="http://schemas.microsoft.com/office/drawing/2014/main" xmlns="" val="10002"/>
                   </a:ext>
                 </a:extLst>
               </a:tr>
@@ -14640,7 +14640,7 @@
                 </a:tc>
                 <a:extLst>
                   <a:ext uri="{0D108BD9-81ED-4DB2-BD59-A6C34878D82A}">
-                    <a16:rowId xmlns="" xmlns:a16="http://schemas.microsoft.com/office/drawing/2014/main" val="10003"/>
+                    <a16:rowId xmlns:a16="http://schemas.microsoft.com/office/drawing/2014/main" xmlns="" val="10003"/>
                   </a:ext>
                 </a:extLst>
               </a:tr>
@@ -16453,7 +16453,7 @@
   <a:extraClrSchemeLst/>
   <a:extLst>
     <a:ext uri="{05A4C25C-085E-4340-85A3-A5531E510DB2}">
-      <thm15:themeFamily xmlns="" xmlns:thm15="http://schemas.microsoft.com/office/thememl/2012/main" name="Ion" id="{B8441ADB-2E43-4AF7-B97A-BD870242C6A8}" vid="{A207AED3-9ABC-4A18-9978-A59B65688B15}"/>
+      <thm15:themeFamily xmlns:thm15="http://schemas.microsoft.com/office/thememl/2012/main" xmlns="" name="Ion" id="{B8441ADB-2E43-4AF7-B97A-BD870242C6A8}" vid="{A207AED3-9ABC-4A18-9978-A59B65688B15}"/>
     </a:ext>
   </a:extLst>
 </a:theme>
